--- a/capstonepresentation.pptx
+++ b/capstonepresentation.pptx
@@ -2,19 +2,23 @@
 <file path=ppt/presentation.xml><?xml version="1.0" encoding="utf-8"?>
 <p:presentation xmlns:a="http://schemas.openxmlformats.org/drawingml/2006/main" xmlns:r="http://schemas.openxmlformats.org/officeDocument/2006/relationships" xmlns:p="http://schemas.openxmlformats.org/presentationml/2006/main" saveSubsetFonts="1">
   <p:sldMasterIdLst>
-    <p:sldMasterId id="2147483648" r:id="rId1"/>
+    <p:sldMasterId id="2147483672" r:id="rId1"/>
   </p:sldMasterIdLst>
   <p:sldIdLst>
     <p:sldId id="256" r:id="rId2"/>
-    <p:sldId id="264" r:id="rId3"/>
-    <p:sldId id="265" r:id="rId4"/>
-    <p:sldId id="257" r:id="rId5"/>
-    <p:sldId id="258" r:id="rId6"/>
-    <p:sldId id="259" r:id="rId7"/>
-    <p:sldId id="260" r:id="rId8"/>
-    <p:sldId id="261" r:id="rId9"/>
-    <p:sldId id="262" r:id="rId10"/>
-    <p:sldId id="263" r:id="rId11"/>
+    <p:sldId id="269" r:id="rId3"/>
+    <p:sldId id="264" r:id="rId4"/>
+    <p:sldId id="265" r:id="rId5"/>
+    <p:sldId id="266" r:id="rId6"/>
+    <p:sldId id="257" r:id="rId7"/>
+    <p:sldId id="258" r:id="rId8"/>
+    <p:sldId id="263" r:id="rId9"/>
+    <p:sldId id="260" r:id="rId10"/>
+    <p:sldId id="261" r:id="rId11"/>
+    <p:sldId id="262" r:id="rId12"/>
+    <p:sldId id="259" r:id="rId13"/>
+    <p:sldId id="268" r:id="rId14"/>
+    <p:sldId id="267" r:id="rId15"/>
   </p:sldIdLst>
   <p:sldSz cx="12192000" cy="6858000"/>
   <p:notesSz cx="6858000" cy="9144000"/>
@@ -22,7 +26,7 @@
     <a:defPPr>
       <a:defRPr lang="en-US"/>
     </a:defPPr>
-    <a:lvl1pPr marL="0" algn="l" defTabSz="914400" rtl="0" eaLnBrk="1" latinLnBrk="0" hangingPunct="1">
+    <a:lvl1pPr marL="0" algn="l" defTabSz="457200" rtl="0" eaLnBrk="1" latinLnBrk="0" hangingPunct="1">
       <a:defRPr sz="1800" kern="1200">
         <a:solidFill>
           <a:schemeClr val="tx1"/>
@@ -32,7 +36,7 @@
         <a:cs typeface="+mn-cs"/>
       </a:defRPr>
     </a:lvl1pPr>
-    <a:lvl2pPr marL="457200" algn="l" defTabSz="914400" rtl="0" eaLnBrk="1" latinLnBrk="0" hangingPunct="1">
+    <a:lvl2pPr marL="457200" algn="l" defTabSz="457200" rtl="0" eaLnBrk="1" latinLnBrk="0" hangingPunct="1">
       <a:defRPr sz="1800" kern="1200">
         <a:solidFill>
           <a:schemeClr val="tx1"/>
@@ -42,7 +46,7 @@
         <a:cs typeface="+mn-cs"/>
       </a:defRPr>
     </a:lvl2pPr>
-    <a:lvl3pPr marL="914400" algn="l" defTabSz="914400" rtl="0" eaLnBrk="1" latinLnBrk="0" hangingPunct="1">
+    <a:lvl3pPr marL="914400" algn="l" defTabSz="457200" rtl="0" eaLnBrk="1" latinLnBrk="0" hangingPunct="1">
       <a:defRPr sz="1800" kern="1200">
         <a:solidFill>
           <a:schemeClr val="tx1"/>
@@ -52,7 +56,7 @@
         <a:cs typeface="+mn-cs"/>
       </a:defRPr>
     </a:lvl3pPr>
-    <a:lvl4pPr marL="1371600" algn="l" defTabSz="914400" rtl="0" eaLnBrk="1" latinLnBrk="0" hangingPunct="1">
+    <a:lvl4pPr marL="1371600" algn="l" defTabSz="457200" rtl="0" eaLnBrk="1" latinLnBrk="0" hangingPunct="1">
       <a:defRPr sz="1800" kern="1200">
         <a:solidFill>
           <a:schemeClr val="tx1"/>
@@ -62,7 +66,7 @@
         <a:cs typeface="+mn-cs"/>
       </a:defRPr>
     </a:lvl4pPr>
-    <a:lvl5pPr marL="1828800" algn="l" defTabSz="914400" rtl="0" eaLnBrk="1" latinLnBrk="0" hangingPunct="1">
+    <a:lvl5pPr marL="1828800" algn="l" defTabSz="457200" rtl="0" eaLnBrk="1" latinLnBrk="0" hangingPunct="1">
       <a:defRPr sz="1800" kern="1200">
         <a:solidFill>
           <a:schemeClr val="tx1"/>
@@ -72,7 +76,7 @@
         <a:cs typeface="+mn-cs"/>
       </a:defRPr>
     </a:lvl5pPr>
-    <a:lvl6pPr marL="2286000" algn="l" defTabSz="914400" rtl="0" eaLnBrk="1" latinLnBrk="0" hangingPunct="1">
+    <a:lvl6pPr marL="2286000" algn="l" defTabSz="457200" rtl="0" eaLnBrk="1" latinLnBrk="0" hangingPunct="1">
       <a:defRPr sz="1800" kern="1200">
         <a:solidFill>
           <a:schemeClr val="tx1"/>
@@ -82,7 +86,7 @@
         <a:cs typeface="+mn-cs"/>
       </a:defRPr>
     </a:lvl6pPr>
-    <a:lvl7pPr marL="2743200" algn="l" defTabSz="914400" rtl="0" eaLnBrk="1" latinLnBrk="0" hangingPunct="1">
+    <a:lvl7pPr marL="2743200" algn="l" defTabSz="457200" rtl="0" eaLnBrk="1" latinLnBrk="0" hangingPunct="1">
       <a:defRPr sz="1800" kern="1200">
         <a:solidFill>
           <a:schemeClr val="tx1"/>
@@ -92,7 +96,7 @@
         <a:cs typeface="+mn-cs"/>
       </a:defRPr>
     </a:lvl7pPr>
-    <a:lvl8pPr marL="3200400" algn="l" defTabSz="914400" rtl="0" eaLnBrk="1" latinLnBrk="0" hangingPunct="1">
+    <a:lvl8pPr marL="3200400" algn="l" defTabSz="457200" rtl="0" eaLnBrk="1" latinLnBrk="0" hangingPunct="1">
       <a:defRPr sz="1800" kern="1200">
         <a:solidFill>
           <a:schemeClr val="tx1"/>
@@ -102,7 +106,7 @@
         <a:cs typeface="+mn-cs"/>
       </a:defRPr>
     </a:lvl8pPr>
-    <a:lvl9pPr marL="3657600" algn="l" defTabSz="914400" rtl="0" eaLnBrk="1" latinLnBrk="0" hangingPunct="1">
+    <a:lvl9pPr marL="3657600" algn="l" defTabSz="457200" rtl="0" eaLnBrk="1" latinLnBrk="0" hangingPunct="1">
       <a:defRPr sz="1800" kern="1200">
         <a:solidFill>
           <a:schemeClr val="tx1"/>
@@ -113,6 +117,11 @@
       </a:defRPr>
     </a:lvl9pPr>
   </p:defaultTextStyle>
+  <p:extLst>
+    <p:ext uri="{EFAFB233-063F-42B5-8137-9DF3F51BA10A}">
+      <p15:sldGuideLst xmlns:p15="http://schemas.microsoft.com/office/powerpoint/2012/main"/>
+    </p:ext>
+  </p:extLst>
 </p:presentation>
 </file>
 
@@ -135,31 +144,76 @@
       </p:grpSpPr>
       <p:sp>
         <p:nvSpPr>
-          <p:cNvPr id="2" name="Title 1">
-            <a:extLst>
-              <a:ext uri="{FF2B5EF4-FFF2-40B4-BE49-F238E27FC236}">
-                <a16:creationId xmlns:a16="http://schemas.microsoft.com/office/drawing/2014/main" id="{3B9D1D20-6E2A-CE04-9902-2E62720A5FC0}"/>
-              </a:ext>
-            </a:extLst>
-          </p:cNvPr>
-          <p:cNvSpPr>
-            <a:spLocks noGrp="1"/>
-          </p:cNvSpPr>
-          <p:nvPr>
-            <p:ph type="ctrTitle"/>
-          </p:nvPr>
+          <p:cNvPr id="7" name="Rectangle 6"/>
+          <p:cNvSpPr>
+            <a:spLocks noChangeAspect="1"/>
+          </p:cNvSpPr>
+          <p:nvPr/>
         </p:nvSpPr>
         <p:spPr>
           <a:xfrm>
-            <a:off x="1524000" y="1122363"/>
-            <a:ext cx="9144000" cy="2387600"/>
+            <a:off x="231140" y="243840"/>
+            <a:ext cx="11724640" cy="6377939"/>
+          </a:xfrm>
+          <a:prstGeom prst="rect">
+            <a:avLst/>
+          </a:prstGeom>
+          <a:solidFill>
+            <a:schemeClr val="accent1"/>
+          </a:solidFill>
+          <a:ln w="12700">
+            <a:solidFill>
+              <a:srgbClr val="FFFFFF"/>
+            </a:solidFill>
+          </a:ln>
+        </p:spPr>
+        <p:style>
+          <a:lnRef idx="2">
+            <a:schemeClr val="accent1">
+              <a:shade val="50000"/>
+            </a:schemeClr>
+          </a:lnRef>
+          <a:fillRef idx="1">
+            <a:schemeClr val="accent1"/>
+          </a:fillRef>
+          <a:effectRef idx="0">
+            <a:schemeClr val="accent1"/>
+          </a:effectRef>
+          <a:fontRef idx="minor">
+            <a:schemeClr val="lt1"/>
+          </a:fontRef>
+        </p:style>
+      </p:sp>
+      <p:sp>
+        <p:nvSpPr>
+          <p:cNvPr id="2" name="Title 1"/>
+          <p:cNvSpPr>
+            <a:spLocks noGrp="1"/>
+          </p:cNvSpPr>
+          <p:nvPr>
+            <p:ph type="ctrTitle"/>
+          </p:nvPr>
+        </p:nvSpPr>
+        <p:spPr>
+          <a:xfrm>
+            <a:off x="1109980" y="882376"/>
+            <a:ext cx="9966960" cy="2926080"/>
           </a:xfrm>
         </p:spPr>
         <p:txBody>
-          <a:bodyPr anchor="b"/>
+          <a:bodyPr anchor="b">
+            <a:normAutofit/>
+          </a:bodyPr>
           <a:lstStyle>
             <a:lvl1pPr algn="ctr">
-              <a:defRPr sz="6000"/>
+              <a:lnSpc>
+                <a:spcPct val="85000"/>
+              </a:lnSpc>
+              <a:defRPr sz="7200" b="1" cap="all" baseline="0">
+                <a:solidFill>
+                  <a:srgbClr val="FFFFFF"/>
+                </a:solidFill>
+              </a:defRPr>
             </a:lvl1pPr>
           </a:lstStyle>
           <a:p>
@@ -167,18 +221,13 @@
               <a:rPr lang="en-US"/>
               <a:t>Click to edit Master title style</a:t>
             </a:r>
-          </a:p>
-        </p:txBody>
-      </p:sp>
-      <p:sp>
-        <p:nvSpPr>
-          <p:cNvPr id="3" name="Subtitle 2">
-            <a:extLst>
-              <a:ext uri="{FF2B5EF4-FFF2-40B4-BE49-F238E27FC236}">
-                <a16:creationId xmlns:a16="http://schemas.microsoft.com/office/drawing/2014/main" id="{4157442E-1B30-0315-9AFB-A2572856EE26}"/>
-              </a:ext>
-            </a:extLst>
-          </p:cNvPr>
+            <a:endParaRPr lang="en-US" dirty="0"/>
+          </a:p>
+        </p:txBody>
+      </p:sp>
+      <p:sp>
+        <p:nvSpPr>
+          <p:cNvPr id="3" name="Subtitle 2"/>
           <p:cNvSpPr>
             <a:spLocks noGrp="1"/>
           </p:cNvSpPr>
@@ -188,48 +237,54 @@
         </p:nvSpPr>
         <p:spPr>
           <a:xfrm>
-            <a:off x="1524000" y="3602038"/>
-            <a:ext cx="9144000" cy="1655762"/>
+            <a:off x="1709530" y="3869634"/>
+            <a:ext cx="8767860" cy="1388165"/>
           </a:xfrm>
         </p:spPr>
         <p:txBody>
-          <a:bodyPr/>
+          <a:bodyPr>
+            <a:normAutofit/>
+          </a:bodyPr>
           <a:lstStyle>
             <a:lvl1pPr marL="0" indent="0" algn="ctr">
               <a:buNone/>
-              <a:defRPr sz="2400"/>
+              <a:defRPr sz="2200">
+                <a:solidFill>
+                  <a:srgbClr val="FFFFFF"/>
+                </a:solidFill>
+              </a:defRPr>
             </a:lvl1pPr>
             <a:lvl2pPr marL="457200" indent="0" algn="ctr">
               <a:buNone/>
-              <a:defRPr sz="2000"/>
+              <a:defRPr sz="2200"/>
             </a:lvl2pPr>
             <a:lvl3pPr marL="914400" indent="0" algn="ctr">
               <a:buNone/>
-              <a:defRPr sz="1800"/>
+              <a:defRPr sz="2200"/>
             </a:lvl3pPr>
             <a:lvl4pPr marL="1371600" indent="0" algn="ctr">
               <a:buNone/>
-              <a:defRPr sz="1600"/>
+              <a:defRPr sz="2000"/>
             </a:lvl4pPr>
             <a:lvl5pPr marL="1828800" indent="0" algn="ctr">
               <a:buNone/>
-              <a:defRPr sz="1600"/>
+              <a:defRPr sz="2000"/>
             </a:lvl5pPr>
             <a:lvl6pPr marL="2286000" indent="0" algn="ctr">
               <a:buNone/>
-              <a:defRPr sz="1600"/>
+              <a:defRPr sz="2000"/>
             </a:lvl6pPr>
             <a:lvl7pPr marL="2743200" indent="0" algn="ctr">
               <a:buNone/>
-              <a:defRPr sz="1600"/>
+              <a:defRPr sz="2000"/>
             </a:lvl7pPr>
             <a:lvl8pPr marL="3200400" indent="0" algn="ctr">
               <a:buNone/>
-              <a:defRPr sz="1600"/>
+              <a:defRPr sz="2000"/>
             </a:lvl8pPr>
             <a:lvl9pPr marL="3657600" indent="0" algn="ctr">
               <a:buNone/>
-              <a:defRPr sz="1600"/>
+              <a:defRPr sz="2000"/>
             </a:lvl9pPr>
           </a:lstStyle>
           <a:p>
@@ -237,18 +292,13 @@
               <a:rPr lang="en-US"/>
               <a:t>Click to edit Master subtitle style</a:t>
             </a:r>
-          </a:p>
-        </p:txBody>
-      </p:sp>
-      <p:sp>
-        <p:nvSpPr>
-          <p:cNvPr id="4" name="Date Placeholder 3">
-            <a:extLst>
-              <a:ext uri="{FF2B5EF4-FFF2-40B4-BE49-F238E27FC236}">
-                <a16:creationId xmlns:a16="http://schemas.microsoft.com/office/drawing/2014/main" id="{0A6C4CF7-A6C9-44E7-7CDE-7A61CA112D8A}"/>
-              </a:ext>
-            </a:extLst>
-          </p:cNvPr>
+            <a:endParaRPr lang="en-US" dirty="0"/>
+          </a:p>
+        </p:txBody>
+      </p:sp>
+      <p:sp>
+        <p:nvSpPr>
+          <p:cNvPr id="4" name="Date Placeholder 3"/>
           <p:cNvSpPr>
             <a:spLocks noGrp="1"/>
           </p:cNvSpPr>
@@ -259,11 +309,19 @@
         <p:spPr/>
         <p:txBody>
           <a:bodyPr/>
-          <a:lstStyle/>
+          <a:lstStyle>
+            <a:lvl1pPr>
+              <a:defRPr>
+                <a:solidFill>
+                  <a:srgbClr val="FFFFFF"/>
+                </a:solidFill>
+              </a:defRPr>
+            </a:lvl1pPr>
+          </a:lstStyle>
           <a:p>
             <a:fld id="{4496AEDF-3A3F-4CA9-99A7-FAD98730B112}" type="datetimeFigureOut">
               <a:rPr lang="en-US" smtClean="0"/>
-              <a:t>12/11/2024</a:t>
+              <a:t>12/16/2024</a:t>
             </a:fld>
             <a:endParaRPr lang="en-US"/>
           </a:p>
@@ -271,13 +329,7 @@
       </p:sp>
       <p:sp>
         <p:nvSpPr>
-          <p:cNvPr id="5" name="Footer Placeholder 4">
-            <a:extLst>
-              <a:ext uri="{FF2B5EF4-FFF2-40B4-BE49-F238E27FC236}">
-                <a16:creationId xmlns:a16="http://schemas.microsoft.com/office/drawing/2014/main" id="{33F94167-DB4E-7B0E-EDC3-95E7F423290B}"/>
-              </a:ext>
-            </a:extLst>
-          </p:cNvPr>
+          <p:cNvPr id="5" name="Footer Placeholder 4"/>
           <p:cNvSpPr>
             <a:spLocks noGrp="1"/>
           </p:cNvSpPr>
@@ -288,7 +340,15 @@
         <p:spPr/>
         <p:txBody>
           <a:bodyPr/>
-          <a:lstStyle/>
+          <a:lstStyle>
+            <a:lvl1pPr>
+              <a:defRPr>
+                <a:solidFill>
+                  <a:srgbClr val="FFFFFF"/>
+                </a:solidFill>
+              </a:defRPr>
+            </a:lvl1pPr>
+          </a:lstStyle>
           <a:p>
             <a:endParaRPr lang="en-US"/>
           </a:p>
@@ -296,13 +356,7 @@
       </p:sp>
       <p:sp>
         <p:nvSpPr>
-          <p:cNvPr id="6" name="Slide Number Placeholder 5">
-            <a:extLst>
-              <a:ext uri="{FF2B5EF4-FFF2-40B4-BE49-F238E27FC236}">
-                <a16:creationId xmlns:a16="http://schemas.microsoft.com/office/drawing/2014/main" id="{0E0DDA27-45CF-FF4B-B157-29CE8639A9CF}"/>
-              </a:ext>
-            </a:extLst>
-          </p:cNvPr>
+          <p:cNvPr id="6" name="Slide Number Placeholder 5"/>
           <p:cNvSpPr>
             <a:spLocks noGrp="1"/>
           </p:cNvSpPr>
@@ -313,7 +367,15 @@
         <p:spPr/>
         <p:txBody>
           <a:bodyPr/>
-          <a:lstStyle/>
+          <a:lstStyle>
+            <a:lvl1pPr>
+              <a:defRPr>
+                <a:solidFill>
+                  <a:srgbClr val="FFFFFF"/>
+                </a:solidFill>
+              </a:defRPr>
+            </a:lvl1pPr>
+          </a:lstStyle>
           <a:p>
             <a:fld id="{C2BF2777-BDA9-42E6-9BD6-FFF43ADBC75D}" type="slidenum">
               <a:rPr lang="en-US" smtClean="0"/>
@@ -323,10 +385,45 @@
           </a:p>
         </p:txBody>
       </p:sp>
+      <p:cxnSp>
+        <p:nvCxnSpPr>
+          <p:cNvPr id="8" name="Straight Connector 7"/>
+          <p:cNvCxnSpPr/>
+          <p:nvPr/>
+        </p:nvCxnSpPr>
+        <p:spPr>
+          <a:xfrm>
+            <a:off x="1978660" y="3733800"/>
+            <a:ext cx="8229601" cy="0"/>
+          </a:xfrm>
+          <a:prstGeom prst="line">
+            <a:avLst/>
+          </a:prstGeom>
+          <a:ln>
+            <a:solidFill>
+              <a:srgbClr val="FFFFFF"/>
+            </a:solidFill>
+          </a:ln>
+        </p:spPr>
+        <p:style>
+          <a:lnRef idx="1">
+            <a:schemeClr val="accent1"/>
+          </a:lnRef>
+          <a:fillRef idx="0">
+            <a:schemeClr val="accent1"/>
+          </a:fillRef>
+          <a:effectRef idx="0">
+            <a:schemeClr val="accent1"/>
+          </a:effectRef>
+          <a:fontRef idx="minor">
+            <a:schemeClr val="tx1"/>
+          </a:fontRef>
+        </p:style>
+      </p:cxnSp>
     </p:spTree>
     <p:extLst>
       <p:ext uri="{BB962C8B-B14F-4D97-AF65-F5344CB8AC3E}">
-        <p14:creationId xmlns:p14="http://schemas.microsoft.com/office/powerpoint/2010/main" val="3148468303"/>
+        <p14:creationId xmlns:p14="http://schemas.microsoft.com/office/powerpoint/2010/main" val="1080015903"/>
       </p:ext>
     </p:extLst>
   </p:cSld>
@@ -355,13 +452,7 @@
       </p:grpSpPr>
       <p:sp>
         <p:nvSpPr>
-          <p:cNvPr id="2" name="Title 1">
-            <a:extLst>
-              <a:ext uri="{FF2B5EF4-FFF2-40B4-BE49-F238E27FC236}">
-                <a16:creationId xmlns:a16="http://schemas.microsoft.com/office/drawing/2014/main" id="{1CBDE643-2A6B-FB76-CA41-A94D886B52C2}"/>
-              </a:ext>
-            </a:extLst>
-          </p:cNvPr>
+          <p:cNvPr id="2" name="Title 1"/>
           <p:cNvSpPr>
             <a:spLocks noGrp="1"/>
           </p:cNvSpPr>
@@ -378,18 +469,13 @@
               <a:rPr lang="en-US"/>
               <a:t>Click to edit Master title style</a:t>
             </a:r>
-          </a:p>
-        </p:txBody>
-      </p:sp>
-      <p:sp>
-        <p:nvSpPr>
-          <p:cNvPr id="3" name="Vertical Text Placeholder 2">
-            <a:extLst>
-              <a:ext uri="{FF2B5EF4-FFF2-40B4-BE49-F238E27FC236}">
-                <a16:creationId xmlns:a16="http://schemas.microsoft.com/office/drawing/2014/main" id="{1F67D5B4-1945-6EBF-CFE0-C93C607D30BD}"/>
-              </a:ext>
-            </a:extLst>
-          </p:cNvPr>
+            <a:endParaRPr lang="en-US" dirty="0"/>
+          </a:p>
+        </p:txBody>
+      </p:sp>
+      <p:sp>
+        <p:nvSpPr>
+          <p:cNvPr id="3" name="Vertical Text Placeholder 2"/>
           <p:cNvSpPr>
             <a:spLocks noGrp="1"/>
           </p:cNvSpPr>
@@ -435,18 +521,13 @@
               <a:rPr lang="en-US"/>
               <a:t>Fifth level</a:t>
             </a:r>
-          </a:p>
-        </p:txBody>
-      </p:sp>
-      <p:sp>
-        <p:nvSpPr>
-          <p:cNvPr id="4" name="Date Placeholder 3">
-            <a:extLst>
-              <a:ext uri="{FF2B5EF4-FFF2-40B4-BE49-F238E27FC236}">
-                <a16:creationId xmlns:a16="http://schemas.microsoft.com/office/drawing/2014/main" id="{EFA9D41A-60F8-4D15-A892-D675C77A8843}"/>
-              </a:ext>
-            </a:extLst>
-          </p:cNvPr>
+            <a:endParaRPr lang="en-US" dirty="0"/>
+          </a:p>
+        </p:txBody>
+      </p:sp>
+      <p:sp>
+        <p:nvSpPr>
+          <p:cNvPr id="4" name="Date Placeholder 3"/>
           <p:cNvSpPr>
             <a:spLocks noGrp="1"/>
           </p:cNvSpPr>
@@ -461,7 +542,7 @@
           <a:p>
             <a:fld id="{4496AEDF-3A3F-4CA9-99A7-FAD98730B112}" type="datetimeFigureOut">
               <a:rPr lang="en-US" smtClean="0"/>
-              <a:t>12/11/2024</a:t>
+              <a:t>12/16/2024</a:t>
             </a:fld>
             <a:endParaRPr lang="en-US"/>
           </a:p>
@@ -469,13 +550,7 @@
       </p:sp>
       <p:sp>
         <p:nvSpPr>
-          <p:cNvPr id="5" name="Footer Placeholder 4">
-            <a:extLst>
-              <a:ext uri="{FF2B5EF4-FFF2-40B4-BE49-F238E27FC236}">
-                <a16:creationId xmlns:a16="http://schemas.microsoft.com/office/drawing/2014/main" id="{B3B05A5E-2DC0-A434-676E-B47D50F25BD0}"/>
-              </a:ext>
-            </a:extLst>
-          </p:cNvPr>
+          <p:cNvPr id="5" name="Footer Placeholder 4"/>
           <p:cNvSpPr>
             <a:spLocks noGrp="1"/>
           </p:cNvSpPr>
@@ -494,13 +569,7 @@
       </p:sp>
       <p:sp>
         <p:nvSpPr>
-          <p:cNvPr id="6" name="Slide Number Placeholder 5">
-            <a:extLst>
-              <a:ext uri="{FF2B5EF4-FFF2-40B4-BE49-F238E27FC236}">
-                <a16:creationId xmlns:a16="http://schemas.microsoft.com/office/drawing/2014/main" id="{980422ED-0F2A-A64B-2670-6A171B06D066}"/>
-              </a:ext>
-            </a:extLst>
-          </p:cNvPr>
+          <p:cNvPr id="6" name="Slide Number Placeholder 5"/>
           <p:cNvSpPr>
             <a:spLocks noGrp="1"/>
           </p:cNvSpPr>
@@ -524,7 +593,7 @@
     </p:spTree>
     <p:extLst>
       <p:ext uri="{BB962C8B-B14F-4D97-AF65-F5344CB8AC3E}">
-        <p14:creationId xmlns:p14="http://schemas.microsoft.com/office/powerpoint/2010/main" val="403101422"/>
+        <p14:creationId xmlns:p14="http://schemas.microsoft.com/office/powerpoint/2010/main" val="2871703330"/>
       </p:ext>
     </p:extLst>
   </p:cSld>
@@ -553,13 +622,7 @@
       </p:grpSpPr>
       <p:sp>
         <p:nvSpPr>
-          <p:cNvPr id="2" name="Vertical Title 1">
-            <a:extLst>
-              <a:ext uri="{FF2B5EF4-FFF2-40B4-BE49-F238E27FC236}">
-                <a16:creationId xmlns:a16="http://schemas.microsoft.com/office/drawing/2014/main" id="{0BEE63E7-4D9C-07E9-6259-14CC7771101D}"/>
-              </a:ext>
-            </a:extLst>
-          </p:cNvPr>
+          <p:cNvPr id="2" name="Vertical Title 1"/>
           <p:cNvSpPr>
             <a:spLocks noGrp="1"/>
           </p:cNvSpPr>
@@ -569,8 +632,8 @@
         </p:nvSpPr>
         <p:spPr>
           <a:xfrm>
-            <a:off x="8724900" y="365125"/>
-            <a:ext cx="2628900" cy="5811838"/>
+            <a:off x="8724900" y="762000"/>
+            <a:ext cx="2324100" cy="5410200"/>
           </a:xfrm>
         </p:spPr>
         <p:txBody>
@@ -581,18 +644,13 @@
               <a:rPr lang="en-US"/>
               <a:t>Click to edit Master title style</a:t>
             </a:r>
-          </a:p>
-        </p:txBody>
-      </p:sp>
-      <p:sp>
-        <p:nvSpPr>
-          <p:cNvPr id="3" name="Vertical Text Placeholder 2">
-            <a:extLst>
-              <a:ext uri="{FF2B5EF4-FFF2-40B4-BE49-F238E27FC236}">
-                <a16:creationId xmlns:a16="http://schemas.microsoft.com/office/drawing/2014/main" id="{2364277B-FE2F-1B2D-ADF1-65C9DB09ED3B}"/>
-              </a:ext>
-            </a:extLst>
-          </p:cNvPr>
+            <a:endParaRPr lang="en-US" dirty="0"/>
+          </a:p>
+        </p:txBody>
+      </p:sp>
+      <p:sp>
+        <p:nvSpPr>
+          <p:cNvPr id="3" name="Vertical Text Placeholder 2"/>
           <p:cNvSpPr>
             <a:spLocks noGrp="1"/>
           </p:cNvSpPr>
@@ -602,8 +660,8 @@
         </p:nvSpPr>
         <p:spPr>
           <a:xfrm>
-            <a:off x="838200" y="365125"/>
-            <a:ext cx="7734300" cy="5811838"/>
+            <a:off x="1143000" y="762000"/>
+            <a:ext cx="7429500" cy="5410200"/>
           </a:xfrm>
         </p:spPr>
         <p:txBody>
@@ -643,18 +701,13 @@
               <a:rPr lang="en-US"/>
               <a:t>Fifth level</a:t>
             </a:r>
-          </a:p>
-        </p:txBody>
-      </p:sp>
-      <p:sp>
-        <p:nvSpPr>
-          <p:cNvPr id="4" name="Date Placeholder 3">
-            <a:extLst>
-              <a:ext uri="{FF2B5EF4-FFF2-40B4-BE49-F238E27FC236}">
-                <a16:creationId xmlns:a16="http://schemas.microsoft.com/office/drawing/2014/main" id="{224FA4B0-588A-1D07-61A0-E5D563816870}"/>
-              </a:ext>
-            </a:extLst>
-          </p:cNvPr>
+            <a:endParaRPr lang="en-US" dirty="0"/>
+          </a:p>
+        </p:txBody>
+      </p:sp>
+      <p:sp>
+        <p:nvSpPr>
+          <p:cNvPr id="4" name="Date Placeholder 3"/>
           <p:cNvSpPr>
             <a:spLocks noGrp="1"/>
           </p:cNvSpPr>
@@ -669,7 +722,7 @@
           <a:p>
             <a:fld id="{4496AEDF-3A3F-4CA9-99A7-FAD98730B112}" type="datetimeFigureOut">
               <a:rPr lang="en-US" smtClean="0"/>
-              <a:t>12/11/2024</a:t>
+              <a:t>12/16/2024</a:t>
             </a:fld>
             <a:endParaRPr lang="en-US"/>
           </a:p>
@@ -677,13 +730,7 @@
       </p:sp>
       <p:sp>
         <p:nvSpPr>
-          <p:cNvPr id="5" name="Footer Placeholder 4">
-            <a:extLst>
-              <a:ext uri="{FF2B5EF4-FFF2-40B4-BE49-F238E27FC236}">
-                <a16:creationId xmlns:a16="http://schemas.microsoft.com/office/drawing/2014/main" id="{058443E4-B571-BDC7-4ED3-F07621117DA2}"/>
-              </a:ext>
-            </a:extLst>
-          </p:cNvPr>
+          <p:cNvPr id="5" name="Footer Placeholder 4"/>
           <p:cNvSpPr>
             <a:spLocks noGrp="1"/>
           </p:cNvSpPr>
@@ -702,13 +749,7 @@
       </p:sp>
       <p:sp>
         <p:nvSpPr>
-          <p:cNvPr id="6" name="Slide Number Placeholder 5">
-            <a:extLst>
-              <a:ext uri="{FF2B5EF4-FFF2-40B4-BE49-F238E27FC236}">
-                <a16:creationId xmlns:a16="http://schemas.microsoft.com/office/drawing/2014/main" id="{1DE4422B-617D-4DE6-FB2C-8BFB9E9C978E}"/>
-              </a:ext>
-            </a:extLst>
-          </p:cNvPr>
+          <p:cNvPr id="6" name="Slide Number Placeholder 5"/>
           <p:cNvSpPr>
             <a:spLocks noGrp="1"/>
           </p:cNvSpPr>
@@ -732,7 +773,7 @@
     </p:spTree>
     <p:extLst>
       <p:ext uri="{BB962C8B-B14F-4D97-AF65-F5344CB8AC3E}">
-        <p14:creationId xmlns:p14="http://schemas.microsoft.com/office/powerpoint/2010/main" val="1489850415"/>
+        <p14:creationId xmlns:p14="http://schemas.microsoft.com/office/powerpoint/2010/main" val="1371537109"/>
       </p:ext>
     </p:extLst>
   </p:cSld>
@@ -761,13 +802,7 @@
       </p:grpSpPr>
       <p:sp>
         <p:nvSpPr>
-          <p:cNvPr id="2" name="Title 1">
-            <a:extLst>
-              <a:ext uri="{FF2B5EF4-FFF2-40B4-BE49-F238E27FC236}">
-                <a16:creationId xmlns:a16="http://schemas.microsoft.com/office/drawing/2014/main" id="{1F95813D-0CCA-80B6-4093-4AE1D522856C}"/>
-              </a:ext>
-            </a:extLst>
-          </p:cNvPr>
+          <p:cNvPr id="2" name="Title 1"/>
           <p:cNvSpPr>
             <a:spLocks noGrp="1"/>
           </p:cNvSpPr>
@@ -784,18 +819,13 @@
               <a:rPr lang="en-US"/>
               <a:t>Click to edit Master title style</a:t>
             </a:r>
-          </a:p>
-        </p:txBody>
-      </p:sp>
-      <p:sp>
-        <p:nvSpPr>
-          <p:cNvPr id="3" name="Content Placeholder 2">
-            <a:extLst>
-              <a:ext uri="{FF2B5EF4-FFF2-40B4-BE49-F238E27FC236}">
-                <a16:creationId xmlns:a16="http://schemas.microsoft.com/office/drawing/2014/main" id="{C862600C-8DEC-CFF2-783D-9AB0D2D67D99}"/>
-              </a:ext>
-            </a:extLst>
-          </p:cNvPr>
+            <a:endParaRPr lang="en-US" dirty="0"/>
+          </a:p>
+        </p:txBody>
+      </p:sp>
+      <p:sp>
+        <p:nvSpPr>
+          <p:cNvPr id="3" name="Content Placeholder 2"/>
           <p:cNvSpPr>
             <a:spLocks noGrp="1"/>
           </p:cNvSpPr>
@@ -841,18 +871,13 @@
               <a:rPr lang="en-US"/>
               <a:t>Fifth level</a:t>
             </a:r>
-          </a:p>
-        </p:txBody>
-      </p:sp>
-      <p:sp>
-        <p:nvSpPr>
-          <p:cNvPr id="4" name="Date Placeholder 3">
-            <a:extLst>
-              <a:ext uri="{FF2B5EF4-FFF2-40B4-BE49-F238E27FC236}">
-                <a16:creationId xmlns:a16="http://schemas.microsoft.com/office/drawing/2014/main" id="{5F76E030-129A-2145-65D5-10A79DC832FA}"/>
-              </a:ext>
-            </a:extLst>
-          </p:cNvPr>
+            <a:endParaRPr lang="en-US" dirty="0"/>
+          </a:p>
+        </p:txBody>
+      </p:sp>
+      <p:sp>
+        <p:nvSpPr>
+          <p:cNvPr id="4" name="Date Placeholder 3"/>
           <p:cNvSpPr>
             <a:spLocks noGrp="1"/>
           </p:cNvSpPr>
@@ -867,7 +892,7 @@
           <a:p>
             <a:fld id="{4496AEDF-3A3F-4CA9-99A7-FAD98730B112}" type="datetimeFigureOut">
               <a:rPr lang="en-US" smtClean="0"/>
-              <a:t>12/11/2024</a:t>
+              <a:t>12/16/2024</a:t>
             </a:fld>
             <a:endParaRPr lang="en-US"/>
           </a:p>
@@ -875,13 +900,7 @@
       </p:sp>
       <p:sp>
         <p:nvSpPr>
-          <p:cNvPr id="5" name="Footer Placeholder 4">
-            <a:extLst>
-              <a:ext uri="{FF2B5EF4-FFF2-40B4-BE49-F238E27FC236}">
-                <a16:creationId xmlns:a16="http://schemas.microsoft.com/office/drawing/2014/main" id="{3314E1B3-8D5A-EBA8-D821-B2FAD0E113DD}"/>
-              </a:ext>
-            </a:extLst>
-          </p:cNvPr>
+          <p:cNvPr id="5" name="Footer Placeholder 4"/>
           <p:cNvSpPr>
             <a:spLocks noGrp="1"/>
           </p:cNvSpPr>
@@ -900,13 +919,7 @@
       </p:sp>
       <p:sp>
         <p:nvSpPr>
-          <p:cNvPr id="6" name="Slide Number Placeholder 5">
-            <a:extLst>
-              <a:ext uri="{FF2B5EF4-FFF2-40B4-BE49-F238E27FC236}">
-                <a16:creationId xmlns:a16="http://schemas.microsoft.com/office/drawing/2014/main" id="{87B0B18C-B90F-1AE6-EAEA-C35D7846C649}"/>
-              </a:ext>
-            </a:extLst>
-          </p:cNvPr>
+          <p:cNvPr id="6" name="Slide Number Placeholder 5"/>
           <p:cNvSpPr>
             <a:spLocks noGrp="1"/>
           </p:cNvSpPr>
@@ -930,7 +943,7 @@
     </p:spTree>
     <p:extLst>
       <p:ext uri="{BB962C8B-B14F-4D97-AF65-F5344CB8AC3E}">
-        <p14:creationId xmlns:p14="http://schemas.microsoft.com/office/powerpoint/2010/main" val="2306219171"/>
+        <p14:creationId xmlns:p14="http://schemas.microsoft.com/office/powerpoint/2010/main" val="866249186"/>
       </p:ext>
     </p:extLst>
   </p:cSld>
@@ -959,13 +972,7 @@
       </p:grpSpPr>
       <p:sp>
         <p:nvSpPr>
-          <p:cNvPr id="2" name="Title 1">
-            <a:extLst>
-              <a:ext uri="{FF2B5EF4-FFF2-40B4-BE49-F238E27FC236}">
-                <a16:creationId xmlns:a16="http://schemas.microsoft.com/office/drawing/2014/main" id="{3365B708-7976-DBCC-F516-E4B33EFBD4E9}"/>
-              </a:ext>
-            </a:extLst>
-          </p:cNvPr>
+          <p:cNvPr id="2" name="Title 1"/>
           <p:cNvSpPr>
             <a:spLocks noGrp="1"/>
           </p:cNvSpPr>
@@ -975,15 +982,20 @@
         </p:nvSpPr>
         <p:spPr>
           <a:xfrm>
-            <a:off x="831850" y="1709738"/>
-            <a:ext cx="10515600" cy="2852737"/>
+            <a:off x="1106424" y="1173575"/>
+            <a:ext cx="9966960" cy="2926080"/>
           </a:xfrm>
         </p:spPr>
         <p:txBody>
-          <a:bodyPr anchor="b"/>
+          <a:bodyPr anchor="b">
+            <a:noAutofit/>
+          </a:bodyPr>
           <a:lstStyle>
-            <a:lvl1pPr>
-              <a:defRPr sz="6000"/>
+            <a:lvl1pPr algn="ctr">
+              <a:lnSpc>
+                <a:spcPct val="85000"/>
+              </a:lnSpc>
+              <a:defRPr sz="7200" b="0" cap="all" baseline="0"/>
             </a:lvl1pPr>
           </a:lstStyle>
           <a:p>
@@ -991,18 +1003,13 @@
               <a:rPr lang="en-US"/>
               <a:t>Click to edit Master title style</a:t>
             </a:r>
-          </a:p>
-        </p:txBody>
-      </p:sp>
-      <p:sp>
-        <p:nvSpPr>
-          <p:cNvPr id="3" name="Text Placeholder 2">
-            <a:extLst>
-              <a:ext uri="{FF2B5EF4-FFF2-40B4-BE49-F238E27FC236}">
-                <a16:creationId xmlns:a16="http://schemas.microsoft.com/office/drawing/2014/main" id="{B974B658-0402-D13D-5A8D-34BF2E0E59DB}"/>
-              </a:ext>
-            </a:extLst>
-          </p:cNvPr>
+            <a:endParaRPr lang="en-US" dirty="0"/>
+          </a:p>
+        </p:txBody>
+      </p:sp>
+      <p:sp>
+        <p:nvSpPr>
+          <p:cNvPr id="3" name="Text Placeholder 2"/>
           <p:cNvSpPr>
             <a:spLocks noGrp="1"/>
           </p:cNvSpPr>
@@ -1012,99 +1019,99 @@
         </p:nvSpPr>
         <p:spPr>
           <a:xfrm>
-            <a:off x="831850" y="4589463"/>
-            <a:ext cx="10515600" cy="1500187"/>
+            <a:off x="1709928" y="4154520"/>
+            <a:ext cx="8769096" cy="1363806"/>
           </a:xfrm>
         </p:spPr>
         <p:txBody>
-          <a:bodyPr/>
+          <a:bodyPr anchor="t">
+            <a:normAutofit/>
+          </a:bodyPr>
           <a:lstStyle>
-            <a:lvl1pPr marL="0" indent="0">
-              <a:buNone/>
-              <a:defRPr sz="2400">
+            <a:lvl1pPr marL="0" indent="0" algn="ctr">
+              <a:buNone/>
+              <a:defRPr sz="2200">
                 <a:solidFill>
-                  <a:schemeClr val="tx1">
-                    <a:tint val="82000"/>
-                  </a:schemeClr>
+                  <a:schemeClr val="accent1"/>
                 </a:solidFill>
               </a:defRPr>
             </a:lvl1pPr>
             <a:lvl2pPr marL="457200" indent="0">
               <a:buNone/>
-              <a:defRPr sz="2000">
+              <a:defRPr sz="1800">
                 <a:solidFill>
                   <a:schemeClr val="tx1">
-                    <a:tint val="82000"/>
+                    <a:tint val="75000"/>
                   </a:schemeClr>
                 </a:solidFill>
               </a:defRPr>
             </a:lvl2pPr>
             <a:lvl3pPr marL="914400" indent="0">
               <a:buNone/>
-              <a:defRPr sz="1800">
+              <a:defRPr sz="1600">
                 <a:solidFill>
                   <a:schemeClr val="tx1">
-                    <a:tint val="82000"/>
+                    <a:tint val="75000"/>
                   </a:schemeClr>
                 </a:solidFill>
               </a:defRPr>
             </a:lvl3pPr>
             <a:lvl4pPr marL="1371600" indent="0">
               <a:buNone/>
-              <a:defRPr sz="1600">
+              <a:defRPr sz="1400">
                 <a:solidFill>
                   <a:schemeClr val="tx1">
-                    <a:tint val="82000"/>
+                    <a:tint val="75000"/>
                   </a:schemeClr>
                 </a:solidFill>
               </a:defRPr>
             </a:lvl4pPr>
             <a:lvl5pPr marL="1828800" indent="0">
               <a:buNone/>
-              <a:defRPr sz="1600">
+              <a:defRPr sz="1400">
                 <a:solidFill>
                   <a:schemeClr val="tx1">
-                    <a:tint val="82000"/>
+                    <a:tint val="75000"/>
                   </a:schemeClr>
                 </a:solidFill>
               </a:defRPr>
             </a:lvl5pPr>
             <a:lvl6pPr marL="2286000" indent="0">
               <a:buNone/>
-              <a:defRPr sz="1600">
+              <a:defRPr sz="1400">
                 <a:solidFill>
                   <a:schemeClr val="tx1">
-                    <a:tint val="82000"/>
+                    <a:tint val="75000"/>
                   </a:schemeClr>
                 </a:solidFill>
               </a:defRPr>
             </a:lvl6pPr>
             <a:lvl7pPr marL="2743200" indent="0">
               <a:buNone/>
-              <a:defRPr sz="1600">
+              <a:defRPr sz="1400">
                 <a:solidFill>
                   <a:schemeClr val="tx1">
-                    <a:tint val="82000"/>
+                    <a:tint val="75000"/>
                   </a:schemeClr>
                 </a:solidFill>
               </a:defRPr>
             </a:lvl7pPr>
             <a:lvl8pPr marL="3200400" indent="0">
               <a:buNone/>
-              <a:defRPr sz="1600">
+              <a:defRPr sz="1400">
                 <a:solidFill>
                   <a:schemeClr val="tx1">
-                    <a:tint val="82000"/>
+                    <a:tint val="75000"/>
                   </a:schemeClr>
                 </a:solidFill>
               </a:defRPr>
             </a:lvl8pPr>
             <a:lvl9pPr marL="3657600" indent="0">
               <a:buNone/>
-              <a:defRPr sz="1600">
+              <a:defRPr sz="1400">
                 <a:solidFill>
                   <a:schemeClr val="tx1">
-                    <a:tint val="82000"/>
+                    <a:tint val="75000"/>
                   </a:schemeClr>
                 </a:solidFill>
               </a:defRPr>
@@ -1121,13 +1128,7 @@
       </p:sp>
       <p:sp>
         <p:nvSpPr>
-          <p:cNvPr id="4" name="Date Placeholder 3">
-            <a:extLst>
-              <a:ext uri="{FF2B5EF4-FFF2-40B4-BE49-F238E27FC236}">
-                <a16:creationId xmlns:a16="http://schemas.microsoft.com/office/drawing/2014/main" id="{DDF3DC65-51F4-8EFD-AC1B-69D80A649A51}"/>
-              </a:ext>
-            </a:extLst>
-          </p:cNvPr>
+          <p:cNvPr id="4" name="Date Placeholder 3"/>
           <p:cNvSpPr>
             <a:spLocks noGrp="1"/>
           </p:cNvSpPr>
@@ -1142,7 +1143,7 @@
           <a:p>
             <a:fld id="{4496AEDF-3A3F-4CA9-99A7-FAD98730B112}" type="datetimeFigureOut">
               <a:rPr lang="en-US" smtClean="0"/>
-              <a:t>12/11/2024</a:t>
+              <a:t>12/16/2024</a:t>
             </a:fld>
             <a:endParaRPr lang="en-US"/>
           </a:p>
@@ -1150,13 +1151,7 @@
       </p:sp>
       <p:sp>
         <p:nvSpPr>
-          <p:cNvPr id="5" name="Footer Placeholder 4">
-            <a:extLst>
-              <a:ext uri="{FF2B5EF4-FFF2-40B4-BE49-F238E27FC236}">
-                <a16:creationId xmlns:a16="http://schemas.microsoft.com/office/drawing/2014/main" id="{3783FAA2-22D3-E545-47BF-A36DA4C99970}"/>
-              </a:ext>
-            </a:extLst>
-          </p:cNvPr>
+          <p:cNvPr id="5" name="Footer Placeholder 4"/>
           <p:cNvSpPr>
             <a:spLocks noGrp="1"/>
           </p:cNvSpPr>
@@ -1175,13 +1170,7 @@
       </p:sp>
       <p:sp>
         <p:nvSpPr>
-          <p:cNvPr id="6" name="Slide Number Placeholder 5">
-            <a:extLst>
-              <a:ext uri="{FF2B5EF4-FFF2-40B4-BE49-F238E27FC236}">
-                <a16:creationId xmlns:a16="http://schemas.microsoft.com/office/drawing/2014/main" id="{D0BB9487-41D5-9BB4-5567-43B2E6ADE54E}"/>
-              </a:ext>
-            </a:extLst>
-          </p:cNvPr>
+          <p:cNvPr id="6" name="Slide Number Placeholder 5"/>
           <p:cNvSpPr>
             <a:spLocks noGrp="1"/>
           </p:cNvSpPr>
@@ -1202,10 +1191,45 @@
           </a:p>
         </p:txBody>
       </p:sp>
+      <p:cxnSp>
+        <p:nvCxnSpPr>
+          <p:cNvPr id="7" name="Straight Connector 6"/>
+          <p:cNvCxnSpPr/>
+          <p:nvPr/>
+        </p:nvCxnSpPr>
+        <p:spPr>
+          <a:xfrm>
+            <a:off x="1981200" y="4020408"/>
+            <a:ext cx="8229601" cy="0"/>
+          </a:xfrm>
+          <a:prstGeom prst="line">
+            <a:avLst/>
+          </a:prstGeom>
+          <a:ln>
+            <a:solidFill>
+              <a:schemeClr val="accent1"/>
+            </a:solidFill>
+          </a:ln>
+        </p:spPr>
+        <p:style>
+          <a:lnRef idx="1">
+            <a:schemeClr val="accent1"/>
+          </a:lnRef>
+          <a:fillRef idx="0">
+            <a:schemeClr val="accent1"/>
+          </a:fillRef>
+          <a:effectRef idx="0">
+            <a:schemeClr val="accent1"/>
+          </a:effectRef>
+          <a:fontRef idx="minor">
+            <a:schemeClr val="tx1"/>
+          </a:fontRef>
+        </p:style>
+      </p:cxnSp>
     </p:spTree>
     <p:extLst>
       <p:ext uri="{BB962C8B-B14F-4D97-AF65-F5344CB8AC3E}">
-        <p14:creationId xmlns:p14="http://schemas.microsoft.com/office/powerpoint/2010/main" val="3358260782"/>
+        <p14:creationId xmlns:p14="http://schemas.microsoft.com/office/powerpoint/2010/main" val="2187470683"/>
       </p:ext>
     </p:extLst>
   </p:cSld>
@@ -1234,13 +1258,7 @@
       </p:grpSpPr>
       <p:sp>
         <p:nvSpPr>
-          <p:cNvPr id="2" name="Title 1">
-            <a:extLst>
-              <a:ext uri="{FF2B5EF4-FFF2-40B4-BE49-F238E27FC236}">
-                <a16:creationId xmlns:a16="http://schemas.microsoft.com/office/drawing/2014/main" id="{DD123EB4-AFAF-DC84-280C-D5351930364D}"/>
-              </a:ext>
-            </a:extLst>
-          </p:cNvPr>
+          <p:cNvPr id="8" name="Title 7"/>
           <p:cNvSpPr>
             <a:spLocks noGrp="1"/>
           </p:cNvSpPr>
@@ -1257,18 +1275,13 @@
               <a:rPr lang="en-US"/>
               <a:t>Click to edit Master title style</a:t>
             </a:r>
-          </a:p>
-        </p:txBody>
-      </p:sp>
-      <p:sp>
-        <p:nvSpPr>
-          <p:cNvPr id="3" name="Content Placeholder 2">
-            <a:extLst>
-              <a:ext uri="{FF2B5EF4-FFF2-40B4-BE49-F238E27FC236}">
-                <a16:creationId xmlns:a16="http://schemas.microsoft.com/office/drawing/2014/main" id="{58FBACFA-9521-6AFE-78D5-68A016E3CC4F}"/>
-              </a:ext>
-            </a:extLst>
-          </p:cNvPr>
+            <a:endParaRPr lang="en-US" dirty="0"/>
+          </a:p>
+        </p:txBody>
+      </p:sp>
+      <p:sp>
+        <p:nvSpPr>
+          <p:cNvPr id="3" name="Content Placeholder 2"/>
           <p:cNvSpPr>
             <a:spLocks noGrp="1"/>
           </p:cNvSpPr>
@@ -1278,13 +1291,41 @@
         </p:nvSpPr>
         <p:spPr>
           <a:xfrm>
-            <a:off x="838200" y="1825625"/>
-            <a:ext cx="5181600" cy="4351338"/>
+            <a:off x="1143000" y="2057399"/>
+            <a:ext cx="4754880" cy="4023360"/>
           </a:xfrm>
         </p:spPr>
         <p:txBody>
           <a:bodyPr/>
-          <a:lstStyle/>
+          <a:lstStyle>
+            <a:lvl1pPr>
+              <a:defRPr sz="2200"/>
+            </a:lvl1pPr>
+            <a:lvl2pPr>
+              <a:defRPr sz="2000"/>
+            </a:lvl2pPr>
+            <a:lvl3pPr>
+              <a:defRPr sz="1800"/>
+            </a:lvl3pPr>
+            <a:lvl4pPr>
+              <a:defRPr sz="1600"/>
+            </a:lvl4pPr>
+            <a:lvl5pPr>
+              <a:defRPr sz="1600"/>
+            </a:lvl5pPr>
+            <a:lvl6pPr>
+              <a:defRPr sz="1600"/>
+            </a:lvl6pPr>
+            <a:lvl7pPr>
+              <a:defRPr sz="1600"/>
+            </a:lvl7pPr>
+            <a:lvl8pPr>
+              <a:defRPr sz="1600"/>
+            </a:lvl8pPr>
+            <a:lvl9pPr>
+              <a:defRPr sz="1600"/>
+            </a:lvl9pPr>
+          </a:lstStyle>
           <a:p>
             <a:pPr lvl="0"/>
             <a:r>
@@ -1319,18 +1360,13 @@
               <a:rPr lang="en-US"/>
               <a:t>Fifth level</a:t>
             </a:r>
-          </a:p>
-        </p:txBody>
-      </p:sp>
-      <p:sp>
-        <p:nvSpPr>
-          <p:cNvPr id="4" name="Content Placeholder 3">
-            <a:extLst>
-              <a:ext uri="{FF2B5EF4-FFF2-40B4-BE49-F238E27FC236}">
-                <a16:creationId xmlns:a16="http://schemas.microsoft.com/office/drawing/2014/main" id="{982D38F6-7419-FFD0-6A19-F81A0647C532}"/>
-              </a:ext>
-            </a:extLst>
-          </p:cNvPr>
+            <a:endParaRPr lang="en-US" dirty="0"/>
+          </a:p>
+        </p:txBody>
+      </p:sp>
+      <p:sp>
+        <p:nvSpPr>
+          <p:cNvPr id="4" name="Content Placeholder 3"/>
           <p:cNvSpPr>
             <a:spLocks noGrp="1"/>
           </p:cNvSpPr>
@@ -1340,13 +1376,41 @@
         </p:nvSpPr>
         <p:spPr>
           <a:xfrm>
-            <a:off x="6172200" y="1825625"/>
-            <a:ext cx="5181600" cy="4351338"/>
+            <a:off x="6267612" y="2057400"/>
+            <a:ext cx="4754880" cy="4023360"/>
           </a:xfrm>
         </p:spPr>
         <p:txBody>
           <a:bodyPr/>
-          <a:lstStyle/>
+          <a:lstStyle>
+            <a:lvl1pPr>
+              <a:defRPr sz="2200"/>
+            </a:lvl1pPr>
+            <a:lvl2pPr>
+              <a:defRPr sz="2000"/>
+            </a:lvl2pPr>
+            <a:lvl3pPr>
+              <a:defRPr sz="1800"/>
+            </a:lvl3pPr>
+            <a:lvl4pPr>
+              <a:defRPr sz="1600"/>
+            </a:lvl4pPr>
+            <a:lvl5pPr>
+              <a:defRPr sz="1600"/>
+            </a:lvl5pPr>
+            <a:lvl6pPr>
+              <a:defRPr sz="1600"/>
+            </a:lvl6pPr>
+            <a:lvl7pPr>
+              <a:defRPr sz="1600"/>
+            </a:lvl7pPr>
+            <a:lvl8pPr>
+              <a:defRPr sz="1600"/>
+            </a:lvl8pPr>
+            <a:lvl9pPr>
+              <a:defRPr sz="1600"/>
+            </a:lvl9pPr>
+          </a:lstStyle>
           <a:p>
             <a:pPr lvl="0"/>
             <a:r>
@@ -1381,18 +1445,13 @@
               <a:rPr lang="en-US"/>
               <a:t>Fifth level</a:t>
             </a:r>
-          </a:p>
-        </p:txBody>
-      </p:sp>
-      <p:sp>
-        <p:nvSpPr>
-          <p:cNvPr id="5" name="Date Placeholder 4">
-            <a:extLst>
-              <a:ext uri="{FF2B5EF4-FFF2-40B4-BE49-F238E27FC236}">
-                <a16:creationId xmlns:a16="http://schemas.microsoft.com/office/drawing/2014/main" id="{2065802A-F415-9BCE-4CE3-FCD7255A58BD}"/>
-              </a:ext>
-            </a:extLst>
-          </p:cNvPr>
+            <a:endParaRPr lang="en-US" dirty="0"/>
+          </a:p>
+        </p:txBody>
+      </p:sp>
+      <p:sp>
+        <p:nvSpPr>
+          <p:cNvPr id="5" name="Date Placeholder 4"/>
           <p:cNvSpPr>
             <a:spLocks noGrp="1"/>
           </p:cNvSpPr>
@@ -1407,7 +1466,7 @@
           <a:p>
             <a:fld id="{4496AEDF-3A3F-4CA9-99A7-FAD98730B112}" type="datetimeFigureOut">
               <a:rPr lang="en-US" smtClean="0"/>
-              <a:t>12/11/2024</a:t>
+              <a:t>12/16/2024</a:t>
             </a:fld>
             <a:endParaRPr lang="en-US"/>
           </a:p>
@@ -1415,13 +1474,7 @@
       </p:sp>
       <p:sp>
         <p:nvSpPr>
-          <p:cNvPr id="6" name="Footer Placeholder 5">
-            <a:extLst>
-              <a:ext uri="{FF2B5EF4-FFF2-40B4-BE49-F238E27FC236}">
-                <a16:creationId xmlns:a16="http://schemas.microsoft.com/office/drawing/2014/main" id="{4D901FFB-D028-F51D-5DE7-027E51E40FB2}"/>
-              </a:ext>
-            </a:extLst>
-          </p:cNvPr>
+          <p:cNvPr id="6" name="Footer Placeholder 5"/>
           <p:cNvSpPr>
             <a:spLocks noGrp="1"/>
           </p:cNvSpPr>
@@ -1440,13 +1493,7 @@
       </p:sp>
       <p:sp>
         <p:nvSpPr>
-          <p:cNvPr id="7" name="Slide Number Placeholder 6">
-            <a:extLst>
-              <a:ext uri="{FF2B5EF4-FFF2-40B4-BE49-F238E27FC236}">
-                <a16:creationId xmlns:a16="http://schemas.microsoft.com/office/drawing/2014/main" id="{0FAD7910-FCD1-CD65-827C-A67B168CA7A6}"/>
-              </a:ext>
-            </a:extLst>
-          </p:cNvPr>
+          <p:cNvPr id="7" name="Slide Number Placeholder 6"/>
           <p:cNvSpPr>
             <a:spLocks noGrp="1"/>
           </p:cNvSpPr>
@@ -1470,7 +1517,7 @@
     </p:spTree>
     <p:extLst>
       <p:ext uri="{BB962C8B-B14F-4D97-AF65-F5344CB8AC3E}">
-        <p14:creationId xmlns:p14="http://schemas.microsoft.com/office/powerpoint/2010/main" val="3619182021"/>
+        <p14:creationId xmlns:p14="http://schemas.microsoft.com/office/powerpoint/2010/main" val="2736760168"/>
       </p:ext>
     </p:extLst>
   </p:cSld>
@@ -1499,63 +1546,50 @@
       </p:grpSpPr>
       <p:sp>
         <p:nvSpPr>
-          <p:cNvPr id="2" name="Title 1">
-            <a:extLst>
-              <a:ext uri="{FF2B5EF4-FFF2-40B4-BE49-F238E27FC236}">
-                <a16:creationId xmlns:a16="http://schemas.microsoft.com/office/drawing/2014/main" id="{638838A3-F12B-416F-D35D-CA7B602A917F}"/>
-              </a:ext>
-            </a:extLst>
-          </p:cNvPr>
+          <p:cNvPr id="10" name="Title 9"/>
           <p:cNvSpPr>
             <a:spLocks noGrp="1"/>
           </p:cNvSpPr>
           <p:nvPr>
             <p:ph type="title"/>
+          </p:nvPr>
+        </p:nvSpPr>
+        <p:spPr/>
+        <p:txBody>
+          <a:bodyPr/>
+          <a:lstStyle/>
+          <a:p>
+            <a:r>
+              <a:rPr lang="en-US"/>
+              <a:t>Click to edit Master title style</a:t>
+            </a:r>
+            <a:endParaRPr lang="en-US" dirty="0"/>
+          </a:p>
+        </p:txBody>
+      </p:sp>
+      <p:sp>
+        <p:nvSpPr>
+          <p:cNvPr id="3" name="Text Placeholder 2"/>
+          <p:cNvSpPr>
+            <a:spLocks noGrp="1"/>
+          </p:cNvSpPr>
+          <p:nvPr>
+            <p:ph type="body" idx="1"/>
           </p:nvPr>
         </p:nvSpPr>
         <p:spPr>
           <a:xfrm>
-            <a:off x="839788" y="365125"/>
-            <a:ext cx="10515600" cy="1325563"/>
+            <a:off x="1143000" y="2001511"/>
+            <a:ext cx="4754880" cy="777240"/>
           </a:xfrm>
         </p:spPr>
         <p:txBody>
-          <a:bodyPr/>
-          <a:lstStyle/>
-          <a:p>
-            <a:r>
-              <a:rPr lang="en-US"/>
-              <a:t>Click to edit Master title style</a:t>
-            </a:r>
-          </a:p>
-        </p:txBody>
-      </p:sp>
-      <p:sp>
-        <p:nvSpPr>
-          <p:cNvPr id="3" name="Text Placeholder 2">
-            <a:extLst>
-              <a:ext uri="{FF2B5EF4-FFF2-40B4-BE49-F238E27FC236}">
-                <a16:creationId xmlns:a16="http://schemas.microsoft.com/office/drawing/2014/main" id="{7FB801FE-EA57-1F79-932C-A1E64CD7079B}"/>
-              </a:ext>
-            </a:extLst>
-          </p:cNvPr>
-          <p:cNvSpPr>
-            <a:spLocks noGrp="1"/>
-          </p:cNvSpPr>
-          <p:nvPr>
-            <p:ph type="body" idx="1"/>
-          </p:nvPr>
-        </p:nvSpPr>
-        <p:spPr>
-          <a:xfrm>
-            <a:off x="839788" y="1681163"/>
-            <a:ext cx="5157787" cy="823912"/>
-          </a:xfrm>
-        </p:spPr>
-        <p:txBody>
-          <a:bodyPr anchor="b"/>
+          <a:bodyPr anchor="ctr"/>
           <a:lstStyle>
             <a:lvl1pPr marL="0" indent="0">
+              <a:spcBef>
+                <a:spcPts val="0"/>
+              </a:spcBef>
               <a:buNone/>
               <a:defRPr sz="2400" b="1"/>
             </a:lvl1pPr>
@@ -1603,13 +1637,7 @@
       </p:sp>
       <p:sp>
         <p:nvSpPr>
-          <p:cNvPr id="4" name="Content Placeholder 3">
-            <a:extLst>
-              <a:ext uri="{FF2B5EF4-FFF2-40B4-BE49-F238E27FC236}">
-                <a16:creationId xmlns:a16="http://schemas.microsoft.com/office/drawing/2014/main" id="{270238BE-2BA1-B921-9AF6-050F307606F8}"/>
-              </a:ext>
-            </a:extLst>
-          </p:cNvPr>
+          <p:cNvPr id="4" name="Content Placeholder 3"/>
           <p:cNvSpPr>
             <a:spLocks noGrp="1"/>
           </p:cNvSpPr>
@@ -1619,13 +1647,41 @@
         </p:nvSpPr>
         <p:spPr>
           <a:xfrm>
-            <a:off x="839788" y="2505075"/>
-            <a:ext cx="5157787" cy="3684588"/>
+            <a:off x="1143000" y="2721483"/>
+            <a:ext cx="4754880" cy="3383280"/>
           </a:xfrm>
         </p:spPr>
         <p:txBody>
           <a:bodyPr/>
-          <a:lstStyle/>
+          <a:lstStyle>
+            <a:lvl1pPr>
+              <a:defRPr sz="2200"/>
+            </a:lvl1pPr>
+            <a:lvl2pPr>
+              <a:defRPr sz="2000"/>
+            </a:lvl2pPr>
+            <a:lvl3pPr>
+              <a:defRPr sz="1800"/>
+            </a:lvl3pPr>
+            <a:lvl4pPr>
+              <a:defRPr sz="1600"/>
+            </a:lvl4pPr>
+            <a:lvl5pPr>
+              <a:defRPr sz="1600"/>
+            </a:lvl5pPr>
+            <a:lvl6pPr>
+              <a:defRPr sz="1600"/>
+            </a:lvl6pPr>
+            <a:lvl7pPr>
+              <a:defRPr sz="1600"/>
+            </a:lvl7pPr>
+            <a:lvl8pPr>
+              <a:defRPr sz="1600"/>
+            </a:lvl8pPr>
+            <a:lvl9pPr>
+              <a:defRPr sz="1600"/>
+            </a:lvl9pPr>
+          </a:lstStyle>
           <a:p>
             <a:pPr lvl="0"/>
             <a:r>
@@ -1660,18 +1716,13 @@
               <a:rPr lang="en-US"/>
               <a:t>Fifth level</a:t>
             </a:r>
-          </a:p>
-        </p:txBody>
-      </p:sp>
-      <p:sp>
-        <p:nvSpPr>
-          <p:cNvPr id="5" name="Text Placeholder 4">
-            <a:extLst>
-              <a:ext uri="{FF2B5EF4-FFF2-40B4-BE49-F238E27FC236}">
-                <a16:creationId xmlns:a16="http://schemas.microsoft.com/office/drawing/2014/main" id="{F6D3C2A0-F3A5-FBB2-8947-83A8F0F6E924}"/>
-              </a:ext>
-            </a:extLst>
-          </p:cNvPr>
+            <a:endParaRPr lang="en-US" dirty="0"/>
+          </a:p>
+        </p:txBody>
+      </p:sp>
+      <p:sp>
+        <p:nvSpPr>
+          <p:cNvPr id="5" name="Text Placeholder 4"/>
           <p:cNvSpPr>
             <a:spLocks noGrp="1"/>
           </p:cNvSpPr>
@@ -1681,14 +1732,17 @@
         </p:nvSpPr>
         <p:spPr>
           <a:xfrm>
-            <a:off x="6172200" y="1681163"/>
-            <a:ext cx="5183188" cy="823912"/>
+            <a:off x="6269173" y="1999032"/>
+            <a:ext cx="4754880" cy="777240"/>
           </a:xfrm>
         </p:spPr>
         <p:txBody>
-          <a:bodyPr anchor="b"/>
+          <a:bodyPr anchor="ctr"/>
           <a:lstStyle>
             <a:lvl1pPr marL="0" indent="0">
+              <a:spcBef>
+                <a:spcPts val="0"/>
+              </a:spcBef>
               <a:buNone/>
               <a:defRPr sz="2400" b="1"/>
             </a:lvl1pPr>
@@ -1736,13 +1790,7 @@
       </p:sp>
       <p:sp>
         <p:nvSpPr>
-          <p:cNvPr id="6" name="Content Placeholder 5">
-            <a:extLst>
-              <a:ext uri="{FF2B5EF4-FFF2-40B4-BE49-F238E27FC236}">
-                <a16:creationId xmlns:a16="http://schemas.microsoft.com/office/drawing/2014/main" id="{FBDB4586-2D7C-5E52-18D9-5C044F694DF1}"/>
-              </a:ext>
-            </a:extLst>
-          </p:cNvPr>
+          <p:cNvPr id="6" name="Content Placeholder 5"/>
           <p:cNvSpPr>
             <a:spLocks noGrp="1"/>
           </p:cNvSpPr>
@@ -1752,13 +1800,41 @@
         </p:nvSpPr>
         <p:spPr>
           <a:xfrm>
-            <a:off x="6172200" y="2505075"/>
-            <a:ext cx="5183188" cy="3684588"/>
+            <a:off x="6269173" y="2719322"/>
+            <a:ext cx="4754880" cy="3383280"/>
           </a:xfrm>
         </p:spPr>
         <p:txBody>
           <a:bodyPr/>
-          <a:lstStyle/>
+          <a:lstStyle>
+            <a:lvl1pPr>
+              <a:defRPr sz="2200"/>
+            </a:lvl1pPr>
+            <a:lvl2pPr>
+              <a:defRPr sz="2000"/>
+            </a:lvl2pPr>
+            <a:lvl3pPr>
+              <a:defRPr sz="1800"/>
+            </a:lvl3pPr>
+            <a:lvl4pPr>
+              <a:defRPr sz="1600"/>
+            </a:lvl4pPr>
+            <a:lvl5pPr>
+              <a:defRPr sz="1600"/>
+            </a:lvl5pPr>
+            <a:lvl6pPr>
+              <a:defRPr sz="1600"/>
+            </a:lvl6pPr>
+            <a:lvl7pPr>
+              <a:defRPr sz="1600"/>
+            </a:lvl7pPr>
+            <a:lvl8pPr>
+              <a:defRPr sz="1600"/>
+            </a:lvl8pPr>
+            <a:lvl9pPr>
+              <a:defRPr sz="1600"/>
+            </a:lvl9pPr>
+          </a:lstStyle>
           <a:p>
             <a:pPr lvl="0"/>
             <a:r>
@@ -1793,18 +1869,13 @@
               <a:rPr lang="en-US"/>
               <a:t>Fifth level</a:t>
             </a:r>
-          </a:p>
-        </p:txBody>
-      </p:sp>
-      <p:sp>
-        <p:nvSpPr>
-          <p:cNvPr id="7" name="Date Placeholder 6">
-            <a:extLst>
-              <a:ext uri="{FF2B5EF4-FFF2-40B4-BE49-F238E27FC236}">
-                <a16:creationId xmlns:a16="http://schemas.microsoft.com/office/drawing/2014/main" id="{BB3D1CAA-AB28-7598-6349-99334E8C4518}"/>
-              </a:ext>
-            </a:extLst>
-          </p:cNvPr>
+            <a:endParaRPr lang="en-US" dirty="0"/>
+          </a:p>
+        </p:txBody>
+      </p:sp>
+      <p:sp>
+        <p:nvSpPr>
+          <p:cNvPr id="7" name="Date Placeholder 6"/>
           <p:cNvSpPr>
             <a:spLocks noGrp="1"/>
           </p:cNvSpPr>
@@ -1819,7 +1890,7 @@
           <a:p>
             <a:fld id="{4496AEDF-3A3F-4CA9-99A7-FAD98730B112}" type="datetimeFigureOut">
               <a:rPr lang="en-US" smtClean="0"/>
-              <a:t>12/11/2024</a:t>
+              <a:t>12/16/2024</a:t>
             </a:fld>
             <a:endParaRPr lang="en-US"/>
           </a:p>
@@ -1827,13 +1898,7 @@
       </p:sp>
       <p:sp>
         <p:nvSpPr>
-          <p:cNvPr id="8" name="Footer Placeholder 7">
-            <a:extLst>
-              <a:ext uri="{FF2B5EF4-FFF2-40B4-BE49-F238E27FC236}">
-                <a16:creationId xmlns:a16="http://schemas.microsoft.com/office/drawing/2014/main" id="{AAF5288D-BB5D-79C1-CA40-02CC6CCEAE43}"/>
-              </a:ext>
-            </a:extLst>
-          </p:cNvPr>
+          <p:cNvPr id="8" name="Footer Placeholder 7"/>
           <p:cNvSpPr>
             <a:spLocks noGrp="1"/>
           </p:cNvSpPr>
@@ -1852,13 +1917,7 @@
       </p:sp>
       <p:sp>
         <p:nvSpPr>
-          <p:cNvPr id="9" name="Slide Number Placeholder 8">
-            <a:extLst>
-              <a:ext uri="{FF2B5EF4-FFF2-40B4-BE49-F238E27FC236}">
-                <a16:creationId xmlns:a16="http://schemas.microsoft.com/office/drawing/2014/main" id="{5CE4DAF1-4D50-6E9E-2917-9CCC4A2A8A62}"/>
-              </a:ext>
-            </a:extLst>
-          </p:cNvPr>
+          <p:cNvPr id="9" name="Slide Number Placeholder 8"/>
           <p:cNvSpPr>
             <a:spLocks noGrp="1"/>
           </p:cNvSpPr>
@@ -1882,7 +1941,7 @@
     </p:spTree>
     <p:extLst>
       <p:ext uri="{BB962C8B-B14F-4D97-AF65-F5344CB8AC3E}">
-        <p14:creationId xmlns:p14="http://schemas.microsoft.com/office/powerpoint/2010/main" val="2924584391"/>
+        <p14:creationId xmlns:p14="http://schemas.microsoft.com/office/powerpoint/2010/main" val="426296387"/>
       </p:ext>
     </p:extLst>
   </p:cSld>
@@ -1911,13 +1970,7 @@
       </p:grpSpPr>
       <p:sp>
         <p:nvSpPr>
-          <p:cNvPr id="2" name="Title 1">
-            <a:extLst>
-              <a:ext uri="{FF2B5EF4-FFF2-40B4-BE49-F238E27FC236}">
-                <a16:creationId xmlns:a16="http://schemas.microsoft.com/office/drawing/2014/main" id="{404AAB03-E090-63ED-B54E-3058CA9C1D2F}"/>
-              </a:ext>
-            </a:extLst>
-          </p:cNvPr>
+          <p:cNvPr id="2" name="Title 1"/>
           <p:cNvSpPr>
             <a:spLocks noGrp="1"/>
           </p:cNvSpPr>
@@ -1934,18 +1987,13 @@
               <a:rPr lang="en-US"/>
               <a:t>Click to edit Master title style</a:t>
             </a:r>
-          </a:p>
-        </p:txBody>
-      </p:sp>
-      <p:sp>
-        <p:nvSpPr>
-          <p:cNvPr id="3" name="Date Placeholder 2">
-            <a:extLst>
-              <a:ext uri="{FF2B5EF4-FFF2-40B4-BE49-F238E27FC236}">
-                <a16:creationId xmlns:a16="http://schemas.microsoft.com/office/drawing/2014/main" id="{322677BB-08BE-BCC3-79CD-412EE7D74010}"/>
-              </a:ext>
-            </a:extLst>
-          </p:cNvPr>
+            <a:endParaRPr lang="en-US" dirty="0"/>
+          </a:p>
+        </p:txBody>
+      </p:sp>
+      <p:sp>
+        <p:nvSpPr>
+          <p:cNvPr id="3" name="Date Placeholder 2"/>
           <p:cNvSpPr>
             <a:spLocks noGrp="1"/>
           </p:cNvSpPr>
@@ -1960,7 +2008,7 @@
           <a:p>
             <a:fld id="{4496AEDF-3A3F-4CA9-99A7-FAD98730B112}" type="datetimeFigureOut">
               <a:rPr lang="en-US" smtClean="0"/>
-              <a:t>12/11/2024</a:t>
+              <a:t>12/16/2024</a:t>
             </a:fld>
             <a:endParaRPr lang="en-US"/>
           </a:p>
@@ -1968,13 +2016,7 @@
       </p:sp>
       <p:sp>
         <p:nvSpPr>
-          <p:cNvPr id="4" name="Footer Placeholder 3">
-            <a:extLst>
-              <a:ext uri="{FF2B5EF4-FFF2-40B4-BE49-F238E27FC236}">
-                <a16:creationId xmlns:a16="http://schemas.microsoft.com/office/drawing/2014/main" id="{7F0683B8-7C8B-CE6F-6053-4A78FB88EDB6}"/>
-              </a:ext>
-            </a:extLst>
-          </p:cNvPr>
+          <p:cNvPr id="4" name="Footer Placeholder 3"/>
           <p:cNvSpPr>
             <a:spLocks noGrp="1"/>
           </p:cNvSpPr>
@@ -1993,13 +2035,7 @@
       </p:sp>
       <p:sp>
         <p:nvSpPr>
-          <p:cNvPr id="5" name="Slide Number Placeholder 4">
-            <a:extLst>
-              <a:ext uri="{FF2B5EF4-FFF2-40B4-BE49-F238E27FC236}">
-                <a16:creationId xmlns:a16="http://schemas.microsoft.com/office/drawing/2014/main" id="{8D197AE9-AD42-4147-A518-988237C300EC}"/>
-              </a:ext>
-            </a:extLst>
-          </p:cNvPr>
+          <p:cNvPr id="5" name="Slide Number Placeholder 4"/>
           <p:cNvSpPr>
             <a:spLocks noGrp="1"/>
           </p:cNvSpPr>
@@ -2023,7 +2059,7 @@
     </p:spTree>
     <p:extLst>
       <p:ext uri="{BB962C8B-B14F-4D97-AF65-F5344CB8AC3E}">
-        <p14:creationId xmlns:p14="http://schemas.microsoft.com/office/powerpoint/2010/main" val="2051856012"/>
+        <p14:creationId xmlns:p14="http://schemas.microsoft.com/office/powerpoint/2010/main" val="2590740508"/>
       </p:ext>
     </p:extLst>
   </p:cSld>
@@ -2052,13 +2088,7 @@
       </p:grpSpPr>
       <p:sp>
         <p:nvSpPr>
-          <p:cNvPr id="2" name="Date Placeholder 1">
-            <a:extLst>
-              <a:ext uri="{FF2B5EF4-FFF2-40B4-BE49-F238E27FC236}">
-                <a16:creationId xmlns:a16="http://schemas.microsoft.com/office/drawing/2014/main" id="{708F2D99-DA61-99D3-CB0C-2303B6C4A48B}"/>
-              </a:ext>
-            </a:extLst>
-          </p:cNvPr>
+          <p:cNvPr id="2" name="Date Placeholder 1"/>
           <p:cNvSpPr>
             <a:spLocks noGrp="1"/>
           </p:cNvSpPr>
@@ -2073,7 +2103,7 @@
           <a:p>
             <a:fld id="{4496AEDF-3A3F-4CA9-99A7-FAD98730B112}" type="datetimeFigureOut">
               <a:rPr lang="en-US" smtClean="0"/>
-              <a:t>12/11/2024</a:t>
+              <a:t>12/16/2024</a:t>
             </a:fld>
             <a:endParaRPr lang="en-US"/>
           </a:p>
@@ -2081,13 +2111,7 @@
       </p:sp>
       <p:sp>
         <p:nvSpPr>
-          <p:cNvPr id="3" name="Footer Placeholder 2">
-            <a:extLst>
-              <a:ext uri="{FF2B5EF4-FFF2-40B4-BE49-F238E27FC236}">
-                <a16:creationId xmlns:a16="http://schemas.microsoft.com/office/drawing/2014/main" id="{FF533C4F-11A5-E5D2-E31F-BAED5F335D38}"/>
-              </a:ext>
-            </a:extLst>
-          </p:cNvPr>
+          <p:cNvPr id="3" name="Footer Placeholder 2"/>
           <p:cNvSpPr>
             <a:spLocks noGrp="1"/>
           </p:cNvSpPr>
@@ -2106,13 +2130,7 @@
       </p:sp>
       <p:sp>
         <p:nvSpPr>
-          <p:cNvPr id="4" name="Slide Number Placeholder 3">
-            <a:extLst>
-              <a:ext uri="{FF2B5EF4-FFF2-40B4-BE49-F238E27FC236}">
-                <a16:creationId xmlns:a16="http://schemas.microsoft.com/office/drawing/2014/main" id="{284379BA-217E-AD79-E1DC-DA5FC7E83026}"/>
-              </a:ext>
-            </a:extLst>
-          </p:cNvPr>
+          <p:cNvPr id="4" name="Slide Number Placeholder 3"/>
           <p:cNvSpPr>
             <a:spLocks noGrp="1"/>
           </p:cNvSpPr>
@@ -2136,7 +2154,7 @@
     </p:spTree>
     <p:extLst>
       <p:ext uri="{BB962C8B-B14F-4D97-AF65-F5344CB8AC3E}">
-        <p14:creationId xmlns:p14="http://schemas.microsoft.com/office/powerpoint/2010/main" val="3777734021"/>
+        <p14:creationId xmlns:p14="http://schemas.microsoft.com/office/powerpoint/2010/main" val="3375382459"/>
       </p:ext>
     </p:extLst>
   </p:cSld>
@@ -2165,13 +2183,7 @@
       </p:grpSpPr>
       <p:sp>
         <p:nvSpPr>
-          <p:cNvPr id="2" name="Title 1">
-            <a:extLst>
-              <a:ext uri="{FF2B5EF4-FFF2-40B4-BE49-F238E27FC236}">
-                <a16:creationId xmlns:a16="http://schemas.microsoft.com/office/drawing/2014/main" id="{4A7429A6-4CB1-8B5D-40EB-6FA9BCEF859A}"/>
-              </a:ext>
-            </a:extLst>
-          </p:cNvPr>
+          <p:cNvPr id="2" name="Title 1"/>
           <p:cNvSpPr>
             <a:spLocks noGrp="1"/>
           </p:cNvSpPr>
@@ -2181,15 +2193,20 @@
         </p:nvSpPr>
         <p:spPr>
           <a:xfrm>
-            <a:off x="839788" y="457200"/>
-            <a:ext cx="3932237" cy="1600200"/>
+            <a:off x="1143000" y="1097280"/>
+            <a:ext cx="3931920" cy="1737360"/>
           </a:xfrm>
         </p:spPr>
         <p:txBody>
-          <a:bodyPr anchor="b"/>
+          <a:bodyPr anchor="b">
+            <a:noAutofit/>
+          </a:bodyPr>
           <a:lstStyle>
             <a:lvl1pPr>
-              <a:defRPr sz="3200"/>
+              <a:lnSpc>
+                <a:spcPct val="90000"/>
+              </a:lnSpc>
+              <a:defRPr sz="4000" b="0"/>
             </a:lvl1pPr>
           </a:lstStyle>
           <a:p>
@@ -2197,18 +2214,13 @@
               <a:rPr lang="en-US"/>
               <a:t>Click to edit Master title style</a:t>
             </a:r>
-          </a:p>
-        </p:txBody>
-      </p:sp>
-      <p:sp>
-        <p:nvSpPr>
-          <p:cNvPr id="3" name="Content Placeholder 2">
-            <a:extLst>
-              <a:ext uri="{FF2B5EF4-FFF2-40B4-BE49-F238E27FC236}">
-                <a16:creationId xmlns:a16="http://schemas.microsoft.com/office/drawing/2014/main" id="{62B3DF69-525A-7090-6519-266597F648E4}"/>
-              </a:ext>
-            </a:extLst>
-          </p:cNvPr>
+            <a:endParaRPr lang="en-US" dirty="0"/>
+          </a:p>
+        </p:txBody>
+      </p:sp>
+      <p:sp>
+        <p:nvSpPr>
+          <p:cNvPr id="3" name="Content Placeholder 2"/>
           <p:cNvSpPr>
             <a:spLocks noGrp="1"/>
           </p:cNvSpPr>
@@ -2218,8 +2230,8 @@
         </p:nvSpPr>
         <p:spPr>
           <a:xfrm>
-            <a:off x="5183188" y="987425"/>
-            <a:ext cx="6172200" cy="4873625"/>
+            <a:off x="5852159" y="1097280"/>
+            <a:ext cx="5212080" cy="4663440"/>
           </a:xfrm>
         </p:spPr>
         <p:txBody>
@@ -2287,18 +2299,13 @@
               <a:rPr lang="en-US"/>
               <a:t>Fifth level</a:t>
             </a:r>
-          </a:p>
-        </p:txBody>
-      </p:sp>
-      <p:sp>
-        <p:nvSpPr>
-          <p:cNvPr id="4" name="Text Placeholder 3">
-            <a:extLst>
-              <a:ext uri="{FF2B5EF4-FFF2-40B4-BE49-F238E27FC236}">
-                <a16:creationId xmlns:a16="http://schemas.microsoft.com/office/drawing/2014/main" id="{DE238BD4-4D9E-39FD-CD89-C43EB5EABB13}"/>
-              </a:ext>
-            </a:extLst>
-          </p:cNvPr>
+            <a:endParaRPr lang="en-US" dirty="0"/>
+          </a:p>
+        </p:txBody>
+      </p:sp>
+      <p:sp>
+        <p:nvSpPr>
+          <p:cNvPr id="4" name="Text Placeholder 3"/>
           <p:cNvSpPr>
             <a:spLocks noGrp="1"/>
           </p:cNvSpPr>
@@ -2308,48 +2315,56 @@
         </p:nvSpPr>
         <p:spPr>
           <a:xfrm>
-            <a:off x="839788" y="2057400"/>
-            <a:ext cx="3932237" cy="3811588"/>
+            <a:off x="1143000" y="2834640"/>
+            <a:ext cx="3931920" cy="3017520"/>
           </a:xfrm>
         </p:spPr>
         <p:txBody>
-          <a:bodyPr/>
+          <a:bodyPr>
+            <a:normAutofit/>
+          </a:bodyPr>
           <a:lstStyle>
             <a:lvl1pPr marL="0" indent="0">
-              <a:buNone/>
-              <a:defRPr sz="1600"/>
+              <a:lnSpc>
+                <a:spcPct val="100000"/>
+              </a:lnSpc>
+              <a:spcBef>
+                <a:spcPts val="1000"/>
+              </a:spcBef>
+              <a:buNone/>
+              <a:defRPr sz="1700"/>
             </a:lvl1pPr>
             <a:lvl2pPr marL="457200" indent="0">
               <a:buNone/>
-              <a:defRPr sz="1400"/>
+              <a:defRPr sz="1200"/>
             </a:lvl2pPr>
             <a:lvl3pPr marL="914400" indent="0">
               <a:buNone/>
-              <a:defRPr sz="1200"/>
+              <a:defRPr sz="1000"/>
             </a:lvl3pPr>
             <a:lvl4pPr marL="1371600" indent="0">
               <a:buNone/>
-              <a:defRPr sz="1000"/>
+              <a:defRPr sz="900"/>
             </a:lvl4pPr>
             <a:lvl5pPr marL="1828800" indent="0">
               <a:buNone/>
-              <a:defRPr sz="1000"/>
+              <a:defRPr sz="900"/>
             </a:lvl5pPr>
             <a:lvl6pPr marL="2286000" indent="0">
               <a:buNone/>
-              <a:defRPr sz="1000"/>
+              <a:defRPr sz="900"/>
             </a:lvl6pPr>
             <a:lvl7pPr marL="2743200" indent="0">
               <a:buNone/>
-              <a:defRPr sz="1000"/>
+              <a:defRPr sz="900"/>
             </a:lvl7pPr>
             <a:lvl8pPr marL="3200400" indent="0">
               <a:buNone/>
-              <a:defRPr sz="1000"/>
+              <a:defRPr sz="900"/>
             </a:lvl8pPr>
             <a:lvl9pPr marL="3657600" indent="0">
               <a:buNone/>
-              <a:defRPr sz="1000"/>
+              <a:defRPr sz="900"/>
             </a:lvl9pPr>
           </a:lstStyle>
           <a:p>
@@ -2363,13 +2378,7 @@
       </p:sp>
       <p:sp>
         <p:nvSpPr>
-          <p:cNvPr id="5" name="Date Placeholder 4">
-            <a:extLst>
-              <a:ext uri="{FF2B5EF4-FFF2-40B4-BE49-F238E27FC236}">
-                <a16:creationId xmlns:a16="http://schemas.microsoft.com/office/drawing/2014/main" id="{4BCB27E7-977E-97A4-A333-C6E03CB5DAD5}"/>
-              </a:ext>
-            </a:extLst>
-          </p:cNvPr>
+          <p:cNvPr id="5" name="Date Placeholder 4"/>
           <p:cNvSpPr>
             <a:spLocks noGrp="1"/>
           </p:cNvSpPr>
@@ -2384,7 +2393,7 @@
           <a:p>
             <a:fld id="{4496AEDF-3A3F-4CA9-99A7-FAD98730B112}" type="datetimeFigureOut">
               <a:rPr lang="en-US" smtClean="0"/>
-              <a:t>12/11/2024</a:t>
+              <a:t>12/16/2024</a:t>
             </a:fld>
             <a:endParaRPr lang="en-US"/>
           </a:p>
@@ -2392,13 +2401,7 @@
       </p:sp>
       <p:sp>
         <p:nvSpPr>
-          <p:cNvPr id="6" name="Footer Placeholder 5">
-            <a:extLst>
-              <a:ext uri="{FF2B5EF4-FFF2-40B4-BE49-F238E27FC236}">
-                <a16:creationId xmlns:a16="http://schemas.microsoft.com/office/drawing/2014/main" id="{1663B5E9-958D-8CE2-B01F-C1611B63459E}"/>
-              </a:ext>
-            </a:extLst>
-          </p:cNvPr>
+          <p:cNvPr id="6" name="Footer Placeholder 5"/>
           <p:cNvSpPr>
             <a:spLocks noGrp="1"/>
           </p:cNvSpPr>
@@ -2417,13 +2420,7 @@
       </p:sp>
       <p:sp>
         <p:nvSpPr>
-          <p:cNvPr id="7" name="Slide Number Placeholder 6">
-            <a:extLst>
-              <a:ext uri="{FF2B5EF4-FFF2-40B4-BE49-F238E27FC236}">
-                <a16:creationId xmlns:a16="http://schemas.microsoft.com/office/drawing/2014/main" id="{F071614F-58D6-D8D3-BC48-36A5DCBA1633}"/>
-              </a:ext>
-            </a:extLst>
-          </p:cNvPr>
+          <p:cNvPr id="7" name="Slide Number Placeholder 6"/>
           <p:cNvSpPr>
             <a:spLocks noGrp="1"/>
           </p:cNvSpPr>
@@ -2447,7 +2444,7 @@
     </p:spTree>
     <p:extLst>
       <p:ext uri="{BB962C8B-B14F-4D97-AF65-F5344CB8AC3E}">
-        <p14:creationId xmlns:p14="http://schemas.microsoft.com/office/powerpoint/2010/main" val="329172498"/>
+        <p14:creationId xmlns:p14="http://schemas.microsoft.com/office/powerpoint/2010/main" val="1048861876"/>
       </p:ext>
     </p:extLst>
   </p:cSld>
@@ -2476,13 +2473,7 @@
       </p:grpSpPr>
       <p:sp>
         <p:nvSpPr>
-          <p:cNvPr id="2" name="Title 1">
-            <a:extLst>
-              <a:ext uri="{FF2B5EF4-FFF2-40B4-BE49-F238E27FC236}">
-                <a16:creationId xmlns:a16="http://schemas.microsoft.com/office/drawing/2014/main" id="{65FE1BC1-99B9-0DAE-C47C-94BE0EF2BF17}"/>
-              </a:ext>
-            </a:extLst>
-          </p:cNvPr>
+          <p:cNvPr id="2" name="Title 1"/>
           <p:cNvSpPr>
             <a:spLocks noGrp="1"/>
           </p:cNvSpPr>
@@ -2492,15 +2483,20 @@
         </p:nvSpPr>
         <p:spPr>
           <a:xfrm>
-            <a:off x="839788" y="457200"/>
-            <a:ext cx="3932237" cy="1600200"/>
+            <a:off x="1143000" y="1097280"/>
+            <a:ext cx="3931920" cy="1737360"/>
           </a:xfrm>
         </p:spPr>
         <p:txBody>
-          <a:bodyPr anchor="b"/>
+          <a:bodyPr anchor="b">
+            <a:noAutofit/>
+          </a:bodyPr>
           <a:lstStyle>
             <a:lvl1pPr>
-              <a:defRPr sz="3200"/>
+              <a:lnSpc>
+                <a:spcPct val="90000"/>
+              </a:lnSpc>
+              <a:defRPr sz="4000" b="0"/>
             </a:lvl1pPr>
           </a:lstStyle>
           <a:p>
@@ -2508,20 +2504,15 @@
               <a:rPr lang="en-US"/>
               <a:t>Click to edit Master title style</a:t>
             </a:r>
-          </a:p>
-        </p:txBody>
-      </p:sp>
-      <p:sp>
-        <p:nvSpPr>
-          <p:cNvPr id="3" name="Picture Placeholder 2">
-            <a:extLst>
-              <a:ext uri="{FF2B5EF4-FFF2-40B4-BE49-F238E27FC236}">
-                <a16:creationId xmlns:a16="http://schemas.microsoft.com/office/drawing/2014/main" id="{798EC5DE-64A6-8619-5431-23464A156E2E}"/>
-              </a:ext>
-            </a:extLst>
-          </p:cNvPr>
-          <p:cNvSpPr>
-            <a:spLocks noGrp="1"/>
+            <a:endParaRPr lang="en-US" dirty="0"/>
+          </a:p>
+        </p:txBody>
+      </p:sp>
+      <p:sp>
+        <p:nvSpPr>
+          <p:cNvPr id="3" name="Picture Placeholder 2"/>
+          <p:cNvSpPr>
+            <a:spLocks noGrp="1" noChangeAspect="1"/>
           </p:cNvSpPr>
           <p:nvPr>
             <p:ph type="pic" idx="1"/>
@@ -2529,16 +2520,18 @@
         </p:nvSpPr>
         <p:spPr>
           <a:xfrm>
-            <a:off x="5183188" y="987425"/>
-            <a:ext cx="6172200" cy="4873625"/>
+            <a:off x="5413248" y="1069847"/>
+            <a:ext cx="6099048" cy="4800600"/>
           </a:xfrm>
         </p:spPr>
         <p:txBody>
-          <a:bodyPr/>
+          <a:bodyPr lIns="274320" tIns="182880" anchor="t">
+            <a:normAutofit/>
+          </a:bodyPr>
           <a:lstStyle>
             <a:lvl1pPr marL="0" indent="0">
               <a:buNone/>
-              <a:defRPr sz="3200"/>
+              <a:defRPr sz="2800"/>
             </a:lvl1pPr>
             <a:lvl2pPr marL="457200" indent="0">
               <a:buNone/>
@@ -2574,19 +2567,17 @@
             </a:lvl9pPr>
           </a:lstStyle>
           <a:p>
-            <a:endParaRPr lang="en-US"/>
-          </a:p>
-        </p:txBody>
-      </p:sp>
-      <p:sp>
-        <p:nvSpPr>
-          <p:cNvPr id="4" name="Text Placeholder 3">
-            <a:extLst>
-              <a:ext uri="{FF2B5EF4-FFF2-40B4-BE49-F238E27FC236}">
-                <a16:creationId xmlns:a16="http://schemas.microsoft.com/office/drawing/2014/main" id="{1F62E9FC-2486-FD96-3015-47A2BFC5E32C}"/>
-              </a:ext>
-            </a:extLst>
-          </p:cNvPr>
+            <a:r>
+              <a:rPr lang="en-US"/>
+              <a:t>Click icon to add picture</a:t>
+            </a:r>
+            <a:endParaRPr lang="en-US" dirty="0"/>
+          </a:p>
+        </p:txBody>
+      </p:sp>
+      <p:sp>
+        <p:nvSpPr>
+          <p:cNvPr id="4" name="Text Placeholder 3"/>
           <p:cNvSpPr>
             <a:spLocks noGrp="1"/>
           </p:cNvSpPr>
@@ -2596,48 +2587,56 @@
         </p:nvSpPr>
         <p:spPr>
           <a:xfrm>
-            <a:off x="839788" y="2057400"/>
-            <a:ext cx="3932237" cy="3811588"/>
+            <a:off x="1143000" y="2834640"/>
+            <a:ext cx="3931920" cy="2880360"/>
           </a:xfrm>
         </p:spPr>
         <p:txBody>
-          <a:bodyPr/>
+          <a:bodyPr>
+            <a:normAutofit/>
+          </a:bodyPr>
           <a:lstStyle>
             <a:lvl1pPr marL="0" indent="0">
-              <a:buNone/>
-              <a:defRPr sz="1600"/>
+              <a:lnSpc>
+                <a:spcPct val="100000"/>
+              </a:lnSpc>
+              <a:spcBef>
+                <a:spcPts val="1000"/>
+              </a:spcBef>
+              <a:buNone/>
+              <a:defRPr sz="1700"/>
             </a:lvl1pPr>
             <a:lvl2pPr marL="457200" indent="0">
               <a:buNone/>
-              <a:defRPr sz="1400"/>
+              <a:defRPr sz="1200"/>
             </a:lvl2pPr>
             <a:lvl3pPr marL="914400" indent="0">
               <a:buNone/>
-              <a:defRPr sz="1200"/>
+              <a:defRPr sz="1000"/>
             </a:lvl3pPr>
             <a:lvl4pPr marL="1371600" indent="0">
               <a:buNone/>
-              <a:defRPr sz="1000"/>
+              <a:defRPr sz="900"/>
             </a:lvl4pPr>
             <a:lvl5pPr marL="1828800" indent="0">
               <a:buNone/>
-              <a:defRPr sz="1000"/>
+              <a:defRPr sz="900"/>
             </a:lvl5pPr>
             <a:lvl6pPr marL="2286000" indent="0">
               <a:buNone/>
-              <a:defRPr sz="1000"/>
+              <a:defRPr sz="900"/>
             </a:lvl6pPr>
             <a:lvl7pPr marL="2743200" indent="0">
               <a:buNone/>
-              <a:defRPr sz="1000"/>
+              <a:defRPr sz="900"/>
             </a:lvl7pPr>
             <a:lvl8pPr marL="3200400" indent="0">
               <a:buNone/>
-              <a:defRPr sz="1000"/>
+              <a:defRPr sz="900"/>
             </a:lvl8pPr>
             <a:lvl9pPr marL="3657600" indent="0">
               <a:buNone/>
-              <a:defRPr sz="1000"/>
+              <a:defRPr sz="900"/>
             </a:lvl9pPr>
           </a:lstStyle>
           <a:p>
@@ -2651,13 +2650,7 @@
       </p:sp>
       <p:sp>
         <p:nvSpPr>
-          <p:cNvPr id="5" name="Date Placeholder 4">
-            <a:extLst>
-              <a:ext uri="{FF2B5EF4-FFF2-40B4-BE49-F238E27FC236}">
-                <a16:creationId xmlns:a16="http://schemas.microsoft.com/office/drawing/2014/main" id="{BA5B7EE7-2F4C-0F74-AC59-AAC6045408EF}"/>
-              </a:ext>
-            </a:extLst>
-          </p:cNvPr>
+          <p:cNvPr id="5" name="Date Placeholder 4"/>
           <p:cNvSpPr>
             <a:spLocks noGrp="1"/>
           </p:cNvSpPr>
@@ -2672,7 +2665,7 @@
           <a:p>
             <a:fld id="{4496AEDF-3A3F-4CA9-99A7-FAD98730B112}" type="datetimeFigureOut">
               <a:rPr lang="en-US" smtClean="0"/>
-              <a:t>12/11/2024</a:t>
+              <a:t>12/16/2024</a:t>
             </a:fld>
             <a:endParaRPr lang="en-US"/>
           </a:p>
@@ -2680,13 +2673,7 @@
       </p:sp>
       <p:sp>
         <p:nvSpPr>
-          <p:cNvPr id="6" name="Footer Placeholder 5">
-            <a:extLst>
-              <a:ext uri="{FF2B5EF4-FFF2-40B4-BE49-F238E27FC236}">
-                <a16:creationId xmlns:a16="http://schemas.microsoft.com/office/drawing/2014/main" id="{C629C4E4-9049-6859-4BA7-06C2A2E7BFBE}"/>
-              </a:ext>
-            </a:extLst>
-          </p:cNvPr>
+          <p:cNvPr id="6" name="Footer Placeholder 5"/>
           <p:cNvSpPr>
             <a:spLocks noGrp="1"/>
           </p:cNvSpPr>
@@ -2705,13 +2692,7 @@
       </p:sp>
       <p:sp>
         <p:nvSpPr>
-          <p:cNvPr id="7" name="Slide Number Placeholder 6">
-            <a:extLst>
-              <a:ext uri="{FF2B5EF4-FFF2-40B4-BE49-F238E27FC236}">
-                <a16:creationId xmlns:a16="http://schemas.microsoft.com/office/drawing/2014/main" id="{A1F96CC9-483E-7437-D060-ED1C4294A4CA}"/>
-              </a:ext>
-            </a:extLst>
-          </p:cNvPr>
+          <p:cNvPr id="7" name="Slide Number Placeholder 6"/>
           <p:cNvSpPr>
             <a:spLocks noGrp="1"/>
           </p:cNvSpPr>
@@ -2735,7 +2716,7 @@
     </p:spTree>
     <p:extLst>
       <p:ext uri="{BB962C8B-B14F-4D97-AF65-F5344CB8AC3E}">
-        <p14:creationId xmlns:p14="http://schemas.microsoft.com/office/powerpoint/2010/main" val="1549274383"/>
+        <p14:creationId xmlns:p14="http://schemas.microsoft.com/office/powerpoint/2010/main" val="4122027999"/>
       </p:ext>
     </p:extLst>
   </p:cSld>
@@ -2749,9 +2730,12 @@
 <p:sldMaster xmlns:a="http://schemas.openxmlformats.org/drawingml/2006/main" xmlns:r="http://schemas.openxmlformats.org/officeDocument/2006/relationships" xmlns:p="http://schemas.openxmlformats.org/presentationml/2006/main">
   <p:cSld>
     <p:bg>
-      <p:bgRef idx="1001">
-        <a:schemeClr val="bg1"/>
-      </p:bgRef>
+      <p:bgPr>
+        <a:solidFill>
+          <a:schemeClr val="accent1"/>
+        </a:solidFill>
+        <a:effectLst/>
+      </p:bgPr>
     </p:bg>
     <p:spTree>
       <p:nvGrpSpPr>
@@ -2769,24 +2753,58 @@
       </p:grpSpPr>
       <p:sp>
         <p:nvSpPr>
-          <p:cNvPr id="2" name="Title Placeholder 1">
-            <a:extLst>
-              <a:ext uri="{FF2B5EF4-FFF2-40B4-BE49-F238E27FC236}">
-                <a16:creationId xmlns:a16="http://schemas.microsoft.com/office/drawing/2014/main" id="{D1B4B8A6-75B6-72CC-4EC3-5F6A89D6F595}"/>
-              </a:ext>
-            </a:extLst>
-          </p:cNvPr>
-          <p:cNvSpPr>
-            <a:spLocks noGrp="1"/>
-          </p:cNvSpPr>
-          <p:nvPr>
-            <p:ph type="title"/>
-          </p:nvPr>
+          <p:cNvPr id="7" name="Rectangle 6"/>
+          <p:cNvSpPr>
+            <a:spLocks noChangeAspect="1"/>
+          </p:cNvSpPr>
+          <p:nvPr/>
         </p:nvSpPr>
         <p:spPr>
           <a:xfrm>
-            <a:off x="838200" y="365125"/>
-            <a:ext cx="10515600" cy="1325563"/>
+            <a:off x="231140" y="243840"/>
+            <a:ext cx="11724640" cy="6377939"/>
+          </a:xfrm>
+          <a:prstGeom prst="rect">
+            <a:avLst/>
+          </a:prstGeom>
+          <a:solidFill>
+            <a:schemeClr val="bg1"/>
+          </a:solidFill>
+          <a:ln w="12700">
+            <a:noFill/>
+          </a:ln>
+        </p:spPr>
+        <p:style>
+          <a:lnRef idx="2">
+            <a:schemeClr val="accent1">
+              <a:shade val="50000"/>
+            </a:schemeClr>
+          </a:lnRef>
+          <a:fillRef idx="1">
+            <a:schemeClr val="accent1"/>
+          </a:fillRef>
+          <a:effectRef idx="0">
+            <a:schemeClr val="accent1"/>
+          </a:effectRef>
+          <a:fontRef idx="minor">
+            <a:schemeClr val="lt1"/>
+          </a:fontRef>
+        </p:style>
+      </p:sp>
+      <p:sp>
+        <p:nvSpPr>
+          <p:cNvPr id="2" name="Title Placeholder 1"/>
+          <p:cNvSpPr>
+            <a:spLocks noGrp="1"/>
+          </p:cNvSpPr>
+          <p:nvPr>
+            <p:ph type="title"/>
+          </p:nvPr>
+        </p:nvSpPr>
+        <p:spPr>
+          <a:xfrm>
+            <a:off x="1143000" y="609600"/>
+            <a:ext cx="9875520" cy="1356360"/>
           </a:xfrm>
           <a:prstGeom prst="rect">
             <a:avLst/>
@@ -2802,18 +2820,13 @@
               <a:rPr lang="en-US"/>
               <a:t>Click to edit Master title style</a:t>
             </a:r>
-          </a:p>
-        </p:txBody>
-      </p:sp>
-      <p:sp>
-        <p:nvSpPr>
-          <p:cNvPr id="3" name="Text Placeholder 2">
-            <a:extLst>
-              <a:ext uri="{FF2B5EF4-FFF2-40B4-BE49-F238E27FC236}">
-                <a16:creationId xmlns:a16="http://schemas.microsoft.com/office/drawing/2014/main" id="{3CCDE23E-4074-0911-BC0D-D5ADA23B071B}"/>
-              </a:ext>
-            </a:extLst>
-          </p:cNvPr>
+            <a:endParaRPr lang="en-US" dirty="0"/>
+          </a:p>
+        </p:txBody>
+      </p:sp>
+      <p:sp>
+        <p:nvSpPr>
+          <p:cNvPr id="3" name="Text Placeholder 2"/>
           <p:cNvSpPr>
             <a:spLocks noGrp="1"/>
           </p:cNvSpPr>
@@ -2823,8 +2836,8 @@
         </p:nvSpPr>
         <p:spPr>
           <a:xfrm>
-            <a:off x="838200" y="1825625"/>
-            <a:ext cx="10515600" cy="4351338"/>
+            <a:off x="1143000" y="2057400"/>
+            <a:ext cx="9872871" cy="4038600"/>
           </a:xfrm>
           <a:prstGeom prst="rect">
             <a:avLst/>
@@ -2869,18 +2882,13 @@
               <a:rPr lang="en-US"/>
               <a:t>Fifth level</a:t>
             </a:r>
-          </a:p>
-        </p:txBody>
-      </p:sp>
-      <p:sp>
-        <p:nvSpPr>
-          <p:cNvPr id="4" name="Date Placeholder 3">
-            <a:extLst>
-              <a:ext uri="{FF2B5EF4-FFF2-40B4-BE49-F238E27FC236}">
-                <a16:creationId xmlns:a16="http://schemas.microsoft.com/office/drawing/2014/main" id="{7CC1D0F0-0BE5-2D07-E8B5-BD6BD1DA27A8}"/>
-              </a:ext>
-            </a:extLst>
-          </p:cNvPr>
+            <a:endParaRPr lang="en-US" dirty="0"/>
+          </a:p>
+        </p:txBody>
+      </p:sp>
+      <p:sp>
+        <p:nvSpPr>
+          <p:cNvPr id="4" name="Date Placeholder 3"/>
           <p:cNvSpPr>
             <a:spLocks noGrp="1"/>
           </p:cNvSpPr>
@@ -2890,8 +2898,8 @@
         </p:nvSpPr>
         <p:spPr>
           <a:xfrm>
-            <a:off x="838200" y="6356350"/>
-            <a:ext cx="2743200" cy="365125"/>
+            <a:off x="1142996" y="6223828"/>
+            <a:ext cx="2329074" cy="365125"/>
           </a:xfrm>
           <a:prstGeom prst="rect">
             <a:avLst/>
@@ -2903,9 +2911,7 @@
             <a:lvl1pPr algn="l">
               <a:defRPr sz="1200">
                 <a:solidFill>
-                  <a:schemeClr val="tx1">
-                    <a:tint val="82000"/>
-                  </a:schemeClr>
+                  <a:schemeClr val="accent1"/>
                 </a:solidFill>
               </a:defRPr>
             </a:lvl1pPr>
@@ -2913,7 +2919,7 @@
           <a:p>
             <a:fld id="{4496AEDF-3A3F-4CA9-99A7-FAD98730B112}" type="datetimeFigureOut">
               <a:rPr lang="en-US" smtClean="0"/>
-              <a:t>12/11/2024</a:t>
+              <a:t>12/16/2024</a:t>
             </a:fld>
             <a:endParaRPr lang="en-US"/>
           </a:p>
@@ -2921,13 +2927,7 @@
       </p:sp>
       <p:sp>
         <p:nvSpPr>
-          <p:cNvPr id="5" name="Footer Placeholder 4">
-            <a:extLst>
-              <a:ext uri="{FF2B5EF4-FFF2-40B4-BE49-F238E27FC236}">
-                <a16:creationId xmlns:a16="http://schemas.microsoft.com/office/drawing/2014/main" id="{B25281C6-D0B8-5CAC-9C7F-0D90ECB9B474}"/>
-              </a:ext>
-            </a:extLst>
-          </p:cNvPr>
+          <p:cNvPr id="5" name="Footer Placeholder 4"/>
           <p:cNvSpPr>
             <a:spLocks noGrp="1"/>
           </p:cNvSpPr>
@@ -2937,8 +2937,8 @@
         </p:nvSpPr>
         <p:spPr>
           <a:xfrm>
-            <a:off x="4038600" y="6356350"/>
-            <a:ext cx="4114800" cy="365125"/>
+            <a:off x="3949148" y="6223828"/>
+            <a:ext cx="4717774" cy="365125"/>
           </a:xfrm>
           <a:prstGeom prst="rect">
             <a:avLst/>
@@ -2950,9 +2950,7 @@
             <a:lvl1pPr algn="ctr">
               <a:defRPr sz="1200">
                 <a:solidFill>
-                  <a:schemeClr val="tx1">
-                    <a:tint val="82000"/>
-                  </a:schemeClr>
+                  <a:schemeClr val="accent1"/>
                 </a:solidFill>
               </a:defRPr>
             </a:lvl1pPr>
@@ -2964,13 +2962,7 @@
       </p:sp>
       <p:sp>
         <p:nvSpPr>
-          <p:cNvPr id="6" name="Slide Number Placeholder 5">
-            <a:extLst>
-              <a:ext uri="{FF2B5EF4-FFF2-40B4-BE49-F238E27FC236}">
-                <a16:creationId xmlns:a16="http://schemas.microsoft.com/office/drawing/2014/main" id="{B697B4A2-3E69-40FF-A709-E33F6FC3AE0B}"/>
-              </a:ext>
-            </a:extLst>
-          </p:cNvPr>
+          <p:cNvPr id="6" name="Slide Number Placeholder 5"/>
           <p:cNvSpPr>
             <a:spLocks noGrp="1"/>
           </p:cNvSpPr>
@@ -2980,8 +2972,8 @@
         </p:nvSpPr>
         <p:spPr>
           <a:xfrm>
-            <a:off x="8610600" y="6356350"/>
-            <a:ext cx="2743200" cy="365125"/>
+            <a:off x="9329530" y="6223828"/>
+            <a:ext cx="1706217" cy="365125"/>
           </a:xfrm>
           <a:prstGeom prst="rect">
             <a:avLst/>
@@ -2993,9 +2985,7 @@
             <a:lvl1pPr algn="r">
               <a:defRPr sz="1200">
                 <a:solidFill>
-                  <a:schemeClr val="tx1">
-                    <a:tint val="82000"/>
-                  </a:schemeClr>
+                  <a:schemeClr val="accent1"/>
                 </a:solidFill>
               </a:defRPr>
             </a:lvl1pPr>
@@ -3012,23 +3002,23 @@
     </p:spTree>
     <p:extLst>
       <p:ext uri="{BB962C8B-B14F-4D97-AF65-F5344CB8AC3E}">
-        <p14:creationId xmlns:p14="http://schemas.microsoft.com/office/powerpoint/2010/main" val="3496312642"/>
+        <p14:creationId xmlns:p14="http://schemas.microsoft.com/office/powerpoint/2010/main" val="1438611959"/>
       </p:ext>
     </p:extLst>
   </p:cSld>
   <p:clrMap bg1="lt1" tx1="dk1" bg2="lt2" tx2="dk2" accent1="accent1" accent2="accent2" accent3="accent3" accent4="accent4" accent5="accent5" accent6="accent6" hlink="hlink" folHlink="folHlink"/>
   <p:sldLayoutIdLst>
-    <p:sldLayoutId id="2147483649" r:id="rId1"/>
-    <p:sldLayoutId id="2147483650" r:id="rId2"/>
-    <p:sldLayoutId id="2147483651" r:id="rId3"/>
-    <p:sldLayoutId id="2147483652" r:id="rId4"/>
-    <p:sldLayoutId id="2147483653" r:id="rId5"/>
-    <p:sldLayoutId id="2147483654" r:id="rId6"/>
-    <p:sldLayoutId id="2147483655" r:id="rId7"/>
-    <p:sldLayoutId id="2147483656" r:id="rId8"/>
-    <p:sldLayoutId id="2147483657" r:id="rId9"/>
-    <p:sldLayoutId id="2147483658" r:id="rId10"/>
-    <p:sldLayoutId id="2147483659" r:id="rId11"/>
+    <p:sldLayoutId id="2147483673" r:id="rId1"/>
+    <p:sldLayoutId id="2147483674" r:id="rId2"/>
+    <p:sldLayoutId id="2147483675" r:id="rId3"/>
+    <p:sldLayoutId id="2147483676" r:id="rId4"/>
+    <p:sldLayoutId id="2147483677" r:id="rId5"/>
+    <p:sldLayoutId id="2147483678" r:id="rId6"/>
+    <p:sldLayoutId id="2147483679" r:id="rId7"/>
+    <p:sldLayoutId id="2147483680" r:id="rId8"/>
+    <p:sldLayoutId id="2147483681" r:id="rId9"/>
+    <p:sldLayoutId id="2147483682" r:id="rId10"/>
+    <p:sldLayoutId id="2147483683" r:id="rId11"/>
   </p:sldLayoutIdLst>
   <p:txStyles>
     <p:titleStyle>
@@ -3042,7 +3032,7 @@
         <a:buNone/>
         <a:defRPr sz="4400" kern="1200">
           <a:solidFill>
-            <a:schemeClr val="tx1"/>
+            <a:schemeClr val="accent1"/>
           </a:solidFill>
           <a:latin typeface="+mj-lt"/>
           <a:ea typeface="+mj-ea"/>
@@ -3051,162 +3041,222 @@
       </a:lvl1pPr>
     </p:titleStyle>
     <p:bodyStyle>
-      <a:lvl1pPr marL="228600" indent="-228600" algn="l" defTabSz="914400" rtl="0" eaLnBrk="1" latinLnBrk="0" hangingPunct="1">
+      <a:lvl1pPr marL="228600" indent="-182880" algn="l" defTabSz="914400" rtl="0" eaLnBrk="1" latinLnBrk="0" hangingPunct="1">
         <a:lnSpc>
           <a:spcPct val="90000"/>
         </a:lnSpc>
         <a:spcBef>
-          <a:spcPts val="1000"/>
+          <a:spcPts val="1400"/>
         </a:spcBef>
-        <a:buFont typeface="Arial" panose="020B0604020202020204" pitchFamily="34" charset="0"/>
+        <a:buClr>
+          <a:schemeClr val="accent1"/>
+        </a:buClr>
+        <a:buSzPct val="80000"/>
+        <a:buFont typeface="Corbel" pitchFamily="34" charset="0"/>
         <a:buChar char="•"/>
-        <a:defRPr sz="2800" kern="1200">
+        <a:defRPr sz="2200" kern="1200">
           <a:solidFill>
-            <a:schemeClr val="tx1"/>
+            <a:schemeClr val="accent1"/>
           </a:solidFill>
           <a:latin typeface="+mn-lt"/>
           <a:ea typeface="+mn-ea"/>
           <a:cs typeface="+mn-cs"/>
         </a:defRPr>
       </a:lvl1pPr>
-      <a:lvl2pPr marL="685800" indent="-228600" algn="l" defTabSz="914400" rtl="0" eaLnBrk="1" latinLnBrk="0" hangingPunct="1">
+      <a:lvl2pPr marL="457200" indent="-182880" algn="l" defTabSz="914400" rtl="0" eaLnBrk="1" latinLnBrk="0" hangingPunct="1">
         <a:lnSpc>
           <a:spcPct val="90000"/>
         </a:lnSpc>
         <a:spcBef>
-          <a:spcPts val="500"/>
+          <a:spcPts val="200"/>
         </a:spcBef>
-        <a:buFont typeface="Arial" panose="020B0604020202020204" pitchFamily="34" charset="0"/>
+        <a:spcAft>
+          <a:spcPts val="400"/>
+        </a:spcAft>
+        <a:buClr>
+          <a:schemeClr val="accent1"/>
+        </a:buClr>
+        <a:buSzPct val="80000"/>
+        <a:buFont typeface="Corbel" pitchFamily="34" charset="0"/>
         <a:buChar char="•"/>
-        <a:defRPr sz="2400" kern="1200">
+        <a:defRPr sz="2000" kern="1200">
           <a:solidFill>
-            <a:schemeClr val="tx1"/>
+            <a:schemeClr val="accent1"/>
           </a:solidFill>
           <a:latin typeface="+mn-lt"/>
           <a:ea typeface="+mn-ea"/>
           <a:cs typeface="+mn-cs"/>
         </a:defRPr>
       </a:lvl2pPr>
-      <a:lvl3pPr marL="1143000" indent="-228600" algn="l" defTabSz="914400" rtl="0" eaLnBrk="1" latinLnBrk="0" hangingPunct="1">
+      <a:lvl3pPr marL="731520" indent="-182880" algn="l" defTabSz="914400" rtl="0" eaLnBrk="1" latinLnBrk="0" hangingPunct="1">
         <a:lnSpc>
           <a:spcPct val="90000"/>
         </a:lnSpc>
         <a:spcBef>
-          <a:spcPts val="500"/>
+          <a:spcPts val="200"/>
         </a:spcBef>
-        <a:buFont typeface="Arial" panose="020B0604020202020204" pitchFamily="34" charset="0"/>
+        <a:spcAft>
+          <a:spcPts val="400"/>
+        </a:spcAft>
+        <a:buClr>
+          <a:schemeClr val="accent1"/>
+        </a:buClr>
+        <a:buSzPct val="80000"/>
+        <a:buFont typeface="Corbel" pitchFamily="34" charset="0"/>
         <a:buChar char="•"/>
-        <a:defRPr sz="2000" kern="1200">
+        <a:defRPr sz="1800" kern="1200">
           <a:solidFill>
-            <a:schemeClr val="tx1"/>
+            <a:schemeClr val="accent1"/>
           </a:solidFill>
           <a:latin typeface="+mn-lt"/>
           <a:ea typeface="+mn-ea"/>
           <a:cs typeface="+mn-cs"/>
         </a:defRPr>
       </a:lvl3pPr>
-      <a:lvl4pPr marL="1600200" indent="-228600" algn="l" defTabSz="914400" rtl="0" eaLnBrk="1" latinLnBrk="0" hangingPunct="1">
+      <a:lvl4pPr marL="1005840" indent="-182880" algn="l" defTabSz="914400" rtl="0" eaLnBrk="1" latinLnBrk="0" hangingPunct="1">
         <a:lnSpc>
           <a:spcPct val="90000"/>
         </a:lnSpc>
         <a:spcBef>
-          <a:spcPts val="500"/>
+          <a:spcPts val="200"/>
         </a:spcBef>
-        <a:buFont typeface="Arial" panose="020B0604020202020204" pitchFamily="34" charset="0"/>
+        <a:spcAft>
+          <a:spcPts val="400"/>
+        </a:spcAft>
+        <a:buClr>
+          <a:schemeClr val="accent1"/>
+        </a:buClr>
+        <a:buSzPct val="80000"/>
+        <a:buFont typeface="Corbel" pitchFamily="34" charset="0"/>
         <a:buChar char="•"/>
-        <a:defRPr sz="1800" kern="1200">
+        <a:defRPr sz="1600" kern="1200">
           <a:solidFill>
-            <a:schemeClr val="tx1"/>
+            <a:schemeClr val="accent1"/>
           </a:solidFill>
           <a:latin typeface="+mn-lt"/>
           <a:ea typeface="+mn-ea"/>
           <a:cs typeface="+mn-cs"/>
         </a:defRPr>
       </a:lvl4pPr>
-      <a:lvl5pPr marL="2057400" indent="-228600" algn="l" defTabSz="914400" rtl="0" eaLnBrk="1" latinLnBrk="0" hangingPunct="1">
+      <a:lvl5pPr marL="1280160" indent="-182880" algn="l" defTabSz="914400" rtl="0" eaLnBrk="1" latinLnBrk="0" hangingPunct="1">
         <a:lnSpc>
           <a:spcPct val="90000"/>
         </a:lnSpc>
         <a:spcBef>
-          <a:spcPts val="500"/>
+          <a:spcPts val="200"/>
         </a:spcBef>
-        <a:buFont typeface="Arial" panose="020B0604020202020204" pitchFamily="34" charset="0"/>
+        <a:spcAft>
+          <a:spcPts val="400"/>
+        </a:spcAft>
+        <a:buClr>
+          <a:schemeClr val="accent1"/>
+        </a:buClr>
+        <a:buSzPct val="80000"/>
+        <a:buFont typeface="Corbel" pitchFamily="34" charset="0"/>
         <a:buChar char="•"/>
-        <a:defRPr sz="1800" kern="1200">
+        <a:defRPr sz="1600" kern="1200">
           <a:solidFill>
-            <a:schemeClr val="tx1"/>
+            <a:schemeClr val="accent1"/>
           </a:solidFill>
           <a:latin typeface="+mn-lt"/>
           <a:ea typeface="+mn-ea"/>
           <a:cs typeface="+mn-cs"/>
         </a:defRPr>
       </a:lvl5pPr>
-      <a:lvl6pPr marL="2514600" indent="-228600" algn="l" defTabSz="914400" rtl="0" eaLnBrk="1" latinLnBrk="0" hangingPunct="1">
+      <a:lvl6pPr marL="1600000" indent="-228600" algn="l" defTabSz="914400" rtl="0" eaLnBrk="1" latinLnBrk="0" hangingPunct="1">
         <a:lnSpc>
           <a:spcPct val="90000"/>
         </a:lnSpc>
         <a:spcBef>
-          <a:spcPts val="500"/>
+          <a:spcPts val="200"/>
         </a:spcBef>
-        <a:buFont typeface="Arial" panose="020B0604020202020204" pitchFamily="34" charset="0"/>
+        <a:spcAft>
+          <a:spcPts val="400"/>
+        </a:spcAft>
+        <a:buClr>
+          <a:schemeClr val="accent1"/>
+        </a:buClr>
+        <a:buSzPct val="80000"/>
+        <a:buFont typeface="Corbel" pitchFamily="34" charset="0"/>
         <a:buChar char="•"/>
-        <a:defRPr sz="1800" kern="1200">
+        <a:defRPr sz="1600" kern="1200">
           <a:solidFill>
-            <a:schemeClr val="tx1"/>
+            <a:schemeClr val="accent1"/>
           </a:solidFill>
           <a:latin typeface="+mn-lt"/>
           <a:ea typeface="+mn-ea"/>
           <a:cs typeface="+mn-cs"/>
         </a:defRPr>
       </a:lvl6pPr>
-      <a:lvl7pPr marL="2971800" indent="-228600" algn="l" defTabSz="914400" rtl="0" eaLnBrk="1" latinLnBrk="0" hangingPunct="1">
+      <a:lvl7pPr marL="1900000" indent="-228600" algn="l" defTabSz="914400" rtl="0" eaLnBrk="1" latinLnBrk="0" hangingPunct="1">
         <a:lnSpc>
           <a:spcPct val="90000"/>
         </a:lnSpc>
         <a:spcBef>
-          <a:spcPts val="500"/>
+          <a:spcPts val="200"/>
         </a:spcBef>
-        <a:buFont typeface="Arial" panose="020B0604020202020204" pitchFamily="34" charset="0"/>
+        <a:spcAft>
+          <a:spcPts val="400"/>
+        </a:spcAft>
+        <a:buClr>
+          <a:schemeClr val="accent1"/>
+        </a:buClr>
+        <a:buSzPct val="80000"/>
+        <a:buFont typeface="Corbel" pitchFamily="34" charset="0"/>
         <a:buChar char="•"/>
-        <a:defRPr sz="1800" kern="1200">
+        <a:defRPr sz="1600" kern="1200">
           <a:solidFill>
-            <a:schemeClr val="tx1"/>
+            <a:schemeClr val="accent1"/>
           </a:solidFill>
           <a:latin typeface="+mn-lt"/>
           <a:ea typeface="+mn-ea"/>
           <a:cs typeface="+mn-cs"/>
         </a:defRPr>
       </a:lvl7pPr>
-      <a:lvl8pPr marL="3429000" indent="-228600" algn="l" defTabSz="914400" rtl="0" eaLnBrk="1" latinLnBrk="0" hangingPunct="1">
+      <a:lvl8pPr marL="2200000" indent="-228600" algn="l" defTabSz="914400" rtl="0" eaLnBrk="1" latinLnBrk="0" hangingPunct="1">
         <a:lnSpc>
           <a:spcPct val="90000"/>
         </a:lnSpc>
         <a:spcBef>
-          <a:spcPts val="500"/>
+          <a:spcPts val="200"/>
         </a:spcBef>
-        <a:buFont typeface="Arial" panose="020B0604020202020204" pitchFamily="34" charset="0"/>
+        <a:spcAft>
+          <a:spcPts val="400"/>
+        </a:spcAft>
+        <a:buClr>
+          <a:schemeClr val="accent1"/>
+        </a:buClr>
+        <a:buSzPct val="80000"/>
+        <a:buFont typeface="Corbel" pitchFamily="34" charset="0"/>
         <a:buChar char="•"/>
-        <a:defRPr sz="1800" kern="1200">
+        <a:defRPr sz="1600" kern="1200">
           <a:solidFill>
-            <a:schemeClr val="tx1"/>
+            <a:schemeClr val="accent1"/>
           </a:solidFill>
           <a:latin typeface="+mn-lt"/>
           <a:ea typeface="+mn-ea"/>
           <a:cs typeface="+mn-cs"/>
         </a:defRPr>
       </a:lvl8pPr>
-      <a:lvl9pPr marL="3886200" indent="-228600" algn="l" defTabSz="914400" rtl="0" eaLnBrk="1" latinLnBrk="0" hangingPunct="1">
+      <a:lvl9pPr marL="2500000" indent="-228600" algn="l" defTabSz="914400" rtl="0" eaLnBrk="1" latinLnBrk="0" hangingPunct="1">
         <a:lnSpc>
           <a:spcPct val="90000"/>
         </a:lnSpc>
         <a:spcBef>
-          <a:spcPts val="500"/>
+          <a:spcPts val="200"/>
         </a:spcBef>
-        <a:buFont typeface="Arial" panose="020B0604020202020204" pitchFamily="34" charset="0"/>
+        <a:spcAft>
+          <a:spcPts val="400"/>
+        </a:spcAft>
+        <a:buClr>
+          <a:schemeClr val="accent1"/>
+        </a:buClr>
+        <a:buSzPct val="80000"/>
+        <a:buFont typeface="Corbel" pitchFamily="34" charset="0"/>
         <a:buChar char="•"/>
-        <a:defRPr sz="1800" kern="1200">
+        <a:defRPr sz="1600" kern="1200">
           <a:solidFill>
-            <a:schemeClr val="tx1"/>
+            <a:schemeClr val="accent1"/>
           </a:solidFill>
           <a:latin typeface="+mn-lt"/>
           <a:ea typeface="+mn-ea"/>
@@ -3351,7 +3401,10 @@
           <a:bodyPr/>
           <a:lstStyle/>
           <a:p>
-            <a:endParaRPr lang="en-US" dirty="0"/>
+            <a:r>
+              <a:rPr lang="en-US" dirty="0"/>
+              <a:t>Davidson County</a:t>
+            </a:r>
           </a:p>
         </p:txBody>
       </p:sp>
@@ -3376,7 +3429,10 @@
           <a:bodyPr/>
           <a:lstStyle/>
           <a:p>
-            <a:endParaRPr lang="en-US"/>
+            <a:r>
+              <a:rPr lang="en-US" dirty="0"/>
+              <a:t>Capstone by: Jaime Garcia</a:t>
+            </a:r>
           </a:p>
         </p:txBody>
       </p:sp>
@@ -3415,7 +3471,7 @@
           <p:cNvPr id="2" name="Title 1">
             <a:extLst>
               <a:ext uri="{FF2B5EF4-FFF2-40B4-BE49-F238E27FC236}">
-                <a16:creationId xmlns:a16="http://schemas.microsoft.com/office/drawing/2014/main" id="{E9F00924-414C-576A-B3A4-6829919A725C}"/>
+                <a16:creationId xmlns:a16="http://schemas.microsoft.com/office/drawing/2014/main" id="{1ECE3CFA-F55B-B66B-8193-4E41D9D6463F}"/>
               </a:ext>
             </a:extLst>
           </p:cNvPr>
@@ -3428,8 +3484,8 @@
         </p:nvSpPr>
         <p:spPr>
           <a:xfrm>
-            <a:off x="796705" y="-344802"/>
-            <a:ext cx="2771114" cy="1325563"/>
+            <a:off x="1158240" y="285750"/>
+            <a:ext cx="9875520" cy="1356360"/>
           </a:xfrm>
         </p:spPr>
         <p:txBody>
@@ -3438,17 +3494,17 @@
           <a:p>
             <a:r>
               <a:rPr lang="en-US" dirty="0"/>
-              <a:t>Sidewalks</a:t>
+              <a:t>Local Service Improvement</a:t>
             </a:r>
           </a:p>
         </p:txBody>
       </p:sp>
       <p:pic>
         <p:nvPicPr>
-          <p:cNvPr id="9" name="Content Placeholder 8" descr="A map of a country&#10;&#10;Description automatically generated">
+          <p:cNvPr id="5" name="Content Placeholder 4" descr="A map of a country&#10;&#10;Description automatically generated">
             <a:extLst>
               <a:ext uri="{FF2B5EF4-FFF2-40B4-BE49-F238E27FC236}">
-                <a16:creationId xmlns:a16="http://schemas.microsoft.com/office/drawing/2014/main" id="{74C6FDB4-A84A-4D76-F6B3-0562FBB39E9C}"/>
+                <a16:creationId xmlns:a16="http://schemas.microsoft.com/office/drawing/2014/main" id="{DBC3E37D-5B24-5E92-FD4A-2B9DB8B2FC05}"/>
               </a:ext>
             </a:extLst>
           </p:cNvPr>
@@ -3473,15 +3529,710 @@
         </p:blipFill>
         <p:spPr>
           <a:xfrm>
-            <a:off x="868188" y="414994"/>
-            <a:ext cx="9298853" cy="6443006"/>
+            <a:off x="1881153" y="1355765"/>
+            <a:ext cx="8429694" cy="4911732"/>
           </a:xfrm>
+        </p:spPr>
+      </p:pic>
+      <p:sp>
+        <p:nvSpPr>
+          <p:cNvPr id="7" name="TextBox 6">
+            <a:extLst>
+              <a:ext uri="{FF2B5EF4-FFF2-40B4-BE49-F238E27FC236}">
+                <a16:creationId xmlns:a16="http://schemas.microsoft.com/office/drawing/2014/main" id="{C88CF294-D2CF-9A50-A845-32DCB4F92BAF}"/>
+              </a:ext>
+            </a:extLst>
+          </p:cNvPr>
+          <p:cNvSpPr txBox="1"/>
+          <p:nvPr/>
+        </p:nvSpPr>
+        <p:spPr>
+          <a:xfrm>
+            <a:off x="6717670" y="2334303"/>
+            <a:ext cx="4773439" cy="1477328"/>
+          </a:xfrm>
+          <a:prstGeom prst="rect">
+            <a:avLst/>
+          </a:prstGeom>
+          <a:noFill/>
+        </p:spPr>
+        <p:txBody>
+          <a:bodyPr wrap="square">
+            <a:spAutoFit/>
+          </a:bodyPr>
+          <a:lstStyle/>
+          <a:p>
+            <a:r>
+              <a:rPr lang="en-US" dirty="0"/>
+              <a:t>These are existing bus service routes in the Choose How You Move Transportation Improvement Program with upgrades to service every 20-30 minutes during the day and operations until 12 a.m. </a:t>
+            </a:r>
+          </a:p>
+        </p:txBody>
+      </p:sp>
+    </p:spTree>
+    <p:extLst>
+      <p:ext uri="{BB962C8B-B14F-4D97-AF65-F5344CB8AC3E}">
+        <p14:creationId xmlns:p14="http://schemas.microsoft.com/office/powerpoint/2010/main" val="3649811399"/>
+      </p:ext>
+    </p:extLst>
+  </p:cSld>
+  <p:clrMapOvr>
+    <a:masterClrMapping/>
+  </p:clrMapOvr>
+</p:sld>
+</file>
+
+<file path=ppt/slides/slide11.xml><?xml version="1.0" encoding="utf-8"?>
+<p:sld xmlns:a="http://schemas.openxmlformats.org/drawingml/2006/main" xmlns:r="http://schemas.openxmlformats.org/officeDocument/2006/relationships" xmlns:p="http://schemas.openxmlformats.org/presentationml/2006/main">
+  <p:cSld>
+    <p:spTree>
+      <p:nvGrpSpPr>
+        <p:cNvPr id="1" name=""/>
+        <p:cNvGrpSpPr/>
+        <p:nvPr/>
+      </p:nvGrpSpPr>
+      <p:grpSpPr>
+        <a:xfrm>
+          <a:off x="0" y="0"/>
+          <a:ext cx="0" cy="0"/>
+          <a:chOff x="0" y="0"/>
+          <a:chExt cx="0" cy="0"/>
+        </a:xfrm>
+      </p:grpSpPr>
+      <p:sp>
+        <p:nvSpPr>
+          <p:cNvPr id="2" name="Title 1">
+            <a:extLst>
+              <a:ext uri="{FF2B5EF4-FFF2-40B4-BE49-F238E27FC236}">
+                <a16:creationId xmlns:a16="http://schemas.microsoft.com/office/drawing/2014/main" id="{DF51A40B-5372-F180-8BAB-28D3F2C29C92}"/>
+              </a:ext>
+            </a:extLst>
+          </p:cNvPr>
+          <p:cNvSpPr>
+            <a:spLocks noGrp="1"/>
+          </p:cNvSpPr>
+          <p:nvPr>
+            <p:ph type="title"/>
+          </p:nvPr>
+        </p:nvSpPr>
+        <p:spPr>
+          <a:xfrm>
+            <a:off x="1158240" y="315739"/>
+            <a:ext cx="9875520" cy="1356360"/>
+          </a:xfrm>
+        </p:spPr>
+        <p:txBody>
+          <a:bodyPr/>
+          <a:lstStyle/>
+          <a:p>
+            <a:r>
+              <a:rPr lang="en-US" dirty="0"/>
+              <a:t>New Connector</a:t>
+            </a:r>
+          </a:p>
+        </p:txBody>
+      </p:sp>
+      <p:pic>
+        <p:nvPicPr>
+          <p:cNvPr id="9" name="Content Placeholder 8" descr="A map of a large green area with colorful lines&#10;&#10;Description automatically generated">
+            <a:extLst>
+              <a:ext uri="{FF2B5EF4-FFF2-40B4-BE49-F238E27FC236}">
+                <a16:creationId xmlns:a16="http://schemas.microsoft.com/office/drawing/2014/main" id="{6E5A30BF-5697-7453-3D63-F69D7FDBE713}"/>
+              </a:ext>
+            </a:extLst>
+          </p:cNvPr>
+          <p:cNvPicPr>
+            <a:picLocks noGrp="1" noChangeAspect="1"/>
+          </p:cNvPicPr>
+          <p:nvPr>
+            <p:ph idx="1"/>
+          </p:nvPr>
+        </p:nvPicPr>
+        <p:blipFill>
+          <a:blip r:embed="rId2">
+            <a:extLst>
+              <a:ext uri="{28A0092B-C50C-407E-A947-70E740481C1C}">
+                <a14:useLocalDpi xmlns:a14="http://schemas.microsoft.com/office/drawing/2010/main" val="0"/>
+              </a:ext>
+            </a:extLst>
+          </a:blip>
+          <a:stretch>
+            <a:fillRect/>
+          </a:stretch>
+        </p:blipFill>
+        <p:spPr>
+          <a:xfrm>
+            <a:off x="1636289" y="1243594"/>
+            <a:ext cx="8919422" cy="5298667"/>
+          </a:xfrm>
+        </p:spPr>
+      </p:pic>
+      <p:sp>
+        <p:nvSpPr>
+          <p:cNvPr id="11" name="TextBox 10">
+            <a:extLst>
+              <a:ext uri="{FF2B5EF4-FFF2-40B4-BE49-F238E27FC236}">
+                <a16:creationId xmlns:a16="http://schemas.microsoft.com/office/drawing/2014/main" id="{43208A09-B9A4-EB2A-74E3-2DCE08449A81}"/>
+              </a:ext>
+            </a:extLst>
+          </p:cNvPr>
+          <p:cNvSpPr txBox="1"/>
+          <p:nvPr/>
+        </p:nvSpPr>
+        <p:spPr>
+          <a:xfrm>
+            <a:off x="6808205" y="2815689"/>
+            <a:ext cx="3994841" cy="1477328"/>
+          </a:xfrm>
+          <a:prstGeom prst="rect">
+            <a:avLst/>
+          </a:prstGeom>
+          <a:noFill/>
+        </p:spPr>
+        <p:txBody>
+          <a:bodyPr wrap="square">
+            <a:spAutoFit/>
+          </a:bodyPr>
+          <a:lstStyle/>
+          <a:p>
+            <a:r>
+              <a:rPr lang="en-US" dirty="0"/>
+              <a:t>These are new or expanded bus service routes in the Choose How You Move Transportation Improvement Program with service every 20-30 minutes during the day.</a:t>
+            </a:r>
+          </a:p>
+        </p:txBody>
+      </p:sp>
+    </p:spTree>
+    <p:extLst>
+      <p:ext uri="{BB962C8B-B14F-4D97-AF65-F5344CB8AC3E}">
+        <p14:creationId xmlns:p14="http://schemas.microsoft.com/office/powerpoint/2010/main" val="3129309088"/>
+      </p:ext>
+    </p:extLst>
+  </p:cSld>
+  <p:clrMapOvr>
+    <a:masterClrMapping/>
+  </p:clrMapOvr>
+</p:sld>
+</file>
+
+<file path=ppt/slides/slide12.xml><?xml version="1.0" encoding="utf-8"?>
+<p:sld xmlns:a="http://schemas.openxmlformats.org/drawingml/2006/main" xmlns:r="http://schemas.openxmlformats.org/officeDocument/2006/relationships" xmlns:p="http://schemas.openxmlformats.org/presentationml/2006/main">
+  <p:cSld>
+    <p:spTree>
+      <p:nvGrpSpPr>
+        <p:cNvPr id="1" name=""/>
+        <p:cNvGrpSpPr/>
+        <p:nvPr/>
+      </p:nvGrpSpPr>
+      <p:grpSpPr>
+        <a:xfrm>
+          <a:off x="0" y="0"/>
+          <a:ext cx="0" cy="0"/>
+          <a:chOff x="0" y="0"/>
+          <a:chExt cx="0" cy="0"/>
+        </a:xfrm>
+      </p:grpSpPr>
+      <p:sp>
+        <p:nvSpPr>
+          <p:cNvPr id="2" name="Title 1">
+            <a:extLst>
+              <a:ext uri="{FF2B5EF4-FFF2-40B4-BE49-F238E27FC236}">
+                <a16:creationId xmlns:a16="http://schemas.microsoft.com/office/drawing/2014/main" id="{699DD5CC-CDC4-BABE-C14A-6799B28E4624}"/>
+              </a:ext>
+            </a:extLst>
+          </p:cNvPr>
+          <p:cNvSpPr>
+            <a:spLocks noGrp="1"/>
+          </p:cNvSpPr>
+          <p:nvPr>
+            <p:ph type="title"/>
+          </p:nvPr>
+        </p:nvSpPr>
+        <p:spPr>
+          <a:xfrm>
+            <a:off x="923925" y="361950"/>
+            <a:ext cx="9875520" cy="1356360"/>
+          </a:xfrm>
+        </p:spPr>
+        <p:txBody>
+          <a:bodyPr/>
+          <a:lstStyle/>
+          <a:p>
+            <a:r>
+              <a:rPr lang="en-US" dirty="0"/>
+              <a:t>Express Service Routes</a:t>
+            </a:r>
+          </a:p>
+        </p:txBody>
+      </p:sp>
+      <p:pic>
+        <p:nvPicPr>
+          <p:cNvPr id="5" name="Content Placeholder 4" descr="A map of a country&#10;&#10;Description automatically generated">
+            <a:extLst>
+              <a:ext uri="{FF2B5EF4-FFF2-40B4-BE49-F238E27FC236}">
+                <a16:creationId xmlns:a16="http://schemas.microsoft.com/office/drawing/2014/main" id="{F0F87802-F1E0-B7B4-63C4-4A3F9243904C}"/>
+              </a:ext>
+            </a:extLst>
+          </p:cNvPr>
+          <p:cNvPicPr>
+            <a:picLocks noGrp="1" noChangeAspect="1"/>
+          </p:cNvPicPr>
+          <p:nvPr>
+            <p:ph idx="1"/>
+          </p:nvPr>
+        </p:nvPicPr>
+        <p:blipFill>
+          <a:blip r:embed="rId2">
+            <a:extLst>
+              <a:ext uri="{28A0092B-C50C-407E-A947-70E740481C1C}">
+                <a14:useLocalDpi xmlns:a14="http://schemas.microsoft.com/office/drawing/2010/main" val="0"/>
+              </a:ext>
+            </a:extLst>
+          </a:blip>
+          <a:stretch>
+            <a:fillRect/>
+          </a:stretch>
+        </p:blipFill>
+        <p:spPr>
+          <a:xfrm>
+            <a:off x="838200" y="1421395"/>
+            <a:ext cx="9673111" cy="4918531"/>
+          </a:xfrm>
+        </p:spPr>
+      </p:pic>
+      <p:sp>
+        <p:nvSpPr>
+          <p:cNvPr id="7" name="TextBox 6">
+            <a:extLst>
+              <a:ext uri="{FF2B5EF4-FFF2-40B4-BE49-F238E27FC236}">
+                <a16:creationId xmlns:a16="http://schemas.microsoft.com/office/drawing/2014/main" id="{1C3E7358-CDD4-D941-F560-8A15F9E868D4}"/>
+              </a:ext>
+            </a:extLst>
+          </p:cNvPr>
+          <p:cNvSpPr txBox="1"/>
+          <p:nvPr/>
+        </p:nvSpPr>
+        <p:spPr>
+          <a:xfrm>
+            <a:off x="5674755" y="2326801"/>
+            <a:ext cx="4737226" cy="1200329"/>
+          </a:xfrm>
+          <a:prstGeom prst="rect">
+            <a:avLst/>
+          </a:prstGeom>
+          <a:noFill/>
+        </p:spPr>
+        <p:txBody>
+          <a:bodyPr wrap="square">
+            <a:spAutoFit/>
+          </a:bodyPr>
+          <a:lstStyle/>
+          <a:p>
+            <a:r>
+              <a:rPr lang="en-US" dirty="0"/>
+              <a:t>These are new express bus service routes in the Choose How You Move Transportation Improvement Program from Park and Rides to Downtown during peak times. </a:t>
+            </a:r>
+          </a:p>
+        </p:txBody>
+      </p:sp>
+    </p:spTree>
+    <p:extLst>
+      <p:ext uri="{BB962C8B-B14F-4D97-AF65-F5344CB8AC3E}">
+        <p14:creationId xmlns:p14="http://schemas.microsoft.com/office/powerpoint/2010/main" val="1194599988"/>
+      </p:ext>
+    </p:extLst>
+  </p:cSld>
+  <p:clrMapOvr>
+    <a:masterClrMapping/>
+  </p:clrMapOvr>
+</p:sld>
+</file>
+
+<file path=ppt/slides/slide13.xml><?xml version="1.0" encoding="utf-8"?>
+<p:sld xmlns:a="http://schemas.openxmlformats.org/drawingml/2006/main" xmlns:r="http://schemas.openxmlformats.org/officeDocument/2006/relationships" xmlns:p="http://schemas.openxmlformats.org/presentationml/2006/main">
+  <p:cSld>
+    <p:spTree>
+      <p:nvGrpSpPr>
+        <p:cNvPr id="1" name=""/>
+        <p:cNvGrpSpPr/>
+        <p:nvPr/>
+      </p:nvGrpSpPr>
+      <p:grpSpPr>
+        <a:xfrm>
+          <a:off x="0" y="0"/>
+          <a:ext cx="0" cy="0"/>
+          <a:chOff x="0" y="0"/>
+          <a:chExt cx="0" cy="0"/>
+        </a:xfrm>
+      </p:grpSpPr>
+      <p:sp>
+        <p:nvSpPr>
+          <p:cNvPr id="2" name="Title 1">
+            <a:extLst>
+              <a:ext uri="{FF2B5EF4-FFF2-40B4-BE49-F238E27FC236}">
+                <a16:creationId xmlns:a16="http://schemas.microsoft.com/office/drawing/2014/main" id="{1BA2E6F9-6B59-136D-AB17-AF5DA3C82D66}"/>
+              </a:ext>
+            </a:extLst>
+          </p:cNvPr>
+          <p:cNvSpPr>
+            <a:spLocks noGrp="1"/>
+          </p:cNvSpPr>
+          <p:nvPr>
+            <p:ph type="title"/>
+          </p:nvPr>
+        </p:nvSpPr>
+        <p:spPr/>
+        <p:txBody>
+          <a:bodyPr/>
+          <a:lstStyle/>
+          <a:p>
+            <a:r>
+              <a:rPr lang="en-US" dirty="0"/>
+              <a:t>New Routes</a:t>
+            </a:r>
+          </a:p>
+        </p:txBody>
+      </p:sp>
+      <p:pic>
+        <p:nvPicPr>
+          <p:cNvPr id="5" name="Content Placeholder 4" descr="A screenshot of a computer&#10;&#10;Description automatically generated">
+            <a:extLst>
+              <a:ext uri="{FF2B5EF4-FFF2-40B4-BE49-F238E27FC236}">
+                <a16:creationId xmlns:a16="http://schemas.microsoft.com/office/drawing/2014/main" id="{138983F6-A852-BECC-2203-83DCD0AEB2F9}"/>
+              </a:ext>
+            </a:extLst>
+          </p:cNvPr>
+          <p:cNvPicPr>
+            <a:picLocks noGrp="1" noChangeAspect="1"/>
+          </p:cNvPicPr>
+          <p:nvPr>
+            <p:ph idx="1"/>
+          </p:nvPr>
+        </p:nvPicPr>
+        <p:blipFill>
+          <a:blip r:embed="rId2">
+            <a:extLst>
+              <a:ext uri="{28A0092B-C50C-407E-A947-70E740481C1C}">
+                <a14:useLocalDpi xmlns:a14="http://schemas.microsoft.com/office/drawing/2010/main" val="0"/>
+              </a:ext>
+            </a:extLst>
+          </a:blip>
+          <a:stretch>
+            <a:fillRect/>
+          </a:stretch>
+        </p:blipFill>
+        <p:spPr>
+          <a:xfrm>
+            <a:off x="453220" y="1485900"/>
+            <a:ext cx="11285560" cy="4605067"/>
+          </a:xfrm>
+        </p:spPr>
+      </p:pic>
+      <p:sp>
+        <p:nvSpPr>
+          <p:cNvPr id="7" name="TextBox 6">
+            <a:extLst>
+              <a:ext uri="{FF2B5EF4-FFF2-40B4-BE49-F238E27FC236}">
+                <a16:creationId xmlns:a16="http://schemas.microsoft.com/office/drawing/2014/main" id="{379E2987-EA20-D774-DFD1-1B969D1C4623}"/>
+              </a:ext>
+            </a:extLst>
+          </p:cNvPr>
+          <p:cNvSpPr txBox="1"/>
+          <p:nvPr/>
+        </p:nvSpPr>
+        <p:spPr>
+          <a:xfrm>
+            <a:off x="5012602" y="2380595"/>
+            <a:ext cx="6096000" cy="923330"/>
+          </a:xfrm>
+          <a:prstGeom prst="rect">
+            <a:avLst/>
+          </a:prstGeom>
+          <a:noFill/>
+        </p:spPr>
+        <p:txBody>
+          <a:bodyPr wrap="square">
+            <a:spAutoFit/>
+          </a:bodyPr>
+          <a:lstStyle/>
+          <a:p>
+            <a:r>
+              <a:rPr lang="en-US" dirty="0"/>
+              <a:t>These are extensions of bus service routes in the Choose How You Move Transportation Improvement Program to additional destinations. </a:t>
+            </a:r>
+          </a:p>
+        </p:txBody>
+      </p:sp>
+    </p:spTree>
+    <p:extLst>
+      <p:ext uri="{BB962C8B-B14F-4D97-AF65-F5344CB8AC3E}">
+        <p14:creationId xmlns:p14="http://schemas.microsoft.com/office/powerpoint/2010/main" val="3691113775"/>
+      </p:ext>
+    </p:extLst>
+  </p:cSld>
+  <p:clrMapOvr>
+    <a:masterClrMapping/>
+  </p:clrMapOvr>
+</p:sld>
+</file>
+
+<file path=ppt/slides/slide14.xml><?xml version="1.0" encoding="utf-8"?>
+<p:sld xmlns:a="http://schemas.openxmlformats.org/drawingml/2006/main" xmlns:r="http://schemas.openxmlformats.org/officeDocument/2006/relationships" xmlns:p="http://schemas.openxmlformats.org/presentationml/2006/main">
+  <p:cSld>
+    <p:spTree>
+      <p:nvGrpSpPr>
+        <p:cNvPr id="1" name=""/>
+        <p:cNvGrpSpPr/>
+        <p:nvPr/>
+      </p:nvGrpSpPr>
+      <p:grpSpPr>
+        <a:xfrm>
+          <a:off x="0" y="0"/>
+          <a:ext cx="0" cy="0"/>
+          <a:chOff x="0" y="0"/>
+          <a:chExt cx="0" cy="0"/>
+        </a:xfrm>
+      </p:grpSpPr>
+      <p:sp>
+        <p:nvSpPr>
+          <p:cNvPr id="2" name="Title 1">
+            <a:extLst>
+              <a:ext uri="{FF2B5EF4-FFF2-40B4-BE49-F238E27FC236}">
+                <a16:creationId xmlns:a16="http://schemas.microsoft.com/office/drawing/2014/main" id="{B48F0965-A386-D506-F250-6E26D76ABA88}"/>
+              </a:ext>
+            </a:extLst>
+          </p:cNvPr>
+          <p:cNvSpPr>
+            <a:spLocks noGrp="1"/>
+          </p:cNvSpPr>
+          <p:nvPr>
+            <p:ph type="title"/>
+          </p:nvPr>
+        </p:nvSpPr>
+        <p:spPr/>
+        <p:txBody>
+          <a:bodyPr/>
+          <a:lstStyle/>
+          <a:p>
+            <a:r>
+              <a:rPr lang="en-US" dirty="0"/>
+              <a:t>Interactive Maps</a:t>
+            </a:r>
+          </a:p>
+        </p:txBody>
+      </p:sp>
+      <p:sp>
+        <p:nvSpPr>
+          <p:cNvPr id="3" name="Content Placeholder 2">
+            <a:extLst>
+              <a:ext uri="{FF2B5EF4-FFF2-40B4-BE49-F238E27FC236}">
+                <a16:creationId xmlns:a16="http://schemas.microsoft.com/office/drawing/2014/main" id="{2B6F3AB9-2C4C-E621-F3F8-0F0F765DD00C}"/>
+              </a:ext>
+            </a:extLst>
+          </p:cNvPr>
+          <p:cNvSpPr>
+            <a:spLocks noGrp="1"/>
+          </p:cNvSpPr>
+          <p:nvPr>
+            <p:ph idx="1"/>
+          </p:nvPr>
+        </p:nvSpPr>
+        <p:spPr/>
+        <p:txBody>
+          <a:bodyPr/>
+          <a:lstStyle/>
+          <a:p>
+            <a:r>
+              <a:rPr lang="en-US" dirty="0">
+                <a:hlinkClick r:id="rId2"/>
+              </a:rPr>
+              <a:t>Smart Signals</a:t>
+            </a:r>
+            <a:endParaRPr lang="en-US" dirty="0"/>
+          </a:p>
+          <a:p>
+            <a:r>
+              <a:rPr lang="en-US" dirty="0">
+                <a:hlinkClick r:id="rId3"/>
+              </a:rPr>
+              <a:t>Transit Centers</a:t>
+            </a:r>
+            <a:r>
+              <a:rPr lang="en-US" dirty="0"/>
+              <a:t> </a:t>
+            </a:r>
+          </a:p>
+          <a:p>
+            <a:r>
+              <a:rPr lang="en-US" dirty="0">
+                <a:hlinkClick r:id="rId3"/>
+              </a:rPr>
+              <a:t>Park and Rides</a:t>
+            </a:r>
+            <a:endParaRPr lang="en-US" dirty="0"/>
+          </a:p>
+          <a:p>
+            <a:r>
+              <a:rPr lang="en-US" dirty="0">
+                <a:hlinkClick r:id="rId3"/>
+              </a:rPr>
+              <a:t>Stop Improvements</a:t>
+            </a:r>
+            <a:endParaRPr lang="en-US" dirty="0"/>
+          </a:p>
+          <a:p>
+            <a:endParaRPr lang="en-US" dirty="0"/>
+          </a:p>
+        </p:txBody>
+      </p:sp>
+      <p:pic>
+        <p:nvPicPr>
+          <p:cNvPr id="9" name="Graphic 8">
+            <a:extLst>
+              <a:ext uri="{FF2B5EF4-FFF2-40B4-BE49-F238E27FC236}">
+                <a16:creationId xmlns:a16="http://schemas.microsoft.com/office/drawing/2014/main" id="{C12CA43B-9FA2-FC60-8355-7DE374EA77F1}"/>
+              </a:ext>
+            </a:extLst>
+          </p:cNvPr>
+          <p:cNvPicPr>
+            <a:picLocks noChangeAspect="1"/>
+          </p:cNvPicPr>
+          <p:nvPr/>
+        </p:nvPicPr>
+        <p:blipFill>
+          <a:blip r:embed="rId4">
+            <a:extLst>
+              <a:ext uri="{96DAC541-7B7A-43D3-8B79-37D633B846F1}">
+                <asvg:svgBlip xmlns:asvg="http://schemas.microsoft.com/office/drawing/2016/SVG/main" r:embed="rId5"/>
+              </a:ext>
+            </a:extLst>
+          </a:blip>
+          <a:stretch>
+            <a:fillRect/>
+          </a:stretch>
+        </p:blipFill>
+        <p:spPr>
+          <a:xfrm>
+            <a:off x="840579" y="3043554"/>
+            <a:ext cx="390525" cy="347133"/>
+          </a:xfrm>
+          <a:prstGeom prst="rect">
+            <a:avLst/>
+          </a:prstGeom>
+        </p:spPr>
+      </p:pic>
+      <p:pic>
+        <p:nvPicPr>
+          <p:cNvPr id="11" name="Graphic 10">
+            <a:extLst>
+              <a:ext uri="{FF2B5EF4-FFF2-40B4-BE49-F238E27FC236}">
+                <a16:creationId xmlns:a16="http://schemas.microsoft.com/office/drawing/2014/main" id="{9DFBAC87-7B67-3A39-88AB-AD46DA9BD219}"/>
+              </a:ext>
+            </a:extLst>
+          </p:cNvPr>
+          <p:cNvPicPr>
+            <a:picLocks noChangeAspect="1"/>
+          </p:cNvPicPr>
+          <p:nvPr/>
+        </p:nvPicPr>
+        <p:blipFill>
+          <a:blip r:embed="rId6">
+            <a:extLst>
+              <a:ext uri="{96DAC541-7B7A-43D3-8B79-37D633B846F1}">
+                <asvg:svgBlip xmlns:asvg="http://schemas.microsoft.com/office/drawing/2016/SVG/main" r:embed="rId7"/>
+              </a:ext>
+            </a:extLst>
+          </a:blip>
+          <a:stretch>
+            <a:fillRect/>
+          </a:stretch>
+        </p:blipFill>
+        <p:spPr>
+          <a:xfrm>
+            <a:off x="840578" y="3517739"/>
+            <a:ext cx="390525" cy="347134"/>
+          </a:xfrm>
+          <a:prstGeom prst="rect">
+            <a:avLst/>
+          </a:prstGeom>
+        </p:spPr>
+      </p:pic>
+      <p:pic>
+        <p:nvPicPr>
+          <p:cNvPr id="15" name="Graphic 14">
+            <a:extLst>
+              <a:ext uri="{FF2B5EF4-FFF2-40B4-BE49-F238E27FC236}">
+                <a16:creationId xmlns:a16="http://schemas.microsoft.com/office/drawing/2014/main" id="{3CFFA9D7-4DBC-FB1D-F723-339CE3E98E2A}"/>
+              </a:ext>
+            </a:extLst>
+          </p:cNvPr>
+          <p:cNvPicPr>
+            <a:picLocks noChangeAspect="1"/>
+          </p:cNvPicPr>
+          <p:nvPr/>
+        </p:nvPicPr>
+        <p:blipFill>
+          <a:blip r:embed="rId8">
+            <a:extLst>
+              <a:ext uri="{96DAC541-7B7A-43D3-8B79-37D633B846F1}">
+                <asvg:svgBlip xmlns:asvg="http://schemas.microsoft.com/office/drawing/2016/SVG/main" r:embed="rId9"/>
+              </a:ext>
+            </a:extLst>
+          </a:blip>
+          <a:stretch>
+            <a:fillRect/>
+          </a:stretch>
+        </p:blipFill>
+        <p:spPr>
+          <a:xfrm>
+            <a:off x="928687" y="2099415"/>
+            <a:ext cx="214313" cy="342901"/>
+          </a:xfrm>
+          <a:prstGeom prst="rect">
+            <a:avLst/>
+          </a:prstGeom>
+        </p:spPr>
+      </p:pic>
+      <p:pic>
+        <p:nvPicPr>
+          <p:cNvPr id="17" name="Graphic 16">
+            <a:extLst>
+              <a:ext uri="{FF2B5EF4-FFF2-40B4-BE49-F238E27FC236}">
+                <a16:creationId xmlns:a16="http://schemas.microsoft.com/office/drawing/2014/main" id="{B9218825-B175-C49D-92B9-99447074BDE3}"/>
+              </a:ext>
+            </a:extLst>
+          </p:cNvPr>
+          <p:cNvPicPr>
+            <a:picLocks noChangeAspect="1"/>
+          </p:cNvPicPr>
+          <p:nvPr/>
+        </p:nvPicPr>
+        <p:blipFill>
+          <a:blip r:embed="rId10">
+            <a:extLst>
+              <a:ext uri="{96DAC541-7B7A-43D3-8B79-37D633B846F1}">
+                <asvg:svgBlip xmlns:asvg="http://schemas.microsoft.com/office/drawing/2016/SVG/main" r:embed="rId11"/>
+              </a:ext>
+            </a:extLst>
+          </a:blip>
+          <a:stretch>
+            <a:fillRect/>
+          </a:stretch>
+        </p:blipFill>
+        <p:spPr>
+          <a:xfrm>
+            <a:off x="840579" y="2569368"/>
+            <a:ext cx="390525" cy="347134"/>
+          </a:xfrm>
+          <a:prstGeom prst="rect">
+            <a:avLst/>
+          </a:prstGeom>
         </p:spPr>
       </p:pic>
     </p:spTree>
     <p:extLst>
       <p:ext uri="{BB962C8B-B14F-4D97-AF65-F5344CB8AC3E}">
-        <p14:creationId xmlns:p14="http://schemas.microsoft.com/office/powerpoint/2010/main" val="3239736606"/>
+        <p14:creationId xmlns:p14="http://schemas.microsoft.com/office/powerpoint/2010/main" val="3920221525"/>
       </p:ext>
     </p:extLst>
   </p:cSld>
@@ -3513,7 +4264,7 @@
           <p:cNvPr id="2" name="Title 1">
             <a:extLst>
               <a:ext uri="{FF2B5EF4-FFF2-40B4-BE49-F238E27FC236}">
-                <a16:creationId xmlns:a16="http://schemas.microsoft.com/office/drawing/2014/main" id="{3979705C-5F9E-E27B-49E6-9DB57935EF72}"/>
+                <a16:creationId xmlns:a16="http://schemas.microsoft.com/office/drawing/2014/main" id="{AE25F141-0BE5-9E78-7E5C-4A8D977D97B2}"/>
               </a:ext>
             </a:extLst>
           </p:cNvPr>
@@ -3529,16 +4280,19 @@
           <a:bodyPr/>
           <a:lstStyle/>
           <a:p>
-            <a:endParaRPr lang="en-US"/>
-          </a:p>
-        </p:txBody>
-      </p:sp>
-      <p:sp>
-        <p:nvSpPr>
-          <p:cNvPr id="12" name="Content Placeholder 11">
+            <a:r>
+              <a:rPr lang="en-US" dirty="0"/>
+              <a:t>Motivation</a:t>
+            </a:r>
+          </a:p>
+        </p:txBody>
+      </p:sp>
+      <p:sp>
+        <p:nvSpPr>
+          <p:cNvPr id="3" name="Content Placeholder 2">
             <a:extLst>
               <a:ext uri="{FF2B5EF4-FFF2-40B4-BE49-F238E27FC236}">
-                <a16:creationId xmlns:a16="http://schemas.microsoft.com/office/drawing/2014/main" id="{A5DCD834-EDCE-73AB-2C97-1A78BDA82C55}"/>
+                <a16:creationId xmlns:a16="http://schemas.microsoft.com/office/drawing/2014/main" id="{216E8B55-330E-FC93-CFED-687A8CB27752}"/>
               </a:ext>
             </a:extLst>
           </p:cNvPr>
@@ -3554,14 +4308,20 @@
           <a:bodyPr/>
           <a:lstStyle/>
           <a:p>
-            <a:endParaRPr lang="en-US"/>
+            <a:pPr marL="45720" indent="0">
+              <a:buNone/>
+            </a:pPr>
+            <a:r>
+              <a:rPr lang="en-US" dirty="0"/>
+              <a:t>In the past year I made the biggest decision of my life in buying my first home. Davidson County was where I decided to settle down and so far, I've been happy with my decision. Looking to make a major financial decision like buying or moving into a  new home can be very difficult and a lot of research is necessary. With my capstone, I hope to make that decision easier for next person considering moving into Davidson County.</a:t>
+            </a:r>
           </a:p>
         </p:txBody>
       </p:sp>
     </p:spTree>
     <p:extLst>
       <p:ext uri="{BB962C8B-B14F-4D97-AF65-F5344CB8AC3E}">
-        <p14:creationId xmlns:p14="http://schemas.microsoft.com/office/powerpoint/2010/main" val="1559855384"/>
+        <p14:creationId xmlns:p14="http://schemas.microsoft.com/office/powerpoint/2010/main" val="153962152"/>
       </p:ext>
     </p:extLst>
   </p:cSld>
@@ -3593,7 +4353,7 @@
           <p:cNvPr id="2" name="Title 1">
             <a:extLst>
               <a:ext uri="{FF2B5EF4-FFF2-40B4-BE49-F238E27FC236}">
-                <a16:creationId xmlns:a16="http://schemas.microsoft.com/office/drawing/2014/main" id="{BD44790D-9D1A-4F31-9BFF-BE0C944AFD06}"/>
+                <a16:creationId xmlns:a16="http://schemas.microsoft.com/office/drawing/2014/main" id="{3979705C-5F9E-E27B-49E6-9DB57935EF72}"/>
               </a:ext>
             </a:extLst>
           </p:cNvPr>
@@ -3610,22 +4370,18 @@
           <a:lstStyle/>
           <a:p>
             <a:r>
-              <a:rPr lang="en-US" b="0" i="0" dirty="0">
-                <a:effectLst/>
-                <a:latin typeface="system-ui"/>
-              </a:rPr>
-              <a:t>Metropolitan Transit Ordinance Vote 2024</a:t>
-            </a:r>
-            <a:endParaRPr lang="en-US" dirty="0"/>
+              <a:rPr lang="en-US" dirty="0"/>
+              <a:t>How does Nashville Commute?</a:t>
+            </a:r>
           </a:p>
         </p:txBody>
       </p:sp>
       <p:graphicFrame>
         <p:nvGraphicFramePr>
-          <p:cNvPr id="6" name="Object 5">
+          <p:cNvPr id="4" name="Object 3">
             <a:extLst>
               <a:ext uri="{FF2B5EF4-FFF2-40B4-BE49-F238E27FC236}">
-                <a16:creationId xmlns:a16="http://schemas.microsoft.com/office/drawing/2014/main" id="{02496C16-8CF6-CEA5-F769-43671B98E210}"/>
+                <a16:creationId xmlns:a16="http://schemas.microsoft.com/office/drawing/2014/main" id="{69E40838-EAAE-C0C9-070F-F2A51E602CEA}"/>
               </a:ext>
             </a:extLst>
           </p:cNvPr>
@@ -3635,25 +4391,25 @@
           <p:nvPr>
             <p:extLst>
               <p:ext uri="{D42A27DB-BD31-4B8C-83A1-F6EECF244321}">
-                <p14:modId xmlns:p14="http://schemas.microsoft.com/office/powerpoint/2010/main" val="242944647"/>
+                <p14:modId xmlns:p14="http://schemas.microsoft.com/office/powerpoint/2010/main" val="1236808318"/>
               </p:ext>
             </p:extLst>
           </p:nvPr>
         </p:nvGraphicFramePr>
         <p:xfrm>
-          <a:off x="1185580" y="2693193"/>
-          <a:ext cx="4910420" cy="1471613"/>
+          <a:off x="800100" y="1974850"/>
+          <a:ext cx="10553700" cy="4200525"/>
         </p:xfrm>
         <a:graphic>
           <a:graphicData uri="http://schemas.openxmlformats.org/presentationml/2006/ole">
             <mc:AlternateContent xmlns:mc="http://schemas.openxmlformats.org/markup-compatibility/2006">
               <mc:Choice xmlns:v="urn:schemas-microsoft-com:vml" Requires="v">
-                <p:oleObj name="Macro-Enabled Worksheet" r:id="rId2" imgW="1943232" imgH="581058" progId="Excel.SheetMacroEnabled.12">
+                <p:oleObj name="Macro-Enabled Worksheet" r:id="rId2" imgW="10553685" imgH="4200466" progId="Excel.SheetMacroEnabled.12">
                   <p:embed/>
                 </p:oleObj>
               </mc:Choice>
               <mc:Fallback>
-                <p:oleObj name="Macro-Enabled Worksheet" r:id="rId2" imgW="1943232" imgH="581058" progId="Excel.SheetMacroEnabled.12">
+                <p:oleObj name="Macro-Enabled Worksheet" r:id="rId2" imgW="10553685" imgH="4200466" progId="Excel.SheetMacroEnabled.12">
                   <p:embed/>
                   <p:pic>
                     <p:nvPicPr>
@@ -3669,8 +4425,8 @@
                     </p:blipFill>
                     <p:spPr>
                       <a:xfrm>
-                        <a:off x="1185580" y="2693193"/>
-                        <a:ext cx="4910420" cy="1471613"/>
+                        <a:off x="800100" y="1974850"/>
+                        <a:ext cx="10553700" cy="4200525"/>
                       </a:xfrm>
                       <a:prstGeom prst="rect">
                         <a:avLst/>
@@ -3683,45 +4439,10 @@
           </a:graphicData>
         </a:graphic>
       </p:graphicFrame>
-      <p:pic>
-        <p:nvPicPr>
-          <p:cNvPr id="10" name="Content Placeholder 9" descr="A blue and orange pie chart&#10;&#10;Description automatically generated">
-            <a:extLst>
-              <a:ext uri="{FF2B5EF4-FFF2-40B4-BE49-F238E27FC236}">
-                <a16:creationId xmlns:a16="http://schemas.microsoft.com/office/drawing/2014/main" id="{DC58395F-B038-927E-EE77-15DDD3105FA6}"/>
-              </a:ext>
-            </a:extLst>
-          </p:cNvPr>
-          <p:cNvPicPr>
-            <a:picLocks noGrp="1" noChangeAspect="1"/>
-          </p:cNvPicPr>
-          <p:nvPr>
-            <p:ph idx="1"/>
-          </p:nvPr>
-        </p:nvPicPr>
-        <p:blipFill>
-          <a:blip r:embed="rId4">
-            <a:extLst>
-              <a:ext uri="{28A0092B-C50C-407E-A947-70E740481C1C}">
-                <a14:useLocalDpi xmlns:a14="http://schemas.microsoft.com/office/drawing/2010/main" val="0"/>
-              </a:ext>
-            </a:extLst>
-          </a:blip>
-          <a:stretch>
-            <a:fillRect/>
-          </a:stretch>
-        </p:blipFill>
-        <p:spPr>
-          <a:xfrm>
-            <a:off x="4543309" y="1825625"/>
-            <a:ext cx="5801784" cy="4351338"/>
-          </a:xfrm>
-        </p:spPr>
-      </p:pic>
     </p:spTree>
     <p:extLst>
       <p:ext uri="{BB962C8B-B14F-4D97-AF65-F5344CB8AC3E}">
-        <p14:creationId xmlns:p14="http://schemas.microsoft.com/office/powerpoint/2010/main" val="1431765345"/>
+        <p14:creationId xmlns:p14="http://schemas.microsoft.com/office/powerpoint/2010/main" val="1559855384"/>
       </p:ext>
     </p:extLst>
   </p:cSld>
@@ -3753,7 +4474,7 @@
           <p:cNvPr id="2" name="Title 1">
             <a:extLst>
               <a:ext uri="{FF2B5EF4-FFF2-40B4-BE49-F238E27FC236}">
-                <a16:creationId xmlns:a16="http://schemas.microsoft.com/office/drawing/2014/main" id="{979E33F4-7BEF-D253-90F3-0CF084A18F12}"/>
+                <a16:creationId xmlns:a16="http://schemas.microsoft.com/office/drawing/2014/main" id="{BD44790D-9D1A-4F31-9BFF-BE0C944AFD06}"/>
               </a:ext>
             </a:extLst>
           </p:cNvPr>
@@ -3770,18 +4491,22 @@
           <a:lstStyle/>
           <a:p>
             <a:r>
-              <a:rPr lang="en-US" dirty="0"/>
-              <a:t>All Access Corridors</a:t>
-            </a:r>
+              <a:rPr lang="en-US" b="0" i="0" dirty="0">
+                <a:effectLst/>
+                <a:latin typeface="system-ui"/>
+              </a:rPr>
+              <a:t>Metropolitan Transit Ordinance Vote 2024</a:t>
+            </a:r>
+            <a:endParaRPr lang="en-US" dirty="0"/>
           </a:p>
         </p:txBody>
       </p:sp>
       <p:pic>
         <p:nvPicPr>
-          <p:cNvPr id="5" name="Content Placeholder 4" descr="A map of a large island&#10;&#10;Description automatically generated">
+          <p:cNvPr id="10" name="Content Placeholder 9" descr="A blue and orange pie chart&#10;&#10;Description automatically generated">
             <a:extLst>
               <a:ext uri="{FF2B5EF4-FFF2-40B4-BE49-F238E27FC236}">
-                <a16:creationId xmlns:a16="http://schemas.microsoft.com/office/drawing/2014/main" id="{199B493C-9E2F-E11F-B810-59E2462E656D}"/>
+                <a16:creationId xmlns:a16="http://schemas.microsoft.com/office/drawing/2014/main" id="{DC58395F-B038-927E-EE77-15DDD3105FA6}"/>
               </a:ext>
             </a:extLst>
           </p:cNvPr>
@@ -3806,50 +4531,78 @@
         </p:blipFill>
         <p:spPr>
           <a:xfrm>
-            <a:off x="1649065" y="1825625"/>
-            <a:ext cx="8893870" cy="4351338"/>
+            <a:off x="4968081" y="1965960"/>
+            <a:ext cx="5384800" cy="4038600"/>
           </a:xfrm>
         </p:spPr>
       </p:pic>
-      <p:sp>
-        <p:nvSpPr>
-          <p:cNvPr id="7" name="TextBox 6">
+      <p:graphicFrame>
+        <p:nvGraphicFramePr>
+          <p:cNvPr id="6" name="Object 5">
             <a:extLst>
               <a:ext uri="{FF2B5EF4-FFF2-40B4-BE49-F238E27FC236}">
-                <a16:creationId xmlns:a16="http://schemas.microsoft.com/office/drawing/2014/main" id="{5D35F4F2-FE1A-884E-9BF5-2EB80275A5BD}"/>
+                <a16:creationId xmlns:a16="http://schemas.microsoft.com/office/drawing/2014/main" id="{02496C16-8CF6-CEA5-F769-43671B98E210}"/>
               </a:ext>
             </a:extLst>
           </p:cNvPr>
-          <p:cNvSpPr txBox="1"/>
-          <p:nvPr/>
-        </p:nvSpPr>
-        <p:spPr>
-          <a:xfrm>
-            <a:off x="5918704" y="3429000"/>
-            <a:ext cx="6097508" cy="2308324"/>
-          </a:xfrm>
-          <a:prstGeom prst="rect">
-            <a:avLst/>
-          </a:prstGeom>
-          <a:noFill/>
-        </p:spPr>
-        <p:txBody>
-          <a:bodyPr wrap="square">
-            <a:spAutoFit/>
-          </a:bodyPr>
-          <a:lstStyle/>
-          <a:p>
-            <a:r>
-              <a:rPr lang="en-US" dirty="0"/>
-              <a:t>Proposed All-Access Corridors are identified in the Choose How You Move Transportation Improvement Program. These corridors are where we improve everything with better sidewalks, smarter signalized intersections, reliable transit service every 15 minutes or better, and improve safety conditions. They form the backbone of bus rapid transit network, and their design will be determined with additional community input with neighborhoods in mind. </a:t>
-            </a:r>
-          </a:p>
-        </p:txBody>
-      </p:sp>
+          <p:cNvGraphicFramePr>
+            <a:graphicFrameLocks noChangeAspect="1"/>
+          </p:cNvGraphicFramePr>
+          <p:nvPr>
+            <p:extLst>
+              <p:ext uri="{D42A27DB-BD31-4B8C-83A1-F6EECF244321}">
+                <p14:modId xmlns:p14="http://schemas.microsoft.com/office/powerpoint/2010/main" val="869142809"/>
+              </p:ext>
+            </p:extLst>
+          </p:nvPr>
+        </p:nvGraphicFramePr>
+        <p:xfrm>
+          <a:off x="1185863" y="2692400"/>
+          <a:ext cx="3368675" cy="1471613"/>
+        </p:xfrm>
+        <a:graphic>
+          <a:graphicData uri="http://schemas.openxmlformats.org/presentationml/2006/ole">
+            <mc:AlternateContent xmlns:mc="http://schemas.openxmlformats.org/markup-compatibility/2006">
+              <mc:Choice xmlns:v="urn:schemas-microsoft-com:vml" Requires="v">
+                <p:oleObj name="Macro-Enabled Worksheet" r:id="rId3" imgW="1333515" imgH="581058" progId="Excel.SheetMacroEnabled.12">
+                  <p:embed/>
+                </p:oleObj>
+              </mc:Choice>
+              <mc:Fallback>
+                <p:oleObj name="Macro-Enabled Worksheet" r:id="rId3" imgW="1333515" imgH="581058" progId="Excel.SheetMacroEnabled.12">
+                  <p:embed/>
+                  <p:pic>
+                    <p:nvPicPr>
+                      <p:cNvPr id="0" name=""/>
+                      <p:cNvPicPr/>
+                      <p:nvPr/>
+                    </p:nvPicPr>
+                    <p:blipFill>
+                      <a:blip r:embed="rId4"/>
+                      <a:stretch>
+                        <a:fillRect/>
+                      </a:stretch>
+                    </p:blipFill>
+                    <p:spPr>
+                      <a:xfrm>
+                        <a:off x="1185863" y="2692400"/>
+                        <a:ext cx="3368675" cy="1471613"/>
+                      </a:xfrm>
+                      <a:prstGeom prst="rect">
+                        <a:avLst/>
+                      </a:prstGeom>
+                    </p:spPr>
+                  </p:pic>
+                </p:oleObj>
+              </mc:Fallback>
+            </mc:AlternateContent>
+          </a:graphicData>
+        </a:graphic>
+      </p:graphicFrame>
     </p:spTree>
     <p:extLst>
       <p:ext uri="{BB962C8B-B14F-4D97-AF65-F5344CB8AC3E}">
-        <p14:creationId xmlns:p14="http://schemas.microsoft.com/office/powerpoint/2010/main" val="493035138"/>
+        <p14:creationId xmlns:p14="http://schemas.microsoft.com/office/powerpoint/2010/main" val="1431765345"/>
       </p:ext>
     </p:extLst>
   </p:cSld>
@@ -3881,7 +4634,7 @@
           <p:cNvPr id="2" name="Title 1">
             <a:extLst>
               <a:ext uri="{FF2B5EF4-FFF2-40B4-BE49-F238E27FC236}">
-                <a16:creationId xmlns:a16="http://schemas.microsoft.com/office/drawing/2014/main" id="{80E6F85C-81C4-710A-2738-55F60597CBCC}"/>
+                <a16:creationId xmlns:a16="http://schemas.microsoft.com/office/drawing/2014/main" id="{1DC6F1C9-AEA3-F818-C558-2414F8011B50}"/>
               </a:ext>
             </a:extLst>
           </p:cNvPr>
@@ -3899,85 +4652,388 @@
           <a:p>
             <a:r>
               <a:rPr lang="en-US" dirty="0"/>
-              <a:t>Complete Streets</a:t>
-            </a:r>
-          </a:p>
-        </p:txBody>
-      </p:sp>
-      <p:pic>
-        <p:nvPicPr>
-          <p:cNvPr id="5" name="Content Placeholder 4" descr="A map of a country&#10;&#10;Description automatically generated">
+              <a:t>What is the Transportation Improvement Plan?</a:t>
+            </a:r>
+          </a:p>
+        </p:txBody>
+      </p:sp>
+      <p:sp>
+        <p:nvSpPr>
+          <p:cNvPr id="3" name="Content Placeholder 2">
             <a:extLst>
               <a:ext uri="{FF2B5EF4-FFF2-40B4-BE49-F238E27FC236}">
-                <a16:creationId xmlns:a16="http://schemas.microsoft.com/office/drawing/2014/main" id="{1DB2D345-4EC9-496E-F947-45160587E61E}"/>
+                <a16:creationId xmlns:a16="http://schemas.microsoft.com/office/drawing/2014/main" id="{6FA37705-99C9-5C93-0CCC-CA42A7BBE7F7}"/>
               </a:ext>
             </a:extLst>
           </p:cNvPr>
-          <p:cNvPicPr>
-            <a:picLocks noGrp="1" noChangeAspect="1"/>
-          </p:cNvPicPr>
+          <p:cNvSpPr>
+            <a:spLocks noGrp="1"/>
+          </p:cNvSpPr>
           <p:nvPr>
             <p:ph idx="1"/>
           </p:nvPr>
-        </p:nvPicPr>
-        <p:blipFill>
-          <a:blip r:embed="rId2">
-            <a:extLst>
-              <a:ext uri="{28A0092B-C50C-407E-A947-70E740481C1C}">
-                <a14:useLocalDpi xmlns:a14="http://schemas.microsoft.com/office/drawing/2010/main" val="0"/>
-              </a:ext>
-            </a:extLst>
-          </a:blip>
-          <a:stretch>
-            <a:fillRect/>
-          </a:stretch>
-        </p:blipFill>
+        </p:nvSpPr>
         <p:spPr>
           <a:xfrm>
-            <a:off x="1661688" y="1335661"/>
-            <a:ext cx="8459709" cy="5157214"/>
+            <a:off x="1143000" y="2030994"/>
+            <a:ext cx="4117063" cy="4038600"/>
           </a:xfrm>
         </p:spPr>
-      </p:pic>
-      <p:sp>
-        <p:nvSpPr>
-          <p:cNvPr id="7" name="TextBox 6">
+        <p:txBody>
+          <a:bodyPr>
+            <a:normAutofit lnSpcReduction="10000"/>
+          </a:bodyPr>
+          <a:lstStyle/>
+          <a:p>
+            <a:r>
+              <a:rPr lang="en-US" dirty="0"/>
+              <a:t>All Access Corridors</a:t>
+            </a:r>
+          </a:p>
+          <a:p>
+            <a:r>
+              <a:rPr lang="en-US" dirty="0"/>
+              <a:t>Complete Streets</a:t>
+            </a:r>
+          </a:p>
+          <a:p>
+            <a:r>
+              <a:rPr lang="en-US" dirty="0"/>
+              <a:t>Sidewalks</a:t>
+            </a:r>
+          </a:p>
+          <a:p>
+            <a:r>
+              <a:rPr lang="en-US" dirty="0"/>
+              <a:t>Frequent Networks</a:t>
+            </a:r>
+          </a:p>
+          <a:p>
+            <a:r>
+              <a:rPr lang="en-US" dirty="0"/>
+              <a:t>Local Service Improvement</a:t>
+            </a:r>
+          </a:p>
+          <a:p>
+            <a:r>
+              <a:rPr lang="en-US" dirty="0"/>
+              <a:t>New Connector</a:t>
+            </a:r>
+          </a:p>
+          <a:p>
+            <a:r>
+              <a:rPr lang="en-US" dirty="0"/>
+              <a:t>Express Service Routes</a:t>
+            </a:r>
+          </a:p>
+          <a:p>
+            <a:r>
+              <a:rPr lang="en-US" dirty="0" err="1"/>
+              <a:t>WeGo</a:t>
+            </a:r>
+            <a:r>
+              <a:rPr lang="en-US" dirty="0"/>
+              <a:t> STAR</a:t>
+            </a:r>
+          </a:p>
+          <a:p>
+            <a:r>
+              <a:rPr lang="en-US" dirty="0"/>
+              <a:t>New Routes</a:t>
+            </a:r>
+          </a:p>
+          <a:p>
+            <a:endParaRPr lang="en-US" dirty="0"/>
+          </a:p>
+        </p:txBody>
+      </p:sp>
+      <p:sp>
+        <p:nvSpPr>
+          <p:cNvPr id="4" name="Content Placeholder 2">
             <a:extLst>
               <a:ext uri="{FF2B5EF4-FFF2-40B4-BE49-F238E27FC236}">
-                <a16:creationId xmlns:a16="http://schemas.microsoft.com/office/drawing/2014/main" id="{C7C9D673-9756-A704-5A4A-694E823C6CB0}"/>
+                <a16:creationId xmlns:a16="http://schemas.microsoft.com/office/drawing/2014/main" id="{891C9857-A02F-BD93-6C3C-51E55CB0C2C0}"/>
               </a:ext>
             </a:extLst>
           </p:cNvPr>
-          <p:cNvSpPr txBox="1"/>
+          <p:cNvSpPr txBox="1">
+            <a:spLocks/>
+          </p:cNvSpPr>
           <p:nvPr/>
         </p:nvSpPr>
         <p:spPr>
           <a:xfrm>
-            <a:off x="6998328" y="3342237"/>
-            <a:ext cx="4710065" cy="3139321"/>
+            <a:off x="6727479" y="2030994"/>
+            <a:ext cx="4117063" cy="4038600"/>
           </a:xfrm>
           <a:prstGeom prst="rect">
             <a:avLst/>
           </a:prstGeom>
-          <a:noFill/>
         </p:spPr>
         <p:txBody>
-          <a:bodyPr wrap="square">
-            <a:spAutoFit/>
+          <a:bodyPr vert="horz" lIns="91440" tIns="45720" rIns="91440" bIns="45720" rtlCol="0">
+            <a:normAutofit/>
           </a:bodyPr>
-          <a:lstStyle/>
+          <a:lstStyle>
+            <a:lvl1pPr marL="228600" indent="-182880" algn="l" defTabSz="914400" rtl="0" eaLnBrk="1" latinLnBrk="0" hangingPunct="1">
+              <a:lnSpc>
+                <a:spcPct val="90000"/>
+              </a:lnSpc>
+              <a:spcBef>
+                <a:spcPts val="1400"/>
+              </a:spcBef>
+              <a:buClr>
+                <a:schemeClr val="accent1"/>
+              </a:buClr>
+              <a:buSzPct val="80000"/>
+              <a:buFont typeface="Corbel" pitchFamily="34" charset="0"/>
+              <a:buChar char="•"/>
+              <a:defRPr sz="2200" kern="1200">
+                <a:solidFill>
+                  <a:schemeClr val="accent1"/>
+                </a:solidFill>
+                <a:latin typeface="+mn-lt"/>
+                <a:ea typeface="+mn-ea"/>
+                <a:cs typeface="+mn-cs"/>
+              </a:defRPr>
+            </a:lvl1pPr>
+            <a:lvl2pPr marL="457200" indent="-182880" algn="l" defTabSz="914400" rtl="0" eaLnBrk="1" latinLnBrk="0" hangingPunct="1">
+              <a:lnSpc>
+                <a:spcPct val="90000"/>
+              </a:lnSpc>
+              <a:spcBef>
+                <a:spcPts val="200"/>
+              </a:spcBef>
+              <a:spcAft>
+                <a:spcPts val="400"/>
+              </a:spcAft>
+              <a:buClr>
+                <a:schemeClr val="accent1"/>
+              </a:buClr>
+              <a:buSzPct val="80000"/>
+              <a:buFont typeface="Corbel" pitchFamily="34" charset="0"/>
+              <a:buChar char="•"/>
+              <a:defRPr sz="2000" kern="1200">
+                <a:solidFill>
+                  <a:schemeClr val="accent1"/>
+                </a:solidFill>
+                <a:latin typeface="+mn-lt"/>
+                <a:ea typeface="+mn-ea"/>
+                <a:cs typeface="+mn-cs"/>
+              </a:defRPr>
+            </a:lvl2pPr>
+            <a:lvl3pPr marL="731520" indent="-182880" algn="l" defTabSz="914400" rtl="0" eaLnBrk="1" latinLnBrk="0" hangingPunct="1">
+              <a:lnSpc>
+                <a:spcPct val="90000"/>
+              </a:lnSpc>
+              <a:spcBef>
+                <a:spcPts val="200"/>
+              </a:spcBef>
+              <a:spcAft>
+                <a:spcPts val="400"/>
+              </a:spcAft>
+              <a:buClr>
+                <a:schemeClr val="accent1"/>
+              </a:buClr>
+              <a:buSzPct val="80000"/>
+              <a:buFont typeface="Corbel" pitchFamily="34" charset="0"/>
+              <a:buChar char="•"/>
+              <a:defRPr sz="1800" kern="1200">
+                <a:solidFill>
+                  <a:schemeClr val="accent1"/>
+                </a:solidFill>
+                <a:latin typeface="+mn-lt"/>
+                <a:ea typeface="+mn-ea"/>
+                <a:cs typeface="+mn-cs"/>
+              </a:defRPr>
+            </a:lvl3pPr>
+            <a:lvl4pPr marL="1005840" indent="-182880" algn="l" defTabSz="914400" rtl="0" eaLnBrk="1" latinLnBrk="0" hangingPunct="1">
+              <a:lnSpc>
+                <a:spcPct val="90000"/>
+              </a:lnSpc>
+              <a:spcBef>
+                <a:spcPts val="200"/>
+              </a:spcBef>
+              <a:spcAft>
+                <a:spcPts val="400"/>
+              </a:spcAft>
+              <a:buClr>
+                <a:schemeClr val="accent1"/>
+              </a:buClr>
+              <a:buSzPct val="80000"/>
+              <a:buFont typeface="Corbel" pitchFamily="34" charset="0"/>
+              <a:buChar char="•"/>
+              <a:defRPr sz="1600" kern="1200">
+                <a:solidFill>
+                  <a:schemeClr val="accent1"/>
+                </a:solidFill>
+                <a:latin typeface="+mn-lt"/>
+                <a:ea typeface="+mn-ea"/>
+                <a:cs typeface="+mn-cs"/>
+              </a:defRPr>
+            </a:lvl4pPr>
+            <a:lvl5pPr marL="1280160" indent="-182880" algn="l" defTabSz="914400" rtl="0" eaLnBrk="1" latinLnBrk="0" hangingPunct="1">
+              <a:lnSpc>
+                <a:spcPct val="90000"/>
+              </a:lnSpc>
+              <a:spcBef>
+                <a:spcPts val="200"/>
+              </a:spcBef>
+              <a:spcAft>
+                <a:spcPts val="400"/>
+              </a:spcAft>
+              <a:buClr>
+                <a:schemeClr val="accent1"/>
+              </a:buClr>
+              <a:buSzPct val="80000"/>
+              <a:buFont typeface="Corbel" pitchFamily="34" charset="0"/>
+              <a:buChar char="•"/>
+              <a:defRPr sz="1600" kern="1200">
+                <a:solidFill>
+                  <a:schemeClr val="accent1"/>
+                </a:solidFill>
+                <a:latin typeface="+mn-lt"/>
+                <a:ea typeface="+mn-ea"/>
+                <a:cs typeface="+mn-cs"/>
+              </a:defRPr>
+            </a:lvl5pPr>
+            <a:lvl6pPr marL="1600000" indent="-228600" algn="l" defTabSz="914400" rtl="0" eaLnBrk="1" latinLnBrk="0" hangingPunct="1">
+              <a:lnSpc>
+                <a:spcPct val="90000"/>
+              </a:lnSpc>
+              <a:spcBef>
+                <a:spcPts val="200"/>
+              </a:spcBef>
+              <a:spcAft>
+                <a:spcPts val="400"/>
+              </a:spcAft>
+              <a:buClr>
+                <a:schemeClr val="accent1"/>
+              </a:buClr>
+              <a:buSzPct val="80000"/>
+              <a:buFont typeface="Corbel" pitchFamily="34" charset="0"/>
+              <a:buChar char="•"/>
+              <a:defRPr sz="1600" kern="1200">
+                <a:solidFill>
+                  <a:schemeClr val="accent1"/>
+                </a:solidFill>
+                <a:latin typeface="+mn-lt"/>
+                <a:ea typeface="+mn-ea"/>
+                <a:cs typeface="+mn-cs"/>
+              </a:defRPr>
+            </a:lvl6pPr>
+            <a:lvl7pPr marL="1900000" indent="-228600" algn="l" defTabSz="914400" rtl="0" eaLnBrk="1" latinLnBrk="0" hangingPunct="1">
+              <a:lnSpc>
+                <a:spcPct val="90000"/>
+              </a:lnSpc>
+              <a:spcBef>
+                <a:spcPts val="200"/>
+              </a:spcBef>
+              <a:spcAft>
+                <a:spcPts val="400"/>
+              </a:spcAft>
+              <a:buClr>
+                <a:schemeClr val="accent1"/>
+              </a:buClr>
+              <a:buSzPct val="80000"/>
+              <a:buFont typeface="Corbel" pitchFamily="34" charset="0"/>
+              <a:buChar char="•"/>
+              <a:defRPr sz="1600" kern="1200">
+                <a:solidFill>
+                  <a:schemeClr val="accent1"/>
+                </a:solidFill>
+                <a:latin typeface="+mn-lt"/>
+                <a:ea typeface="+mn-ea"/>
+                <a:cs typeface="+mn-cs"/>
+              </a:defRPr>
+            </a:lvl7pPr>
+            <a:lvl8pPr marL="2200000" indent="-228600" algn="l" defTabSz="914400" rtl="0" eaLnBrk="1" latinLnBrk="0" hangingPunct="1">
+              <a:lnSpc>
+                <a:spcPct val="90000"/>
+              </a:lnSpc>
+              <a:spcBef>
+                <a:spcPts val="200"/>
+              </a:spcBef>
+              <a:spcAft>
+                <a:spcPts val="400"/>
+              </a:spcAft>
+              <a:buClr>
+                <a:schemeClr val="accent1"/>
+              </a:buClr>
+              <a:buSzPct val="80000"/>
+              <a:buFont typeface="Corbel" pitchFamily="34" charset="0"/>
+              <a:buChar char="•"/>
+              <a:defRPr sz="1600" kern="1200">
+                <a:solidFill>
+                  <a:schemeClr val="accent1"/>
+                </a:solidFill>
+                <a:latin typeface="+mn-lt"/>
+                <a:ea typeface="+mn-ea"/>
+                <a:cs typeface="+mn-cs"/>
+              </a:defRPr>
+            </a:lvl8pPr>
+            <a:lvl9pPr marL="2500000" indent="-228600" algn="l" defTabSz="914400" rtl="0" eaLnBrk="1" latinLnBrk="0" hangingPunct="1">
+              <a:lnSpc>
+                <a:spcPct val="90000"/>
+              </a:lnSpc>
+              <a:spcBef>
+                <a:spcPts val="200"/>
+              </a:spcBef>
+              <a:spcAft>
+                <a:spcPts val="400"/>
+              </a:spcAft>
+              <a:buClr>
+                <a:schemeClr val="accent1"/>
+              </a:buClr>
+              <a:buSzPct val="80000"/>
+              <a:buFont typeface="Corbel" pitchFamily="34" charset="0"/>
+              <a:buChar char="•"/>
+              <a:defRPr sz="1600" kern="1200">
+                <a:solidFill>
+                  <a:schemeClr val="accent1"/>
+                </a:solidFill>
+                <a:latin typeface="+mn-lt"/>
+                <a:ea typeface="+mn-ea"/>
+                <a:cs typeface="+mn-cs"/>
+              </a:defRPr>
+            </a:lvl9pPr>
+          </a:lstStyle>
           <a:p>
             <a:r>
               <a:rPr lang="en-US" dirty="0"/>
-              <a:t>Proposed Complete Streets are identified in the Choose How You Move Transportation Improvement Program. These streets are where we expand mobility options and safety at the same time. These areas have been identified as priorities for sidewalks, bikeways, and safety improvements. They include some locations where we have more serious injuries and fatalities on our streets. Their design will be determined with additional community input. </a:t>
-            </a:r>
+              <a:t>Smart Signals</a:t>
+            </a:r>
+          </a:p>
+          <a:p>
+            <a:r>
+              <a:rPr lang="en-US" dirty="0"/>
+              <a:t>Transit Centers</a:t>
+            </a:r>
+          </a:p>
+          <a:p>
+            <a:r>
+              <a:rPr lang="en-US" dirty="0"/>
+              <a:t>Park and Rides</a:t>
+            </a:r>
+          </a:p>
+          <a:p>
+            <a:r>
+              <a:rPr lang="en-US" dirty="0"/>
+              <a:t>Stop Improvements</a:t>
+            </a:r>
+          </a:p>
+          <a:p>
+            <a:endParaRPr lang="en-US" dirty="0"/>
+          </a:p>
+          <a:p>
+            <a:endParaRPr lang="en-US" dirty="0"/>
           </a:p>
         </p:txBody>
       </p:sp>
     </p:spTree>
     <p:extLst>
       <p:ext uri="{BB962C8B-B14F-4D97-AF65-F5344CB8AC3E}">
-        <p14:creationId xmlns:p14="http://schemas.microsoft.com/office/powerpoint/2010/main" val="2758375800"/>
+        <p14:creationId xmlns:p14="http://schemas.microsoft.com/office/powerpoint/2010/main" val="3245982594"/>
       </p:ext>
     </p:extLst>
   </p:cSld>
@@ -4009,7 +5065,7 @@
           <p:cNvPr id="2" name="Title 1">
             <a:extLst>
               <a:ext uri="{FF2B5EF4-FFF2-40B4-BE49-F238E27FC236}">
-                <a16:creationId xmlns:a16="http://schemas.microsoft.com/office/drawing/2014/main" id="{699DD5CC-CDC4-BABE-C14A-6799B28E4624}"/>
+                <a16:creationId xmlns:a16="http://schemas.microsoft.com/office/drawing/2014/main" id="{979E33F4-7BEF-D253-90F3-0CF084A18F12}"/>
               </a:ext>
             </a:extLst>
           </p:cNvPr>
@@ -4020,24 +5076,29 @@
             <p:ph type="title"/>
           </p:nvPr>
         </p:nvSpPr>
-        <p:spPr/>
+        <p:spPr>
+          <a:xfrm>
+            <a:off x="1158240" y="323850"/>
+            <a:ext cx="9875520" cy="1356360"/>
+          </a:xfrm>
+        </p:spPr>
         <p:txBody>
           <a:bodyPr/>
           <a:lstStyle/>
           <a:p>
             <a:r>
               <a:rPr lang="en-US" dirty="0"/>
-              <a:t>Express Service Routes</a:t>
+              <a:t>All Access Corridors</a:t>
             </a:r>
           </a:p>
         </p:txBody>
       </p:sp>
       <p:pic>
         <p:nvPicPr>
-          <p:cNvPr id="5" name="Content Placeholder 4" descr="A map of a country&#10;&#10;Description automatically generated">
+          <p:cNvPr id="5" name="Content Placeholder 4" descr="A map of a large island&#10;&#10;Description automatically generated">
             <a:extLst>
               <a:ext uri="{FF2B5EF4-FFF2-40B4-BE49-F238E27FC236}">
-                <a16:creationId xmlns:a16="http://schemas.microsoft.com/office/drawing/2014/main" id="{F0F87802-F1E0-B7B4-63C4-4A3F9243904C}"/>
+                <a16:creationId xmlns:a16="http://schemas.microsoft.com/office/drawing/2014/main" id="{199B493C-9E2F-E11F-B810-59E2462E656D}"/>
               </a:ext>
             </a:extLst>
           </p:cNvPr>
@@ -4062,8 +5123,8 @@
         </p:blipFill>
         <p:spPr>
           <a:xfrm>
-            <a:off x="838200" y="1421395"/>
-            <a:ext cx="9673111" cy="4918531"/>
+            <a:off x="980944" y="1287780"/>
+            <a:ext cx="9875520" cy="4831611"/>
           </a:xfrm>
         </p:spPr>
       </p:pic>
@@ -4072,7 +5133,7 @@
           <p:cNvPr id="7" name="TextBox 6">
             <a:extLst>
               <a:ext uri="{FF2B5EF4-FFF2-40B4-BE49-F238E27FC236}">
-                <a16:creationId xmlns:a16="http://schemas.microsoft.com/office/drawing/2014/main" id="{1C3E7358-CDD4-D941-F560-8A15F9E868D4}"/>
+                <a16:creationId xmlns:a16="http://schemas.microsoft.com/office/drawing/2014/main" id="{5D35F4F2-FE1A-884E-9BF5-2EB80275A5BD}"/>
               </a:ext>
             </a:extLst>
           </p:cNvPr>
@@ -4081,8 +5142,8 @@
         </p:nvSpPr>
         <p:spPr>
           <a:xfrm>
-            <a:off x="5674755" y="2326801"/>
-            <a:ext cx="4737226" cy="1200329"/>
+            <a:off x="5728581" y="2641877"/>
+            <a:ext cx="6097508" cy="1754326"/>
           </a:xfrm>
           <a:prstGeom prst="rect">
             <a:avLst/>
@@ -4097,7 +5158,7 @@
           <a:p>
             <a:r>
               <a:rPr lang="en-US" dirty="0"/>
-              <a:t>These are new express bus service routes in the Choose How You Move Transportation Improvement Program from Park and Rides to Downtown during peak times. </a:t>
+              <a:t>These corridors are where we improve everything with better sidewalks, smarter signalized intersections, reliable transit service every 15 minutes or better, and improve safety conditions. They form the backbone of bus rapid transit network, and their design will be determined with additional community input with neighborhoods in mind. </a:t>
             </a:r>
           </a:p>
         </p:txBody>
@@ -4105,7 +5166,7 @@
     </p:spTree>
     <p:extLst>
       <p:ext uri="{BB962C8B-B14F-4D97-AF65-F5344CB8AC3E}">
-        <p14:creationId xmlns:p14="http://schemas.microsoft.com/office/powerpoint/2010/main" val="1194599988"/>
+        <p14:creationId xmlns:p14="http://schemas.microsoft.com/office/powerpoint/2010/main" val="493035138"/>
       </p:ext>
     </p:extLst>
   </p:cSld>
@@ -4137,7 +5198,7 @@
           <p:cNvPr id="2" name="Title 1">
             <a:extLst>
               <a:ext uri="{FF2B5EF4-FFF2-40B4-BE49-F238E27FC236}">
-                <a16:creationId xmlns:a16="http://schemas.microsoft.com/office/drawing/2014/main" id="{85C9EF2E-9DD2-E1C5-299A-A7F2456AE26C}"/>
+                <a16:creationId xmlns:a16="http://schemas.microsoft.com/office/drawing/2014/main" id="{80E6F85C-81C4-710A-2738-55F60597CBCC}"/>
               </a:ext>
             </a:extLst>
           </p:cNvPr>
@@ -4148,24 +5209,29 @@
             <p:ph type="title"/>
           </p:nvPr>
         </p:nvSpPr>
-        <p:spPr/>
+        <p:spPr>
+          <a:xfrm>
+            <a:off x="953782" y="304409"/>
+            <a:ext cx="9875520" cy="1356360"/>
+          </a:xfrm>
+        </p:spPr>
         <p:txBody>
           <a:bodyPr/>
           <a:lstStyle/>
           <a:p>
             <a:r>
               <a:rPr lang="en-US" dirty="0"/>
-              <a:t>Frequent Network</a:t>
+              <a:t>Complete Streets</a:t>
             </a:r>
           </a:p>
         </p:txBody>
       </p:sp>
       <p:pic>
         <p:nvPicPr>
-          <p:cNvPr id="5" name="Content Placeholder 4" descr="A map of a city&#10;&#10;Description automatically generated">
+          <p:cNvPr id="5" name="Content Placeholder 4" descr="A map of a country&#10;&#10;Description automatically generated">
             <a:extLst>
               <a:ext uri="{FF2B5EF4-FFF2-40B4-BE49-F238E27FC236}">
-                <a16:creationId xmlns:a16="http://schemas.microsoft.com/office/drawing/2014/main" id="{DC019A6B-AB23-5994-F70D-86471A7643AD}"/>
+                <a16:creationId xmlns:a16="http://schemas.microsoft.com/office/drawing/2014/main" id="{1DB2D345-4EC9-496E-F947-45160587E61E}"/>
               </a:ext>
             </a:extLst>
           </p:cNvPr>
@@ -4190,8 +5256,8 @@
         </p:blipFill>
         <p:spPr>
           <a:xfrm>
-            <a:off x="1824376" y="1269042"/>
-            <a:ext cx="8543248" cy="5314368"/>
+            <a:off x="1661688" y="1335661"/>
+            <a:ext cx="8459709" cy="5157214"/>
           </a:xfrm>
         </p:spPr>
       </p:pic>
@@ -4200,7 +5266,7 @@
           <p:cNvPr id="7" name="TextBox 6">
             <a:extLst>
               <a:ext uri="{FF2B5EF4-FFF2-40B4-BE49-F238E27FC236}">
-                <a16:creationId xmlns:a16="http://schemas.microsoft.com/office/drawing/2014/main" id="{781BFA37-1BBF-1E63-3FB6-FBAF59DFB7EA}"/>
+                <a16:creationId xmlns:a16="http://schemas.microsoft.com/office/drawing/2014/main" id="{C7C9D673-9756-A704-5A4A-694E823C6CB0}"/>
               </a:ext>
             </a:extLst>
           </p:cNvPr>
@@ -4209,8 +5275,8 @@
         </p:nvSpPr>
         <p:spPr>
           <a:xfrm>
-            <a:off x="7007382" y="2840152"/>
-            <a:ext cx="3949574" cy="1754326"/>
+            <a:off x="6998328" y="3342237"/>
+            <a:ext cx="4710065" cy="2308324"/>
           </a:xfrm>
           <a:prstGeom prst="rect">
             <a:avLst/>
@@ -4225,7 +5291,7 @@
           <a:p>
             <a:r>
               <a:rPr lang="en-US" dirty="0"/>
-              <a:t>These are proposed bus service routes in the Choose How You Move Transportation Improvement Program with increased frequency to 15 minutes or better during the day and operate 24/7. </a:t>
+              <a:t>These streets are where we expand mobility options and safety at the same time. These areas have been identified as priorities for sidewalks, bikeways, and safety improvements. They include some locations where we have more serious injuries and fatalities on our streets. Their design will be determined with additional community input. </a:t>
             </a:r>
           </a:p>
         </p:txBody>
@@ -4233,7 +5299,7 @@
     </p:spTree>
     <p:extLst>
       <p:ext uri="{BB962C8B-B14F-4D97-AF65-F5344CB8AC3E}">
-        <p14:creationId xmlns:p14="http://schemas.microsoft.com/office/powerpoint/2010/main" val="3685317591"/>
+        <p14:creationId xmlns:p14="http://schemas.microsoft.com/office/powerpoint/2010/main" val="2758375800"/>
       </p:ext>
     </p:extLst>
   </p:cSld>
@@ -4265,7 +5331,7 @@
           <p:cNvPr id="2" name="Title 1">
             <a:extLst>
               <a:ext uri="{FF2B5EF4-FFF2-40B4-BE49-F238E27FC236}">
-                <a16:creationId xmlns:a16="http://schemas.microsoft.com/office/drawing/2014/main" id="{1ECE3CFA-F55B-B66B-8193-4E41D9D6463F}"/>
+                <a16:creationId xmlns:a16="http://schemas.microsoft.com/office/drawing/2014/main" id="{E9F00924-414C-576A-B3A4-6829919A725C}"/>
               </a:ext>
             </a:extLst>
           </p:cNvPr>
@@ -4276,24 +5342,29 @@
             <p:ph type="title"/>
           </p:nvPr>
         </p:nvSpPr>
-        <p:spPr/>
+        <p:spPr>
+          <a:xfrm>
+            <a:off x="1015780" y="0"/>
+            <a:ext cx="2771114" cy="1325563"/>
+          </a:xfrm>
+        </p:spPr>
         <p:txBody>
           <a:bodyPr/>
           <a:lstStyle/>
           <a:p>
             <a:r>
               <a:rPr lang="en-US" dirty="0"/>
-              <a:t>Local Service Improvement</a:t>
+              <a:t>Sidewalks</a:t>
             </a:r>
           </a:p>
         </p:txBody>
       </p:sp>
       <p:pic>
         <p:nvPicPr>
-          <p:cNvPr id="5" name="Content Placeholder 4" descr="A map of a country&#10;&#10;Description automatically generated">
+          <p:cNvPr id="9" name="Content Placeholder 8" descr="A map of a country&#10;&#10;Description automatically generated">
             <a:extLst>
               <a:ext uri="{FF2B5EF4-FFF2-40B4-BE49-F238E27FC236}">
-                <a16:creationId xmlns:a16="http://schemas.microsoft.com/office/drawing/2014/main" id="{DBC3E37D-5B24-5E92-FD4A-2B9DB8B2FC05}"/>
+                <a16:creationId xmlns:a16="http://schemas.microsoft.com/office/drawing/2014/main" id="{74C6FDB4-A84A-4D76-F6B3-0562FBB39E9C}"/>
               </a:ext>
             </a:extLst>
           </p:cNvPr>
@@ -4318,17 +5389,17 @@
         </p:blipFill>
         <p:spPr>
           <a:xfrm>
-            <a:off x="1881153" y="1355765"/>
-            <a:ext cx="8429694" cy="4911732"/>
+            <a:off x="1628775" y="816809"/>
+            <a:ext cx="8347766" cy="5784015"/>
           </a:xfrm>
         </p:spPr>
       </p:pic>
       <p:sp>
         <p:nvSpPr>
-          <p:cNvPr id="7" name="TextBox 6">
+          <p:cNvPr id="3" name="TextBox 2">
             <a:extLst>
               <a:ext uri="{FF2B5EF4-FFF2-40B4-BE49-F238E27FC236}">
-                <a16:creationId xmlns:a16="http://schemas.microsoft.com/office/drawing/2014/main" id="{C88CF294-D2CF-9A50-A845-32DCB4F92BAF}"/>
+                <a16:creationId xmlns:a16="http://schemas.microsoft.com/office/drawing/2014/main" id="{D3E1CAFB-32F0-9168-E60C-B916001D0616}"/>
               </a:ext>
             </a:extLst>
           </p:cNvPr>
@@ -4337,8 +5408,8 @@
         </p:nvSpPr>
         <p:spPr>
           <a:xfrm>
-            <a:off x="6717670" y="2334303"/>
-            <a:ext cx="4773439" cy="1477328"/>
+            <a:off x="7255975" y="5307410"/>
+            <a:ext cx="3949574" cy="923330"/>
           </a:xfrm>
           <a:prstGeom prst="rect">
             <a:avLst/>
@@ -4353,7 +5424,7 @@
           <a:p>
             <a:r>
               <a:rPr lang="en-US" dirty="0"/>
-              <a:t>These are existing bus service routes in the Choose How You Move Transportation Improvement Program with upgrades to service every 20-30 minutes during the day and operations until 12 a.m. </a:t>
+              <a:t>These are proposed new sidewalks identified in the Choose How You Move Transportation Improvement Program.</a:t>
             </a:r>
           </a:p>
         </p:txBody>
@@ -4361,7 +5432,7 @@
     </p:spTree>
     <p:extLst>
       <p:ext uri="{BB962C8B-B14F-4D97-AF65-F5344CB8AC3E}">
-        <p14:creationId xmlns:p14="http://schemas.microsoft.com/office/powerpoint/2010/main" val="3649811399"/>
+        <p14:creationId xmlns:p14="http://schemas.microsoft.com/office/powerpoint/2010/main" val="3239736606"/>
       </p:ext>
     </p:extLst>
   </p:cSld>
@@ -4393,7 +5464,7 @@
           <p:cNvPr id="2" name="Title 1">
             <a:extLst>
               <a:ext uri="{FF2B5EF4-FFF2-40B4-BE49-F238E27FC236}">
-                <a16:creationId xmlns:a16="http://schemas.microsoft.com/office/drawing/2014/main" id="{DF51A40B-5372-F180-8BAB-28D3F2C29C92}"/>
+                <a16:creationId xmlns:a16="http://schemas.microsoft.com/office/drawing/2014/main" id="{85C9EF2E-9DD2-E1C5-299A-A7F2456AE26C}"/>
               </a:ext>
             </a:extLst>
           </p:cNvPr>
@@ -4404,24 +5475,29 @@
             <p:ph type="title"/>
           </p:nvPr>
         </p:nvSpPr>
-        <p:spPr/>
+        <p:spPr>
+          <a:xfrm>
+            <a:off x="1158240" y="274590"/>
+            <a:ext cx="9875520" cy="1356360"/>
+          </a:xfrm>
+        </p:spPr>
         <p:txBody>
           <a:bodyPr/>
           <a:lstStyle/>
           <a:p>
             <a:r>
               <a:rPr lang="en-US" dirty="0"/>
-              <a:t>New Connector</a:t>
+              <a:t>Frequent Network</a:t>
             </a:r>
           </a:p>
         </p:txBody>
       </p:sp>
       <p:pic>
         <p:nvPicPr>
-          <p:cNvPr id="9" name="Content Placeholder 8" descr="A map of a large green area with colorful lines&#10;&#10;Description automatically generated">
+          <p:cNvPr id="5" name="Content Placeholder 4" descr="A map of a city&#10;&#10;Description automatically generated">
             <a:extLst>
               <a:ext uri="{FF2B5EF4-FFF2-40B4-BE49-F238E27FC236}">
-                <a16:creationId xmlns:a16="http://schemas.microsoft.com/office/drawing/2014/main" id="{6E5A30BF-5697-7453-3D63-F69D7FDBE713}"/>
+                <a16:creationId xmlns:a16="http://schemas.microsoft.com/office/drawing/2014/main" id="{DC019A6B-AB23-5994-F70D-86471A7643AD}"/>
               </a:ext>
             </a:extLst>
           </p:cNvPr>
@@ -4446,17 +5522,17 @@
         </p:blipFill>
         <p:spPr>
           <a:xfrm>
-            <a:off x="1636289" y="1243594"/>
-            <a:ext cx="8919422" cy="5298667"/>
+            <a:off x="1824376" y="1269042"/>
+            <a:ext cx="8543248" cy="5314368"/>
           </a:xfrm>
         </p:spPr>
       </p:pic>
       <p:sp>
         <p:nvSpPr>
-          <p:cNvPr id="11" name="TextBox 10">
+          <p:cNvPr id="7" name="TextBox 6">
             <a:extLst>
               <a:ext uri="{FF2B5EF4-FFF2-40B4-BE49-F238E27FC236}">
-                <a16:creationId xmlns:a16="http://schemas.microsoft.com/office/drawing/2014/main" id="{43208A09-B9A4-EB2A-74E3-2DCE08449A81}"/>
+                <a16:creationId xmlns:a16="http://schemas.microsoft.com/office/drawing/2014/main" id="{781BFA37-1BBF-1E63-3FB6-FBAF59DFB7EA}"/>
               </a:ext>
             </a:extLst>
           </p:cNvPr>
@@ -4465,8 +5541,8 @@
         </p:nvSpPr>
         <p:spPr>
           <a:xfrm>
-            <a:off x="6808205" y="2815689"/>
-            <a:ext cx="3994841" cy="1477328"/>
+            <a:off x="7007382" y="2840152"/>
+            <a:ext cx="3949574" cy="1754326"/>
           </a:xfrm>
           <a:prstGeom prst="rect">
             <a:avLst/>
@@ -4481,7 +5557,7 @@
           <a:p>
             <a:r>
               <a:rPr lang="en-US" dirty="0"/>
-              <a:t>These are new or expanded bus service routes in the Choose How You Move Transportation Improvement Program with service every 20-30 minutes during the day.</a:t>
+              <a:t>These are proposed bus service routes in the Choose How You Move Transportation Improvement Program with increased frequency to 15 minutes or better during the day and operate 24/7. </a:t>
             </a:r>
           </a:p>
         </p:txBody>
@@ -4489,7 +5565,7 @@
     </p:spTree>
     <p:extLst>
       <p:ext uri="{BB962C8B-B14F-4D97-AF65-F5344CB8AC3E}">
-        <p14:creationId xmlns:p14="http://schemas.microsoft.com/office/powerpoint/2010/main" val="3129309088"/>
+        <p14:creationId xmlns:p14="http://schemas.microsoft.com/office/powerpoint/2010/main" val="3685317591"/>
       </p:ext>
     </p:extLst>
   </p:cSld>
@@ -4500,110 +5576,58 @@
 </file>
 
 <file path=ppt/theme/theme1.xml><?xml version="1.0" encoding="utf-8"?>
-<a:theme xmlns:a="http://schemas.openxmlformats.org/drawingml/2006/main" name="Office Theme">
+<a:theme xmlns:a="http://schemas.openxmlformats.org/drawingml/2006/main" name="Basis">
   <a:themeElements>
-    <a:clrScheme name="Office">
+    <a:clrScheme name="Basis">
       <a:dk1>
-        <a:sysClr val="windowText" lastClr="000000"/>
+        <a:srgbClr val="000000"/>
       </a:dk1>
       <a:lt1>
-        <a:sysClr val="window" lastClr="FFFFFF"/>
+        <a:srgbClr val="FFFFFF"/>
       </a:lt1>
       <a:dk2>
-        <a:srgbClr val="0E2841"/>
+        <a:srgbClr val="565349"/>
       </a:dk2>
       <a:lt2>
-        <a:srgbClr val="E8E8E8"/>
+        <a:srgbClr val="DDDDDD"/>
       </a:lt2>
       <a:accent1>
-        <a:srgbClr val="156082"/>
+        <a:srgbClr val="A6B727"/>
       </a:accent1>
       <a:accent2>
-        <a:srgbClr val="E97132"/>
+        <a:srgbClr val="DF5327"/>
       </a:accent2>
       <a:accent3>
-        <a:srgbClr val="196B24"/>
+        <a:srgbClr val="FE9E00"/>
       </a:accent3>
       <a:accent4>
-        <a:srgbClr val="0F9ED5"/>
+        <a:srgbClr val="418AB3"/>
       </a:accent4>
       <a:accent5>
-        <a:srgbClr val="A02B93"/>
+        <a:srgbClr val="D7D447"/>
       </a:accent5>
       <a:accent6>
-        <a:srgbClr val="4EA72E"/>
+        <a:srgbClr val="818183"/>
       </a:accent6>
       <a:hlink>
-        <a:srgbClr val="467886"/>
+        <a:srgbClr val="F59E00"/>
       </a:hlink>
       <a:folHlink>
-        <a:srgbClr val="96607D"/>
+        <a:srgbClr val="B2B2B2"/>
       </a:folHlink>
     </a:clrScheme>
-    <a:fontScheme name="Office">
+    <a:fontScheme name="Basis">
       <a:majorFont>
-        <a:latin typeface="Aptos Display" panose="02110004020202020204"/>
+        <a:latin typeface="Corbel" panose="020B0503020204020204"/>
         <a:ea typeface=""/>
         <a:cs typeface=""/>
-        <a:font script="Jpan" typeface="游ゴシック Light"/>
+        <a:font script="Jpan" typeface="ＭＳ ゴシック"/>
         <a:font script="Hang" typeface="맑은 고딕"/>
-        <a:font script="Hans" typeface="等线 Light"/>
+        <a:font script="Hans" typeface="宋体"/>
         <a:font script="Hant" typeface="新細明體"/>
-        <a:font script="Arab" typeface="Times New Roman"/>
-        <a:font script="Hebr" typeface="Times New Roman"/>
-        <a:font script="Thai" typeface="Angsana New"/>
-        <a:font script="Ethi" typeface="Nyala"/>
-        <a:font script="Beng" typeface="Vrinda"/>
-        <a:font script="Gujr" typeface="Shruti"/>
-        <a:font script="Khmr" typeface="MoolBoran"/>
-        <a:font script="Knda" typeface="Tunga"/>
-        <a:font script="Guru" typeface="Raavi"/>
-        <a:font script="Cans" typeface="Euphemia"/>
-        <a:font script="Cher" typeface="Plantagenet Cherokee"/>
-        <a:font script="Yiii" typeface="Microsoft Yi Baiti"/>
-        <a:font script="Tibt" typeface="Microsoft Himalaya"/>
-        <a:font script="Thaa" typeface="MV Boli"/>
-        <a:font script="Deva" typeface="Mangal"/>
-        <a:font script="Telu" typeface="Gautami"/>
-        <a:font script="Taml" typeface="Latha"/>
-        <a:font script="Syrc" typeface="Estrangelo Edessa"/>
-        <a:font script="Orya" typeface="Kalinga"/>
-        <a:font script="Mlym" typeface="Kartika"/>
-        <a:font script="Laoo" typeface="DokChampa"/>
-        <a:font script="Sinh" typeface="Iskoola Pota"/>
-        <a:font script="Mong" typeface="Mongolian Baiti"/>
-        <a:font script="Viet" typeface="Times New Roman"/>
-        <a:font script="Uigh" typeface="Microsoft Uighur"/>
-        <a:font script="Geor" typeface="Sylfaen"/>
-        <a:font script="Armn" typeface="Arial"/>
-        <a:font script="Bugi" typeface="Leelawadee UI"/>
-        <a:font script="Bopo" typeface="Microsoft JhengHei"/>
-        <a:font script="Java" typeface="Javanese Text"/>
-        <a:font script="Lisu" typeface="Segoe UI"/>
-        <a:font script="Mymr" typeface="Myanmar Text"/>
-        <a:font script="Nkoo" typeface="Ebrima"/>
-        <a:font script="Olck" typeface="Nirmala UI"/>
-        <a:font script="Osma" typeface="Ebrima"/>
-        <a:font script="Phag" typeface="Phagspa"/>
-        <a:font script="Syrn" typeface="Estrangelo Edessa"/>
-        <a:font script="Syrj" typeface="Estrangelo Edessa"/>
-        <a:font script="Syre" typeface="Estrangelo Edessa"/>
-        <a:font script="Sora" typeface="Nirmala UI"/>
-        <a:font script="Tale" typeface="Microsoft Tai Le"/>
-        <a:font script="Talu" typeface="Microsoft New Tai Lue"/>
-        <a:font script="Tfng" typeface="Ebrima"/>
-      </a:majorFont>
-      <a:minorFont>
-        <a:latin typeface="Aptos" panose="02110004020202020204"/>
-        <a:ea typeface=""/>
-        <a:cs typeface=""/>
-        <a:font script="Jpan" typeface="游ゴシック"/>
-        <a:font script="Hang" typeface="맑은 고딕"/>
-        <a:font script="Hans" typeface="等线"/>
-        <a:font script="Hant" typeface="新細明體"/>
-        <a:font script="Arab" typeface="Arial"/>
-        <a:font script="Hebr" typeface="Arial"/>
-        <a:font script="Thai" typeface="Cordia New"/>
+        <a:font script="Arab" typeface="Tahoma"/>
+        <a:font script="Hebr" typeface="Gisha"/>
+        <a:font script="Thai" typeface="DilleniaUPC"/>
         <a:font script="Ethi" typeface="Nyala"/>
         <a:font script="Beng" typeface="Vrinda"/>
         <a:font script="Gujr" typeface="Shruti"/>
@@ -4624,107 +5648,98 @@
         <a:font script="Laoo" typeface="DokChampa"/>
         <a:font script="Sinh" typeface="Iskoola Pota"/>
         <a:font script="Mong" typeface="Mongolian Baiti"/>
-        <a:font script="Viet" typeface="Arial"/>
+        <a:font script="Viet" typeface="Tahoma"/>
         <a:font script="Uigh" typeface="Microsoft Uighur"/>
         <a:font script="Geor" typeface="Sylfaen"/>
-        <a:font script="Armn" typeface="Arial"/>
-        <a:font script="Bugi" typeface="Leelawadee UI"/>
-        <a:font script="Bopo" typeface="Microsoft JhengHei"/>
-        <a:font script="Java" typeface="Javanese Text"/>
-        <a:font script="Lisu" typeface="Segoe UI"/>
-        <a:font script="Mymr" typeface="Myanmar Text"/>
-        <a:font script="Nkoo" typeface="Ebrima"/>
-        <a:font script="Olck" typeface="Nirmala UI"/>
-        <a:font script="Osma" typeface="Ebrima"/>
-        <a:font script="Phag" typeface="Phagspa"/>
-        <a:font script="Syrn" typeface="Estrangelo Edessa"/>
-        <a:font script="Syrj" typeface="Estrangelo Edessa"/>
-        <a:font script="Syre" typeface="Estrangelo Edessa"/>
-        <a:font script="Sora" typeface="Nirmala UI"/>
-        <a:font script="Tale" typeface="Microsoft Tai Le"/>
-        <a:font script="Talu" typeface="Microsoft New Tai Lue"/>
-        <a:font script="Tfng" typeface="Ebrima"/>
+      </a:majorFont>
+      <a:minorFont>
+        <a:latin typeface="Corbel" panose="020B0503020204020204"/>
+        <a:ea typeface=""/>
+        <a:cs typeface=""/>
+        <a:font script="Jpan" typeface="ＭＳ ゴシック"/>
+        <a:font script="Hang" typeface="맑은 고딕"/>
+        <a:font script="Hans" typeface="宋体"/>
+        <a:font script="Hant" typeface="新細明體"/>
+        <a:font script="Arab" typeface="Tahoma"/>
+        <a:font script="Hebr" typeface="Gisha"/>
+        <a:font script="Thai" typeface="DilleniaUPC"/>
+        <a:font script="Ethi" typeface="Nyala"/>
+        <a:font script="Beng" typeface="Vrinda"/>
+        <a:font script="Gujr" typeface="Shruti"/>
+        <a:font script="Khmr" typeface="DaunPenh"/>
+        <a:font script="Knda" typeface="Tunga"/>
+        <a:font script="Guru" typeface="Raavi"/>
+        <a:font script="Cans" typeface="Euphemia"/>
+        <a:font script="Cher" typeface="Plantagenet Cherokee"/>
+        <a:font script="Yiii" typeface="Microsoft Yi Baiti"/>
+        <a:font script="Tibt" typeface="Microsoft Himalaya"/>
+        <a:font script="Thaa" typeface="MV Boli"/>
+        <a:font script="Deva" typeface="Mangal"/>
+        <a:font script="Telu" typeface="Gautami"/>
+        <a:font script="Taml" typeface="Latha"/>
+        <a:font script="Syrc" typeface="Estrangelo Edessa"/>
+        <a:font script="Orya" typeface="Kalinga"/>
+        <a:font script="Mlym" typeface="Kartika"/>
+        <a:font script="Laoo" typeface="DokChampa"/>
+        <a:font script="Sinh" typeface="Iskoola Pota"/>
+        <a:font script="Mong" typeface="Mongolian Baiti"/>
+        <a:font script="Viet" typeface="Verdana"/>
+        <a:font script="Uigh" typeface="Microsoft Uighur"/>
+        <a:font script="Geor" typeface="Sylfaen"/>
       </a:minorFont>
     </a:fontScheme>
-    <a:fmtScheme name="Office">
+    <a:fmtScheme name="Basis">
       <a:fillStyleLst>
         <a:solidFill>
           <a:schemeClr val="phClr"/>
         </a:solidFill>
+        <a:solidFill>
+          <a:schemeClr val="phClr">
+            <a:tint val="55000"/>
+            <a:satMod val="130000"/>
+          </a:schemeClr>
+        </a:solidFill>
         <a:gradFill rotWithShape="1">
           <a:gsLst>
             <a:gs pos="0">
+              <a:schemeClr val="phClr"/>
+            </a:gs>
+            <a:gs pos="90000">
               <a:schemeClr val="phClr">
-                <a:lumMod val="110000"/>
+                <a:shade val="100000"/>
                 <a:satMod val="105000"/>
-                <a:tint val="67000"/>
-              </a:schemeClr>
-            </a:gs>
-            <a:gs pos="50000">
-              <a:schemeClr val="phClr">
-                <a:lumMod val="105000"/>
-                <a:satMod val="103000"/>
-                <a:tint val="73000"/>
               </a:schemeClr>
             </a:gs>
             <a:gs pos="100000">
               <a:schemeClr val="phClr">
-                <a:lumMod val="105000"/>
-                <a:satMod val="109000"/>
-                <a:tint val="81000"/>
+                <a:shade val="80000"/>
+                <a:satMod val="120000"/>
               </a:schemeClr>
             </a:gs>
           </a:gsLst>
-          <a:lin ang="5400000" scaled="0"/>
-        </a:gradFill>
-        <a:gradFill rotWithShape="1">
-          <a:gsLst>
-            <a:gs pos="0">
-              <a:schemeClr val="phClr">
-                <a:satMod val="103000"/>
-                <a:lumMod val="102000"/>
-                <a:tint val="94000"/>
-              </a:schemeClr>
-            </a:gs>
-            <a:gs pos="50000">
-              <a:schemeClr val="phClr">
-                <a:satMod val="110000"/>
-                <a:lumMod val="100000"/>
-                <a:shade val="100000"/>
-              </a:schemeClr>
-            </a:gs>
-            <a:gs pos="100000">
-              <a:schemeClr val="phClr">
-                <a:lumMod val="99000"/>
-                <a:satMod val="120000"/>
-                <a:shade val="78000"/>
-              </a:schemeClr>
-            </a:gs>
-          </a:gsLst>
-          <a:lin ang="5400000" scaled="0"/>
+          <a:path path="circle">
+            <a:fillToRect l="100000" t="100000" r="100000" b="100000"/>
+          </a:path>
         </a:gradFill>
       </a:fillStyleLst>
       <a:lnStyleLst>
-        <a:ln w="12700" cap="flat" cmpd="sng" algn="ctr">
+        <a:ln w="10000" cap="flat" cmpd="sng" algn="ctr">
           <a:solidFill>
             <a:schemeClr val="phClr"/>
           </a:solidFill>
           <a:prstDash val="solid"/>
-          <a:miter lim="800000"/>
         </a:ln>
         <a:ln w="19050" cap="flat" cmpd="sng" algn="ctr">
           <a:solidFill>
             <a:schemeClr val="phClr"/>
           </a:solidFill>
           <a:prstDash val="solid"/>
-          <a:miter lim="800000"/>
         </a:ln>
-        <a:ln w="25400" cap="flat" cmpd="sng" algn="ctr">
+        <a:ln w="53975" cap="flat" cmpd="dbl" algn="ctr">
           <a:solidFill>
             <a:schemeClr val="phClr"/>
           </a:solidFill>
           <a:prstDash val="solid"/>
-          <a:miter lim="800000"/>
         </a:ln>
       </a:lnStyleLst>
       <a:effectStyleLst>
@@ -4732,16 +5747,37 @@
           <a:effectLst/>
         </a:effectStyle>
         <a:effectStyle>
-          <a:effectLst/>
+          <a:effectLst>
+            <a:outerShdw blurRad="38100" dist="25400" dir="5400000" rotWithShape="0">
+              <a:srgbClr val="000000">
+                <a:alpha val="45000"/>
+              </a:srgbClr>
+            </a:outerShdw>
+          </a:effectLst>
         </a:effectStyle>
         <a:effectStyle>
           <a:effectLst>
-            <a:outerShdw blurRad="57150" dist="19050" dir="5400000" algn="ctr" rotWithShape="0">
+            <a:outerShdw blurRad="38100" dist="25400" dir="5400000" rotWithShape="0">
               <a:srgbClr val="000000">
-                <a:alpha val="63000"/>
+                <a:alpha val="45000"/>
               </a:srgbClr>
             </a:outerShdw>
           </a:effectLst>
+          <a:scene3d>
+            <a:camera prst="orthographicFront">
+              <a:rot lat="0" lon="0" rev="0"/>
+            </a:camera>
+            <a:lightRig rig="brightRoom" dir="t"/>
+          </a:scene3d>
+          <a:sp3d extrusionH="12700" contourW="25400" prstMaterial="flat">
+            <a:bevelT w="63500" h="152400" prst="angle"/>
+            <a:contourClr>
+              <a:schemeClr val="phClr">
+                <a:shade val="27000"/>
+                <a:satMod val="120000"/>
+              </a:schemeClr>
+            </a:contourClr>
+          </a:sp3d>
         </a:effectStyle>
       </a:effectStyleLst>
       <a:bgFillStyleLst>
@@ -4751,64 +5787,26 @@
         <a:solidFill>
           <a:schemeClr val="phClr">
             <a:tint val="95000"/>
-            <a:satMod val="170000"/>
+            <a:shade val="95000"/>
+            <a:satMod val="140000"/>
           </a:schemeClr>
         </a:solidFill>
-        <a:gradFill rotWithShape="1">
-          <a:gsLst>
-            <a:gs pos="0">
-              <a:schemeClr val="phClr">
-                <a:tint val="93000"/>
-                <a:satMod val="150000"/>
-                <a:shade val="98000"/>
-                <a:lumMod val="102000"/>
-              </a:schemeClr>
-            </a:gs>
-            <a:gs pos="50000">
-              <a:schemeClr val="phClr">
-                <a:tint val="98000"/>
-                <a:satMod val="130000"/>
-                <a:shade val="90000"/>
-                <a:lumMod val="103000"/>
-              </a:schemeClr>
-            </a:gs>
-            <a:gs pos="100000">
-              <a:schemeClr val="phClr">
-                <a:shade val="63000"/>
-                <a:satMod val="120000"/>
-              </a:schemeClr>
-            </a:gs>
-          </a:gsLst>
-          <a:lin ang="5400000" scaled="0"/>
-        </a:gradFill>
+        <a:solidFill>
+          <a:schemeClr val="phClr">
+            <a:tint val="90000"/>
+            <a:shade val="85000"/>
+            <a:satMod val="160000"/>
+            <a:lumMod val="110000"/>
+          </a:schemeClr>
+        </a:solidFill>
       </a:bgFillStyleLst>
     </a:fmtScheme>
   </a:themeElements>
-  <a:objectDefaults>
-    <a:lnDef>
-      <a:spPr/>
-      <a:bodyPr/>
-      <a:lstStyle/>
-      <a:style>
-        <a:lnRef idx="2">
-          <a:schemeClr val="accent1"/>
-        </a:lnRef>
-        <a:fillRef idx="0">
-          <a:schemeClr val="accent1"/>
-        </a:fillRef>
-        <a:effectRef idx="1">
-          <a:schemeClr val="accent1"/>
-        </a:effectRef>
-        <a:fontRef idx="minor">
-          <a:schemeClr val="tx1"/>
-        </a:fontRef>
-      </a:style>
-    </a:lnDef>
-  </a:objectDefaults>
+  <a:objectDefaults/>
   <a:extraClrSchemeLst/>
   <a:extLst>
     <a:ext uri="{05A4C25C-085E-4340-85A3-A5531E510DB2}">
-      <thm15:themeFamily xmlns:thm15="http://schemas.microsoft.com/office/thememl/2012/main" name="Office Theme" id="{2E142A2C-CD16-42D6-873A-C26D2A0506FA}" vid="{1BDDFF52-6CD6-40A5-AB3C-68EB2F1E4D0A}"/>
+      <thm15:themeFamily xmlns:thm15="http://schemas.microsoft.com/office/thememl/2012/main" name="Basis" id="{5665723A-49BA-4B57-8411-A56F8F207965}" vid="{90E45F77-AEFC-46EF-A7C1-5B338C297B02}"/>
     </a:ext>
   </a:extLst>
 </a:theme>

--- a/capstonepresentation.pptx
+++ b/capstonepresentation.pptx
@@ -321,7 +321,7 @@
           <a:p>
             <a:fld id="{4496AEDF-3A3F-4CA9-99A7-FAD98730B112}" type="datetimeFigureOut">
               <a:rPr lang="en-US" smtClean="0"/>
-              <a:t>12/16/2024</a:t>
+              <a:t>12/17/2024</a:t>
             </a:fld>
             <a:endParaRPr lang="en-US"/>
           </a:p>
@@ -542,7 +542,7 @@
           <a:p>
             <a:fld id="{4496AEDF-3A3F-4CA9-99A7-FAD98730B112}" type="datetimeFigureOut">
               <a:rPr lang="en-US" smtClean="0"/>
-              <a:t>12/16/2024</a:t>
+              <a:t>12/17/2024</a:t>
             </a:fld>
             <a:endParaRPr lang="en-US"/>
           </a:p>
@@ -722,7 +722,7 @@
           <a:p>
             <a:fld id="{4496AEDF-3A3F-4CA9-99A7-FAD98730B112}" type="datetimeFigureOut">
               <a:rPr lang="en-US" smtClean="0"/>
-              <a:t>12/16/2024</a:t>
+              <a:t>12/17/2024</a:t>
             </a:fld>
             <a:endParaRPr lang="en-US"/>
           </a:p>
@@ -892,7 +892,7 @@
           <a:p>
             <a:fld id="{4496AEDF-3A3F-4CA9-99A7-FAD98730B112}" type="datetimeFigureOut">
               <a:rPr lang="en-US" smtClean="0"/>
-              <a:t>12/16/2024</a:t>
+              <a:t>12/17/2024</a:t>
             </a:fld>
             <a:endParaRPr lang="en-US"/>
           </a:p>
@@ -1143,7 +1143,7 @@
           <a:p>
             <a:fld id="{4496AEDF-3A3F-4CA9-99A7-FAD98730B112}" type="datetimeFigureOut">
               <a:rPr lang="en-US" smtClean="0"/>
-              <a:t>12/16/2024</a:t>
+              <a:t>12/17/2024</a:t>
             </a:fld>
             <a:endParaRPr lang="en-US"/>
           </a:p>
@@ -1466,7 +1466,7 @@
           <a:p>
             <a:fld id="{4496AEDF-3A3F-4CA9-99A7-FAD98730B112}" type="datetimeFigureOut">
               <a:rPr lang="en-US" smtClean="0"/>
-              <a:t>12/16/2024</a:t>
+              <a:t>12/17/2024</a:t>
             </a:fld>
             <a:endParaRPr lang="en-US"/>
           </a:p>
@@ -1890,7 +1890,7 @@
           <a:p>
             <a:fld id="{4496AEDF-3A3F-4CA9-99A7-FAD98730B112}" type="datetimeFigureOut">
               <a:rPr lang="en-US" smtClean="0"/>
-              <a:t>12/16/2024</a:t>
+              <a:t>12/17/2024</a:t>
             </a:fld>
             <a:endParaRPr lang="en-US"/>
           </a:p>
@@ -2008,7 +2008,7 @@
           <a:p>
             <a:fld id="{4496AEDF-3A3F-4CA9-99A7-FAD98730B112}" type="datetimeFigureOut">
               <a:rPr lang="en-US" smtClean="0"/>
-              <a:t>12/16/2024</a:t>
+              <a:t>12/17/2024</a:t>
             </a:fld>
             <a:endParaRPr lang="en-US"/>
           </a:p>
@@ -2103,7 +2103,7 @@
           <a:p>
             <a:fld id="{4496AEDF-3A3F-4CA9-99A7-FAD98730B112}" type="datetimeFigureOut">
               <a:rPr lang="en-US" smtClean="0"/>
-              <a:t>12/16/2024</a:t>
+              <a:t>12/17/2024</a:t>
             </a:fld>
             <a:endParaRPr lang="en-US"/>
           </a:p>
@@ -2393,7 +2393,7 @@
           <a:p>
             <a:fld id="{4496AEDF-3A3F-4CA9-99A7-FAD98730B112}" type="datetimeFigureOut">
               <a:rPr lang="en-US" smtClean="0"/>
-              <a:t>12/16/2024</a:t>
+              <a:t>12/17/2024</a:t>
             </a:fld>
             <a:endParaRPr lang="en-US"/>
           </a:p>
@@ -2665,7 +2665,7 @@
           <a:p>
             <a:fld id="{4496AEDF-3A3F-4CA9-99A7-FAD98730B112}" type="datetimeFigureOut">
               <a:rPr lang="en-US" smtClean="0"/>
-              <a:t>12/16/2024</a:t>
+              <a:t>12/17/2024</a:t>
             </a:fld>
             <a:endParaRPr lang="en-US"/>
           </a:p>
@@ -2919,7 +2919,7 @@
           <a:p>
             <a:fld id="{4496AEDF-3A3F-4CA9-99A7-FAD98730B112}" type="datetimeFigureOut">
               <a:rPr lang="en-US" smtClean="0"/>
-              <a:t>12/16/2024</a:t>
+              <a:t>12/17/2024</a:t>
             </a:fld>
             <a:endParaRPr lang="en-US"/>
           </a:p>
